--- a/docs/apresentacao/apresentacao - TEMPLATE.pptx
+++ b/docs/apresentacao/apresentacao - TEMPLATE.pptx
@@ -17,7 +17,7 @@
     <p:sldId id="263" r:id="rId12"/>
   </p:sldIdLst>
   <p:sldSz cx="12192000" cy="6858000"/>
-  <p:notesSz cx="7772400" cy="10058400"/>
+  <p:notesSz cx="7559675" cy="10691812"/>
 </p:presentation>
 </file>
 
@@ -62,7 +62,7 @@
       </p:grpSpPr>
       <p:sp>
         <p:nvSpPr>
-          <p:cNvPr id="30" name="PlaceHolder 1"/>
+          <p:cNvPr id="27" name="PlaceHolder 1"/>
           <p:cNvSpPr>
             <a:spLocks noGrp="1"/>
           </p:cNvSpPr>
@@ -72,30 +72,26 @@
         </p:nvSpPr>
         <p:spPr>
           <a:xfrm>
-            <a:off x="457200" y="4960080"/>
-            <a:ext cx="7772040" cy="1462680"/>
+            <a:off x="609480" y="273600"/>
+            <a:ext cx="10972440" cy="1144800"/>
           </a:xfrm>
           <a:prstGeom prst="rect">
             <a:avLst/>
           </a:prstGeom>
         </p:spPr>
         <p:txBody>
-          <a:bodyPr lIns="0" rIns="0" tIns="0" bIns="0" anchor="ctr">
-            <a:noAutofit/>
-          </a:bodyPr>
-          <a:p>
-            <a:endParaRPr b="0" lang="en-US" sz="1800" spc="-1" strike="noStrike">
-              <a:solidFill>
-                <a:srgbClr val="000000"/>
-              </a:solidFill>
-              <a:latin typeface="Tw Cen MT"/>
+          <a:bodyPr lIns="0" rIns="0" tIns="0" bIns="0" anchor="ctr"/>
+          <a:p>
+            <a:pPr algn="ctr"/>
+            <a:endParaRPr b="0" lang="pt-BR" sz="4400" spc="-1" strike="noStrike">
+              <a:latin typeface="Arial"/>
             </a:endParaRPr>
           </a:p>
         </p:txBody>
       </p:sp>
       <p:sp>
         <p:nvSpPr>
-          <p:cNvPr id="31" name="PlaceHolder 2"/>
+          <p:cNvPr id="28" name="PlaceHolder 2"/>
           <p:cNvSpPr>
             <a:spLocks noGrp="1"/>
           </p:cNvSpPr>
@@ -105,8 +101,8 @@
         </p:nvSpPr>
         <p:spPr>
           <a:xfrm>
-            <a:off x="0" y="0"/>
-            <a:ext cx="12188520" cy="2180520"/>
+            <a:off x="609480" y="1604520"/>
+            <a:ext cx="10972440" cy="1896840"/>
           </a:xfrm>
           <a:prstGeom prst="rect">
             <a:avLst/>
@@ -117,18 +113,15 @@
             <a:normAutofit/>
           </a:bodyPr>
           <a:p>
-            <a:endParaRPr b="0" lang="en-US" sz="2200" spc="-1" strike="noStrike">
-              <a:solidFill>
-                <a:srgbClr val="000000"/>
-              </a:solidFill>
-              <a:latin typeface="Tw Cen MT"/>
+            <a:endParaRPr b="0" lang="pt-BR" sz="3200" spc="-1" strike="noStrike">
+              <a:latin typeface="Arial"/>
             </a:endParaRPr>
           </a:p>
         </p:txBody>
       </p:sp>
       <p:sp>
         <p:nvSpPr>
-          <p:cNvPr id="32" name="PlaceHolder 3"/>
+          <p:cNvPr id="29" name="PlaceHolder 3"/>
           <p:cNvSpPr>
             <a:spLocks noGrp="1"/>
           </p:cNvSpPr>
@@ -138,8 +131,8 @@
         </p:nvSpPr>
         <p:spPr>
           <a:xfrm>
-            <a:off x="0" y="2388240"/>
-            <a:ext cx="12188520" cy="2180520"/>
+            <a:off x="609480" y="3682080"/>
+            <a:ext cx="10972440" cy="1896840"/>
           </a:xfrm>
           <a:prstGeom prst="rect">
             <a:avLst/>
@@ -150,11 +143,8 @@
             <a:normAutofit/>
           </a:bodyPr>
           <a:p>
-            <a:endParaRPr b="0" lang="en-US" sz="2200" spc="-1" strike="noStrike">
-              <a:solidFill>
-                <a:srgbClr val="000000"/>
-              </a:solidFill>
-              <a:latin typeface="Tw Cen MT"/>
+            <a:endParaRPr b="0" lang="pt-BR" sz="3200" spc="-1" strike="noStrike">
+              <a:latin typeface="Arial"/>
             </a:endParaRPr>
           </a:p>
         </p:txBody>
@@ -183,7 +173,7 @@
       </p:grpSpPr>
       <p:sp>
         <p:nvSpPr>
-          <p:cNvPr id="33" name="PlaceHolder 1"/>
+          <p:cNvPr id="30" name="PlaceHolder 1"/>
           <p:cNvSpPr>
             <a:spLocks noGrp="1"/>
           </p:cNvSpPr>
@@ -193,30 +183,26 @@
         </p:nvSpPr>
         <p:spPr>
           <a:xfrm>
-            <a:off x="457200" y="4960080"/>
-            <a:ext cx="7772040" cy="1462680"/>
+            <a:off x="609480" y="273600"/>
+            <a:ext cx="10972440" cy="1144800"/>
           </a:xfrm>
           <a:prstGeom prst="rect">
             <a:avLst/>
           </a:prstGeom>
         </p:spPr>
         <p:txBody>
-          <a:bodyPr lIns="0" rIns="0" tIns="0" bIns="0" anchor="ctr">
-            <a:noAutofit/>
-          </a:bodyPr>
-          <a:p>
-            <a:endParaRPr b="0" lang="en-US" sz="1800" spc="-1" strike="noStrike">
-              <a:solidFill>
-                <a:srgbClr val="000000"/>
-              </a:solidFill>
-              <a:latin typeface="Tw Cen MT"/>
+          <a:bodyPr lIns="0" rIns="0" tIns="0" bIns="0" anchor="ctr"/>
+          <a:p>
+            <a:pPr algn="ctr"/>
+            <a:endParaRPr b="0" lang="pt-BR" sz="4400" spc="-1" strike="noStrike">
+              <a:latin typeface="Arial"/>
             </a:endParaRPr>
           </a:p>
         </p:txBody>
       </p:sp>
       <p:sp>
         <p:nvSpPr>
-          <p:cNvPr id="34" name="PlaceHolder 2"/>
+          <p:cNvPr id="31" name="PlaceHolder 2"/>
           <p:cNvSpPr>
             <a:spLocks noGrp="1"/>
           </p:cNvSpPr>
@@ -226,8 +212,8 @@
         </p:nvSpPr>
         <p:spPr>
           <a:xfrm>
-            <a:off x="0" y="0"/>
-            <a:ext cx="5947920" cy="2180520"/>
+            <a:off x="609480" y="1604520"/>
+            <a:ext cx="5354280" cy="1896840"/>
           </a:xfrm>
           <a:prstGeom prst="rect">
             <a:avLst/>
@@ -238,18 +224,15 @@
             <a:normAutofit/>
           </a:bodyPr>
           <a:p>
-            <a:endParaRPr b="0" lang="en-US" sz="2200" spc="-1" strike="noStrike">
-              <a:solidFill>
-                <a:srgbClr val="000000"/>
-              </a:solidFill>
-              <a:latin typeface="Tw Cen MT"/>
+            <a:endParaRPr b="0" lang="pt-BR" sz="3200" spc="-1" strike="noStrike">
+              <a:latin typeface="Arial"/>
             </a:endParaRPr>
           </a:p>
         </p:txBody>
       </p:sp>
       <p:sp>
         <p:nvSpPr>
-          <p:cNvPr id="35" name="PlaceHolder 3"/>
+          <p:cNvPr id="32" name="PlaceHolder 3"/>
           <p:cNvSpPr>
             <a:spLocks noGrp="1"/>
           </p:cNvSpPr>
@@ -259,8 +242,8 @@
         </p:nvSpPr>
         <p:spPr>
           <a:xfrm>
-            <a:off x="6245640" y="0"/>
-            <a:ext cx="5947920" cy="2180520"/>
+            <a:off x="6231960" y="1604520"/>
+            <a:ext cx="5354280" cy="1896840"/>
           </a:xfrm>
           <a:prstGeom prst="rect">
             <a:avLst/>
@@ -271,18 +254,15 @@
             <a:normAutofit/>
           </a:bodyPr>
           <a:p>
-            <a:endParaRPr b="0" lang="en-US" sz="2200" spc="-1" strike="noStrike">
-              <a:solidFill>
-                <a:srgbClr val="000000"/>
-              </a:solidFill>
-              <a:latin typeface="Tw Cen MT"/>
+            <a:endParaRPr b="0" lang="pt-BR" sz="3200" spc="-1" strike="noStrike">
+              <a:latin typeface="Arial"/>
             </a:endParaRPr>
           </a:p>
         </p:txBody>
       </p:sp>
       <p:sp>
         <p:nvSpPr>
-          <p:cNvPr id="36" name="PlaceHolder 4"/>
+          <p:cNvPr id="33" name="PlaceHolder 4"/>
           <p:cNvSpPr>
             <a:spLocks noGrp="1"/>
           </p:cNvSpPr>
@@ -292,8 +272,8 @@
         </p:nvSpPr>
         <p:spPr>
           <a:xfrm>
-            <a:off x="0" y="2388240"/>
-            <a:ext cx="5947920" cy="2180520"/>
+            <a:off x="609480" y="3682080"/>
+            <a:ext cx="5354280" cy="1896840"/>
           </a:xfrm>
           <a:prstGeom prst="rect">
             <a:avLst/>
@@ -304,18 +284,15 @@
             <a:normAutofit/>
           </a:bodyPr>
           <a:p>
-            <a:endParaRPr b="0" lang="en-US" sz="2200" spc="-1" strike="noStrike">
-              <a:solidFill>
-                <a:srgbClr val="000000"/>
-              </a:solidFill>
-              <a:latin typeface="Tw Cen MT"/>
+            <a:endParaRPr b="0" lang="pt-BR" sz="3200" spc="-1" strike="noStrike">
+              <a:latin typeface="Arial"/>
             </a:endParaRPr>
           </a:p>
         </p:txBody>
       </p:sp>
       <p:sp>
         <p:nvSpPr>
-          <p:cNvPr id="37" name="PlaceHolder 5"/>
+          <p:cNvPr id="34" name="PlaceHolder 5"/>
           <p:cNvSpPr>
             <a:spLocks noGrp="1"/>
           </p:cNvSpPr>
@@ -325,8 +302,8 @@
         </p:nvSpPr>
         <p:spPr>
           <a:xfrm>
-            <a:off x="6245640" y="2388240"/>
-            <a:ext cx="5947920" cy="2180520"/>
+            <a:off x="6231960" y="3682080"/>
+            <a:ext cx="5354280" cy="1896840"/>
           </a:xfrm>
           <a:prstGeom prst="rect">
             <a:avLst/>
@@ -337,11 +314,8 @@
             <a:normAutofit/>
           </a:bodyPr>
           <a:p>
-            <a:endParaRPr b="0" lang="en-US" sz="2200" spc="-1" strike="noStrike">
-              <a:solidFill>
-                <a:srgbClr val="000000"/>
-              </a:solidFill>
-              <a:latin typeface="Tw Cen MT"/>
+            <a:endParaRPr b="0" lang="pt-BR" sz="3200" spc="-1" strike="noStrike">
+              <a:latin typeface="Arial"/>
             </a:endParaRPr>
           </a:p>
         </p:txBody>
@@ -370,7 +344,7 @@
       </p:grpSpPr>
       <p:sp>
         <p:nvSpPr>
-          <p:cNvPr id="38" name="PlaceHolder 1"/>
+          <p:cNvPr id="35" name="PlaceHolder 1"/>
           <p:cNvSpPr>
             <a:spLocks noGrp="1"/>
           </p:cNvSpPr>
@@ -380,30 +354,26 @@
         </p:nvSpPr>
         <p:spPr>
           <a:xfrm>
-            <a:off x="457200" y="4960080"/>
-            <a:ext cx="7772040" cy="1462680"/>
+            <a:off x="609480" y="273600"/>
+            <a:ext cx="10972440" cy="1144800"/>
           </a:xfrm>
           <a:prstGeom prst="rect">
             <a:avLst/>
           </a:prstGeom>
         </p:spPr>
         <p:txBody>
-          <a:bodyPr lIns="0" rIns="0" tIns="0" bIns="0" anchor="ctr">
-            <a:noAutofit/>
-          </a:bodyPr>
-          <a:p>
-            <a:endParaRPr b="0" lang="en-US" sz="1800" spc="-1" strike="noStrike">
-              <a:solidFill>
-                <a:srgbClr val="000000"/>
-              </a:solidFill>
-              <a:latin typeface="Tw Cen MT"/>
+          <a:bodyPr lIns="0" rIns="0" tIns="0" bIns="0" anchor="ctr"/>
+          <a:p>
+            <a:pPr algn="ctr"/>
+            <a:endParaRPr b="0" lang="pt-BR" sz="4400" spc="-1" strike="noStrike">
+              <a:latin typeface="Arial"/>
             </a:endParaRPr>
           </a:p>
         </p:txBody>
       </p:sp>
       <p:sp>
         <p:nvSpPr>
-          <p:cNvPr id="39" name="PlaceHolder 2"/>
+          <p:cNvPr id="36" name="PlaceHolder 2"/>
           <p:cNvSpPr>
             <a:spLocks noGrp="1"/>
           </p:cNvSpPr>
@@ -413,8 +383,8 @@
         </p:nvSpPr>
         <p:spPr>
           <a:xfrm>
-            <a:off x="0" y="0"/>
-            <a:ext cx="3924360" cy="2180520"/>
+            <a:off x="609480" y="1604520"/>
+            <a:ext cx="3533040" cy="1896840"/>
           </a:xfrm>
           <a:prstGeom prst="rect">
             <a:avLst/>
@@ -425,18 +395,15 @@
             <a:normAutofit/>
           </a:bodyPr>
           <a:p>
-            <a:endParaRPr b="0" lang="en-US" sz="2200" spc="-1" strike="noStrike">
-              <a:solidFill>
-                <a:srgbClr val="000000"/>
-              </a:solidFill>
-              <a:latin typeface="Tw Cen MT"/>
+            <a:endParaRPr b="0" lang="pt-BR" sz="3200" spc="-1" strike="noStrike">
+              <a:latin typeface="Arial"/>
             </a:endParaRPr>
           </a:p>
         </p:txBody>
       </p:sp>
       <p:sp>
         <p:nvSpPr>
-          <p:cNvPr id="40" name="PlaceHolder 3"/>
+          <p:cNvPr id="37" name="PlaceHolder 3"/>
           <p:cNvSpPr>
             <a:spLocks noGrp="1"/>
           </p:cNvSpPr>
@@ -446,8 +413,8 @@
         </p:nvSpPr>
         <p:spPr>
           <a:xfrm>
-            <a:off x="4120920" y="0"/>
-            <a:ext cx="3924360" cy="2180520"/>
+            <a:off x="4319640" y="1604520"/>
+            <a:ext cx="3533040" cy="1896840"/>
           </a:xfrm>
           <a:prstGeom prst="rect">
             <a:avLst/>
@@ -458,18 +425,15 @@
             <a:normAutofit/>
           </a:bodyPr>
           <a:p>
-            <a:endParaRPr b="0" lang="en-US" sz="2200" spc="-1" strike="noStrike">
-              <a:solidFill>
-                <a:srgbClr val="000000"/>
-              </a:solidFill>
-              <a:latin typeface="Tw Cen MT"/>
+            <a:endParaRPr b="0" lang="pt-BR" sz="3200" spc="-1" strike="noStrike">
+              <a:latin typeface="Arial"/>
             </a:endParaRPr>
           </a:p>
         </p:txBody>
       </p:sp>
       <p:sp>
         <p:nvSpPr>
-          <p:cNvPr id="41" name="PlaceHolder 4"/>
+          <p:cNvPr id="38" name="PlaceHolder 4"/>
           <p:cNvSpPr>
             <a:spLocks noGrp="1"/>
           </p:cNvSpPr>
@@ -479,8 +443,8 @@
         </p:nvSpPr>
         <p:spPr>
           <a:xfrm>
-            <a:off x="8241840" y="0"/>
-            <a:ext cx="3924360" cy="2180520"/>
+            <a:off x="8029800" y="1604520"/>
+            <a:ext cx="3533040" cy="1896840"/>
           </a:xfrm>
           <a:prstGeom prst="rect">
             <a:avLst/>
@@ -491,18 +455,15 @@
             <a:normAutofit/>
           </a:bodyPr>
           <a:p>
-            <a:endParaRPr b="0" lang="en-US" sz="2200" spc="-1" strike="noStrike">
-              <a:solidFill>
-                <a:srgbClr val="000000"/>
-              </a:solidFill>
-              <a:latin typeface="Tw Cen MT"/>
+            <a:endParaRPr b="0" lang="pt-BR" sz="3200" spc="-1" strike="noStrike">
+              <a:latin typeface="Arial"/>
             </a:endParaRPr>
           </a:p>
         </p:txBody>
       </p:sp>
       <p:sp>
         <p:nvSpPr>
-          <p:cNvPr id="42" name="PlaceHolder 5"/>
+          <p:cNvPr id="39" name="PlaceHolder 5"/>
           <p:cNvSpPr>
             <a:spLocks noGrp="1"/>
           </p:cNvSpPr>
@@ -512,8 +473,8 @@
         </p:nvSpPr>
         <p:spPr>
           <a:xfrm>
-            <a:off x="0" y="2388240"/>
-            <a:ext cx="3924360" cy="2180520"/>
+            <a:off x="609480" y="3682080"/>
+            <a:ext cx="3533040" cy="1896840"/>
           </a:xfrm>
           <a:prstGeom prst="rect">
             <a:avLst/>
@@ -524,18 +485,15 @@
             <a:normAutofit/>
           </a:bodyPr>
           <a:p>
-            <a:endParaRPr b="0" lang="en-US" sz="2200" spc="-1" strike="noStrike">
-              <a:solidFill>
-                <a:srgbClr val="000000"/>
-              </a:solidFill>
-              <a:latin typeface="Tw Cen MT"/>
+            <a:endParaRPr b="0" lang="pt-BR" sz="3200" spc="-1" strike="noStrike">
+              <a:latin typeface="Arial"/>
             </a:endParaRPr>
           </a:p>
         </p:txBody>
       </p:sp>
       <p:sp>
         <p:nvSpPr>
-          <p:cNvPr id="43" name="PlaceHolder 6"/>
+          <p:cNvPr id="40" name="PlaceHolder 6"/>
           <p:cNvSpPr>
             <a:spLocks noGrp="1"/>
           </p:cNvSpPr>
@@ -545,8 +503,8 @@
         </p:nvSpPr>
         <p:spPr>
           <a:xfrm>
-            <a:off x="4120920" y="2388240"/>
-            <a:ext cx="3924360" cy="2180520"/>
+            <a:off x="4319640" y="3682080"/>
+            <a:ext cx="3533040" cy="1896840"/>
           </a:xfrm>
           <a:prstGeom prst="rect">
             <a:avLst/>
@@ -557,18 +515,15 @@
             <a:normAutofit/>
           </a:bodyPr>
           <a:p>
-            <a:endParaRPr b="0" lang="en-US" sz="2200" spc="-1" strike="noStrike">
-              <a:solidFill>
-                <a:srgbClr val="000000"/>
-              </a:solidFill>
-              <a:latin typeface="Tw Cen MT"/>
+            <a:endParaRPr b="0" lang="pt-BR" sz="3200" spc="-1" strike="noStrike">
+              <a:latin typeface="Arial"/>
             </a:endParaRPr>
           </a:p>
         </p:txBody>
       </p:sp>
       <p:sp>
         <p:nvSpPr>
-          <p:cNvPr id="44" name="PlaceHolder 7"/>
+          <p:cNvPr id="41" name="PlaceHolder 7"/>
           <p:cNvSpPr>
             <a:spLocks noGrp="1"/>
           </p:cNvSpPr>
@@ -578,8 +533,8 @@
         </p:nvSpPr>
         <p:spPr>
           <a:xfrm>
-            <a:off x="8241840" y="2388240"/>
-            <a:ext cx="3924360" cy="2180520"/>
+            <a:off x="8029800" y="3682080"/>
+            <a:ext cx="3533040" cy="1896840"/>
           </a:xfrm>
           <a:prstGeom prst="rect">
             <a:avLst/>
@@ -590,11 +545,8 @@
             <a:normAutofit/>
           </a:bodyPr>
           <a:p>
-            <a:endParaRPr b="0" lang="en-US" sz="2200" spc="-1" strike="noStrike">
-              <a:solidFill>
-                <a:srgbClr val="000000"/>
-              </a:solidFill>
-              <a:latin typeface="Tw Cen MT"/>
+            <a:endParaRPr b="0" lang="pt-BR" sz="3200" spc="-1" strike="noStrike">
+              <a:latin typeface="Arial"/>
             </a:endParaRPr>
           </a:p>
         </p:txBody>
@@ -645,7 +597,7 @@
       </p:grpSpPr>
       <p:sp>
         <p:nvSpPr>
-          <p:cNvPr id="51" name="PlaceHolder 1"/>
+          <p:cNvPr id="45" name="PlaceHolder 1"/>
           <p:cNvSpPr>
             <a:spLocks noGrp="1"/>
           </p:cNvSpPr>
@@ -655,30 +607,26 @@
         </p:nvSpPr>
         <p:spPr>
           <a:xfrm>
-            <a:off x="457200" y="4960080"/>
-            <a:ext cx="7772040" cy="1462680"/>
+            <a:off x="609480" y="273600"/>
+            <a:ext cx="10972440" cy="1144800"/>
           </a:xfrm>
           <a:prstGeom prst="rect">
             <a:avLst/>
           </a:prstGeom>
         </p:spPr>
         <p:txBody>
-          <a:bodyPr lIns="0" rIns="0" tIns="0" bIns="0" anchor="ctr">
-            <a:noAutofit/>
-          </a:bodyPr>
-          <a:p>
-            <a:endParaRPr b="0" lang="en-US" sz="1800" spc="-1" strike="noStrike">
-              <a:solidFill>
-                <a:srgbClr val="000000"/>
-              </a:solidFill>
-              <a:latin typeface="Tw Cen MT"/>
+          <a:bodyPr lIns="0" rIns="0" tIns="0" bIns="0" anchor="ctr"/>
+          <a:p>
+            <a:pPr algn="ctr"/>
+            <a:endParaRPr b="0" lang="pt-BR" sz="4400" spc="-1" strike="noStrike">
+              <a:latin typeface="Arial"/>
             </a:endParaRPr>
           </a:p>
         </p:txBody>
       </p:sp>
       <p:sp>
         <p:nvSpPr>
-          <p:cNvPr id="52" name="PlaceHolder 2"/>
+          <p:cNvPr id="46" name="PlaceHolder 2"/>
           <p:cNvSpPr>
             <a:spLocks noGrp="1"/>
           </p:cNvSpPr>
@@ -688,20 +636,18 @@
         </p:nvSpPr>
         <p:spPr>
           <a:xfrm>
-            <a:off x="0" y="0"/>
-            <a:ext cx="12188520" cy="4571640"/>
+            <a:off x="609480" y="1604520"/>
+            <a:ext cx="10972440" cy="3977280"/>
           </a:xfrm>
           <a:prstGeom prst="rect">
             <a:avLst/>
           </a:prstGeom>
         </p:spPr>
         <p:txBody>
-          <a:bodyPr lIns="0" rIns="0" tIns="0" bIns="0" anchor="ctr">
-            <a:noAutofit/>
-          </a:bodyPr>
+          <a:bodyPr lIns="0" rIns="0" tIns="0" bIns="0" anchor="ctr"/>
           <a:p>
             <a:pPr algn="ctr"/>
-            <a:endParaRPr b="0" lang="en-US" sz="3200" spc="-1" strike="noStrike">
+            <a:endParaRPr b="0" lang="pt-BR" sz="3200" spc="-1" strike="noStrike">
               <a:latin typeface="Arial"/>
             </a:endParaRPr>
           </a:p>
@@ -731,7 +677,7 @@
       </p:grpSpPr>
       <p:sp>
         <p:nvSpPr>
-          <p:cNvPr id="53" name="PlaceHolder 1"/>
+          <p:cNvPr id="47" name="PlaceHolder 1"/>
           <p:cNvSpPr>
             <a:spLocks noGrp="1"/>
           </p:cNvSpPr>
@@ -741,30 +687,26 @@
         </p:nvSpPr>
         <p:spPr>
           <a:xfrm>
-            <a:off x="457200" y="4960080"/>
-            <a:ext cx="7772040" cy="1462680"/>
+            <a:off x="609480" y="273600"/>
+            <a:ext cx="10972440" cy="1144800"/>
           </a:xfrm>
           <a:prstGeom prst="rect">
             <a:avLst/>
           </a:prstGeom>
         </p:spPr>
         <p:txBody>
-          <a:bodyPr lIns="0" rIns="0" tIns="0" bIns="0" anchor="ctr">
-            <a:noAutofit/>
-          </a:bodyPr>
-          <a:p>
-            <a:endParaRPr b="0" lang="en-US" sz="1800" spc="-1" strike="noStrike">
-              <a:solidFill>
-                <a:srgbClr val="000000"/>
-              </a:solidFill>
-              <a:latin typeface="Tw Cen MT"/>
+          <a:bodyPr lIns="0" rIns="0" tIns="0" bIns="0" anchor="ctr"/>
+          <a:p>
+            <a:pPr algn="ctr"/>
+            <a:endParaRPr b="0" lang="pt-BR" sz="4400" spc="-1" strike="noStrike">
+              <a:latin typeface="Arial"/>
             </a:endParaRPr>
           </a:p>
         </p:txBody>
       </p:sp>
       <p:sp>
         <p:nvSpPr>
-          <p:cNvPr id="54" name="PlaceHolder 2"/>
+          <p:cNvPr id="48" name="PlaceHolder 2"/>
           <p:cNvSpPr>
             <a:spLocks noGrp="1"/>
           </p:cNvSpPr>
@@ -774,8 +716,8 @@
         </p:nvSpPr>
         <p:spPr>
           <a:xfrm>
-            <a:off x="0" y="0"/>
-            <a:ext cx="12188520" cy="4571640"/>
+            <a:off x="609480" y="1604520"/>
+            <a:ext cx="10972440" cy="3977280"/>
           </a:xfrm>
           <a:prstGeom prst="rect">
             <a:avLst/>
@@ -786,11 +728,8 @@
             <a:normAutofit/>
           </a:bodyPr>
           <a:p>
-            <a:endParaRPr b="0" lang="en-US" sz="2200" spc="-1" strike="noStrike">
-              <a:solidFill>
-                <a:srgbClr val="000000"/>
-              </a:solidFill>
-              <a:latin typeface="Tw Cen MT"/>
+            <a:endParaRPr b="0" lang="pt-BR" sz="3200" spc="-1" strike="noStrike">
+              <a:latin typeface="Arial"/>
             </a:endParaRPr>
           </a:p>
         </p:txBody>
@@ -819,7 +758,7 @@
       </p:grpSpPr>
       <p:sp>
         <p:nvSpPr>
-          <p:cNvPr id="55" name="PlaceHolder 1"/>
+          <p:cNvPr id="49" name="PlaceHolder 1"/>
           <p:cNvSpPr>
             <a:spLocks noGrp="1"/>
           </p:cNvSpPr>
@@ -829,30 +768,26 @@
         </p:nvSpPr>
         <p:spPr>
           <a:xfrm>
-            <a:off x="457200" y="4960080"/>
-            <a:ext cx="7772040" cy="1462680"/>
+            <a:off x="609480" y="273600"/>
+            <a:ext cx="10972440" cy="1144800"/>
           </a:xfrm>
           <a:prstGeom prst="rect">
             <a:avLst/>
           </a:prstGeom>
         </p:spPr>
         <p:txBody>
-          <a:bodyPr lIns="0" rIns="0" tIns="0" bIns="0" anchor="ctr">
-            <a:noAutofit/>
-          </a:bodyPr>
-          <a:p>
-            <a:endParaRPr b="0" lang="en-US" sz="1800" spc="-1" strike="noStrike">
-              <a:solidFill>
-                <a:srgbClr val="000000"/>
-              </a:solidFill>
-              <a:latin typeface="Tw Cen MT"/>
+          <a:bodyPr lIns="0" rIns="0" tIns="0" bIns="0" anchor="ctr"/>
+          <a:p>
+            <a:pPr algn="ctr"/>
+            <a:endParaRPr b="0" lang="pt-BR" sz="4400" spc="-1" strike="noStrike">
+              <a:latin typeface="Arial"/>
             </a:endParaRPr>
           </a:p>
         </p:txBody>
       </p:sp>
       <p:sp>
         <p:nvSpPr>
-          <p:cNvPr id="56" name="PlaceHolder 2"/>
+          <p:cNvPr id="50" name="PlaceHolder 2"/>
           <p:cNvSpPr>
             <a:spLocks noGrp="1"/>
           </p:cNvSpPr>
@@ -862,8 +797,8 @@
         </p:nvSpPr>
         <p:spPr>
           <a:xfrm>
-            <a:off x="0" y="0"/>
-            <a:ext cx="5947920" cy="4571640"/>
+            <a:off x="609480" y="1604520"/>
+            <a:ext cx="5354280" cy="3977280"/>
           </a:xfrm>
           <a:prstGeom prst="rect">
             <a:avLst/>
@@ -874,18 +809,15 @@
             <a:normAutofit/>
           </a:bodyPr>
           <a:p>
-            <a:endParaRPr b="0" lang="en-US" sz="2200" spc="-1" strike="noStrike">
-              <a:solidFill>
-                <a:srgbClr val="000000"/>
-              </a:solidFill>
-              <a:latin typeface="Tw Cen MT"/>
+            <a:endParaRPr b="0" lang="pt-BR" sz="3200" spc="-1" strike="noStrike">
+              <a:latin typeface="Arial"/>
             </a:endParaRPr>
           </a:p>
         </p:txBody>
       </p:sp>
       <p:sp>
         <p:nvSpPr>
-          <p:cNvPr id="57" name="PlaceHolder 3"/>
+          <p:cNvPr id="51" name="PlaceHolder 3"/>
           <p:cNvSpPr>
             <a:spLocks noGrp="1"/>
           </p:cNvSpPr>
@@ -895,8 +827,8 @@
         </p:nvSpPr>
         <p:spPr>
           <a:xfrm>
-            <a:off x="6245640" y="0"/>
-            <a:ext cx="5947920" cy="4571640"/>
+            <a:off x="6231960" y="1604520"/>
+            <a:ext cx="5354280" cy="3977280"/>
           </a:xfrm>
           <a:prstGeom prst="rect">
             <a:avLst/>
@@ -907,11 +839,8 @@
             <a:normAutofit/>
           </a:bodyPr>
           <a:p>
-            <a:endParaRPr b="0" lang="en-US" sz="2200" spc="-1" strike="noStrike">
-              <a:solidFill>
-                <a:srgbClr val="000000"/>
-              </a:solidFill>
-              <a:latin typeface="Tw Cen MT"/>
+            <a:endParaRPr b="0" lang="pt-BR" sz="3200" spc="-1" strike="noStrike">
+              <a:latin typeface="Arial"/>
             </a:endParaRPr>
           </a:p>
         </p:txBody>
@@ -940,7 +869,7 @@
       </p:grpSpPr>
       <p:sp>
         <p:nvSpPr>
-          <p:cNvPr id="58" name="PlaceHolder 1"/>
+          <p:cNvPr id="52" name="PlaceHolder 1"/>
           <p:cNvSpPr>
             <a:spLocks noGrp="1"/>
           </p:cNvSpPr>
@@ -950,23 +879,19 @@
         </p:nvSpPr>
         <p:spPr>
           <a:xfrm>
-            <a:off x="457200" y="4960080"/>
-            <a:ext cx="7772040" cy="1462680"/>
+            <a:off x="609480" y="273600"/>
+            <a:ext cx="10972440" cy="1144800"/>
           </a:xfrm>
           <a:prstGeom prst="rect">
             <a:avLst/>
           </a:prstGeom>
         </p:spPr>
         <p:txBody>
-          <a:bodyPr lIns="0" rIns="0" tIns="0" bIns="0" anchor="ctr">
-            <a:noAutofit/>
-          </a:bodyPr>
-          <a:p>
-            <a:endParaRPr b="0" lang="en-US" sz="1800" spc="-1" strike="noStrike">
-              <a:solidFill>
-                <a:srgbClr val="000000"/>
-              </a:solidFill>
-              <a:latin typeface="Tw Cen MT"/>
+          <a:bodyPr lIns="0" rIns="0" tIns="0" bIns="0" anchor="ctr"/>
+          <a:p>
+            <a:pPr algn="ctr"/>
+            <a:endParaRPr b="0" lang="pt-BR" sz="4400" spc="-1" strike="noStrike">
+              <a:latin typeface="Arial"/>
             </a:endParaRPr>
           </a:p>
         </p:txBody>
@@ -995,7 +920,7 @@
       </p:grpSpPr>
       <p:sp>
         <p:nvSpPr>
-          <p:cNvPr id="59" name="PlaceHolder 1"/>
+          <p:cNvPr id="53" name="PlaceHolder 1"/>
           <p:cNvSpPr>
             <a:spLocks noGrp="1"/>
           </p:cNvSpPr>
@@ -1005,20 +930,18 @@
         </p:nvSpPr>
         <p:spPr>
           <a:xfrm>
-            <a:off x="457200" y="4960080"/>
-            <a:ext cx="7772040" cy="6781320"/>
+            <a:off x="609480" y="273600"/>
+            <a:ext cx="10972440" cy="5307840"/>
           </a:xfrm>
           <a:prstGeom prst="rect">
             <a:avLst/>
           </a:prstGeom>
         </p:spPr>
         <p:txBody>
-          <a:bodyPr lIns="0" rIns="0" tIns="0" bIns="0" anchor="ctr">
-            <a:noAutofit/>
-          </a:bodyPr>
+          <a:bodyPr lIns="0" rIns="0" tIns="0" bIns="0" anchor="ctr"/>
           <a:p>
             <a:pPr algn="ctr"/>
-            <a:endParaRPr b="0" lang="en-US" sz="3200" spc="-1" strike="noStrike">
+            <a:endParaRPr b="0" lang="pt-BR" sz="3200" spc="-1" strike="noStrike">
               <a:latin typeface="Arial"/>
             </a:endParaRPr>
           </a:p>
@@ -1048,7 +971,7 @@
       </p:grpSpPr>
       <p:sp>
         <p:nvSpPr>
-          <p:cNvPr id="60" name="PlaceHolder 1"/>
+          <p:cNvPr id="54" name="PlaceHolder 1"/>
           <p:cNvSpPr>
             <a:spLocks noGrp="1"/>
           </p:cNvSpPr>
@@ -1058,30 +981,26 @@
         </p:nvSpPr>
         <p:spPr>
           <a:xfrm>
-            <a:off x="457200" y="4960080"/>
-            <a:ext cx="7772040" cy="1462680"/>
+            <a:off x="609480" y="273600"/>
+            <a:ext cx="10972440" cy="1144800"/>
           </a:xfrm>
           <a:prstGeom prst="rect">
             <a:avLst/>
           </a:prstGeom>
         </p:spPr>
         <p:txBody>
-          <a:bodyPr lIns="0" rIns="0" tIns="0" bIns="0" anchor="ctr">
-            <a:noAutofit/>
-          </a:bodyPr>
-          <a:p>
-            <a:endParaRPr b="0" lang="en-US" sz="1800" spc="-1" strike="noStrike">
-              <a:solidFill>
-                <a:srgbClr val="000000"/>
-              </a:solidFill>
-              <a:latin typeface="Tw Cen MT"/>
+          <a:bodyPr lIns="0" rIns="0" tIns="0" bIns="0" anchor="ctr"/>
+          <a:p>
+            <a:pPr algn="ctr"/>
+            <a:endParaRPr b="0" lang="pt-BR" sz="4400" spc="-1" strike="noStrike">
+              <a:latin typeface="Arial"/>
             </a:endParaRPr>
           </a:p>
         </p:txBody>
       </p:sp>
       <p:sp>
         <p:nvSpPr>
-          <p:cNvPr id="61" name="PlaceHolder 2"/>
+          <p:cNvPr id="55" name="PlaceHolder 2"/>
           <p:cNvSpPr>
             <a:spLocks noGrp="1"/>
           </p:cNvSpPr>
@@ -1091,8 +1010,8 @@
         </p:nvSpPr>
         <p:spPr>
           <a:xfrm>
-            <a:off x="0" y="0"/>
-            <a:ext cx="5947920" cy="2180520"/>
+            <a:off x="609480" y="1604520"/>
+            <a:ext cx="5354280" cy="1896840"/>
           </a:xfrm>
           <a:prstGeom prst="rect">
             <a:avLst/>
@@ -1103,18 +1022,15 @@
             <a:normAutofit/>
           </a:bodyPr>
           <a:p>
-            <a:endParaRPr b="0" lang="en-US" sz="2200" spc="-1" strike="noStrike">
-              <a:solidFill>
-                <a:srgbClr val="000000"/>
-              </a:solidFill>
-              <a:latin typeface="Tw Cen MT"/>
+            <a:endParaRPr b="0" lang="pt-BR" sz="3200" spc="-1" strike="noStrike">
+              <a:latin typeface="Arial"/>
             </a:endParaRPr>
           </a:p>
         </p:txBody>
       </p:sp>
       <p:sp>
         <p:nvSpPr>
-          <p:cNvPr id="62" name="PlaceHolder 3"/>
+          <p:cNvPr id="56" name="PlaceHolder 3"/>
           <p:cNvSpPr>
             <a:spLocks noGrp="1"/>
           </p:cNvSpPr>
@@ -1124,8 +1040,8 @@
         </p:nvSpPr>
         <p:spPr>
           <a:xfrm>
-            <a:off x="6245640" y="0"/>
-            <a:ext cx="5947920" cy="4571640"/>
+            <a:off x="6231960" y="1604520"/>
+            <a:ext cx="5354280" cy="3977280"/>
           </a:xfrm>
           <a:prstGeom prst="rect">
             <a:avLst/>
@@ -1136,18 +1052,15 @@
             <a:normAutofit/>
           </a:bodyPr>
           <a:p>
-            <a:endParaRPr b="0" lang="en-US" sz="2200" spc="-1" strike="noStrike">
-              <a:solidFill>
-                <a:srgbClr val="000000"/>
-              </a:solidFill>
-              <a:latin typeface="Tw Cen MT"/>
+            <a:endParaRPr b="0" lang="pt-BR" sz="3200" spc="-1" strike="noStrike">
+              <a:latin typeface="Arial"/>
             </a:endParaRPr>
           </a:p>
         </p:txBody>
       </p:sp>
       <p:sp>
         <p:nvSpPr>
-          <p:cNvPr id="63" name="PlaceHolder 4"/>
+          <p:cNvPr id="57" name="PlaceHolder 4"/>
           <p:cNvSpPr>
             <a:spLocks noGrp="1"/>
           </p:cNvSpPr>
@@ -1157,8 +1070,8 @@
         </p:nvSpPr>
         <p:spPr>
           <a:xfrm>
-            <a:off x="0" y="2388240"/>
-            <a:ext cx="5947920" cy="2180520"/>
+            <a:off x="609480" y="3682080"/>
+            <a:ext cx="5354280" cy="1896840"/>
           </a:xfrm>
           <a:prstGeom prst="rect">
             <a:avLst/>
@@ -1169,11 +1082,8 @@
             <a:normAutofit/>
           </a:bodyPr>
           <a:p>
-            <a:endParaRPr b="0" lang="en-US" sz="2200" spc="-1" strike="noStrike">
-              <a:solidFill>
-                <a:srgbClr val="000000"/>
-              </a:solidFill>
-              <a:latin typeface="Tw Cen MT"/>
+            <a:endParaRPr b="0" lang="pt-BR" sz="3200" spc="-1" strike="noStrike">
+              <a:latin typeface="Arial"/>
             </a:endParaRPr>
           </a:p>
         </p:txBody>
@@ -1202,7 +1112,7 @@
       </p:grpSpPr>
       <p:sp>
         <p:nvSpPr>
-          <p:cNvPr id="9" name="PlaceHolder 1"/>
+          <p:cNvPr id="6" name="PlaceHolder 1"/>
           <p:cNvSpPr>
             <a:spLocks noGrp="1"/>
           </p:cNvSpPr>
@@ -1212,30 +1122,26 @@
         </p:nvSpPr>
         <p:spPr>
           <a:xfrm>
-            <a:off x="457200" y="4960080"/>
-            <a:ext cx="7772040" cy="1462680"/>
+            <a:off x="609480" y="273600"/>
+            <a:ext cx="10972440" cy="1144800"/>
           </a:xfrm>
           <a:prstGeom prst="rect">
             <a:avLst/>
           </a:prstGeom>
         </p:spPr>
         <p:txBody>
-          <a:bodyPr lIns="0" rIns="0" tIns="0" bIns="0" anchor="ctr">
-            <a:noAutofit/>
-          </a:bodyPr>
-          <a:p>
-            <a:endParaRPr b="0" lang="en-US" sz="1800" spc="-1" strike="noStrike">
-              <a:solidFill>
-                <a:srgbClr val="000000"/>
-              </a:solidFill>
-              <a:latin typeface="Tw Cen MT"/>
+          <a:bodyPr lIns="0" rIns="0" tIns="0" bIns="0" anchor="ctr"/>
+          <a:p>
+            <a:pPr algn="ctr"/>
+            <a:endParaRPr b="0" lang="pt-BR" sz="4400" spc="-1" strike="noStrike">
+              <a:latin typeface="Arial"/>
             </a:endParaRPr>
           </a:p>
         </p:txBody>
       </p:sp>
       <p:sp>
         <p:nvSpPr>
-          <p:cNvPr id="10" name="PlaceHolder 2"/>
+          <p:cNvPr id="7" name="PlaceHolder 2"/>
           <p:cNvSpPr>
             <a:spLocks noGrp="1"/>
           </p:cNvSpPr>
@@ -1245,20 +1151,18 @@
         </p:nvSpPr>
         <p:spPr>
           <a:xfrm>
-            <a:off x="0" y="0"/>
-            <a:ext cx="12188520" cy="4571640"/>
+            <a:off x="609480" y="1604520"/>
+            <a:ext cx="10972440" cy="3977280"/>
           </a:xfrm>
           <a:prstGeom prst="rect">
             <a:avLst/>
           </a:prstGeom>
         </p:spPr>
         <p:txBody>
-          <a:bodyPr lIns="0" rIns="0" tIns="0" bIns="0" anchor="ctr">
-            <a:noAutofit/>
-          </a:bodyPr>
+          <a:bodyPr lIns="0" rIns="0" tIns="0" bIns="0" anchor="ctr"/>
           <a:p>
             <a:pPr algn="ctr"/>
-            <a:endParaRPr b="0" lang="en-US" sz="3200" spc="-1" strike="noStrike">
+            <a:endParaRPr b="0" lang="pt-BR" sz="3200" spc="-1" strike="noStrike">
               <a:latin typeface="Arial"/>
             </a:endParaRPr>
           </a:p>
@@ -1288,7 +1192,7 @@
       </p:grpSpPr>
       <p:sp>
         <p:nvSpPr>
-          <p:cNvPr id="64" name="PlaceHolder 1"/>
+          <p:cNvPr id="58" name="PlaceHolder 1"/>
           <p:cNvSpPr>
             <a:spLocks noGrp="1"/>
           </p:cNvSpPr>
@@ -1298,30 +1202,26 @@
         </p:nvSpPr>
         <p:spPr>
           <a:xfrm>
-            <a:off x="457200" y="4960080"/>
-            <a:ext cx="7772040" cy="1462680"/>
+            <a:off x="609480" y="273600"/>
+            <a:ext cx="10972440" cy="1144800"/>
           </a:xfrm>
           <a:prstGeom prst="rect">
             <a:avLst/>
           </a:prstGeom>
         </p:spPr>
         <p:txBody>
-          <a:bodyPr lIns="0" rIns="0" tIns="0" bIns="0" anchor="ctr">
-            <a:noAutofit/>
-          </a:bodyPr>
-          <a:p>
-            <a:endParaRPr b="0" lang="en-US" sz="1800" spc="-1" strike="noStrike">
-              <a:solidFill>
-                <a:srgbClr val="000000"/>
-              </a:solidFill>
-              <a:latin typeface="Tw Cen MT"/>
+          <a:bodyPr lIns="0" rIns="0" tIns="0" bIns="0" anchor="ctr"/>
+          <a:p>
+            <a:pPr algn="ctr"/>
+            <a:endParaRPr b="0" lang="pt-BR" sz="4400" spc="-1" strike="noStrike">
+              <a:latin typeface="Arial"/>
             </a:endParaRPr>
           </a:p>
         </p:txBody>
       </p:sp>
       <p:sp>
         <p:nvSpPr>
-          <p:cNvPr id="65" name="PlaceHolder 2"/>
+          <p:cNvPr id="59" name="PlaceHolder 2"/>
           <p:cNvSpPr>
             <a:spLocks noGrp="1"/>
           </p:cNvSpPr>
@@ -1331,8 +1231,8 @@
         </p:nvSpPr>
         <p:spPr>
           <a:xfrm>
-            <a:off x="0" y="0"/>
-            <a:ext cx="5947920" cy="4571640"/>
+            <a:off x="609480" y="1604520"/>
+            <a:ext cx="5354280" cy="3977280"/>
           </a:xfrm>
           <a:prstGeom prst="rect">
             <a:avLst/>
@@ -1343,18 +1243,15 @@
             <a:normAutofit/>
           </a:bodyPr>
           <a:p>
-            <a:endParaRPr b="0" lang="en-US" sz="2200" spc="-1" strike="noStrike">
-              <a:solidFill>
-                <a:srgbClr val="000000"/>
-              </a:solidFill>
-              <a:latin typeface="Tw Cen MT"/>
+            <a:endParaRPr b="0" lang="pt-BR" sz="3200" spc="-1" strike="noStrike">
+              <a:latin typeface="Arial"/>
             </a:endParaRPr>
           </a:p>
         </p:txBody>
       </p:sp>
       <p:sp>
         <p:nvSpPr>
-          <p:cNvPr id="66" name="PlaceHolder 3"/>
+          <p:cNvPr id="60" name="PlaceHolder 3"/>
           <p:cNvSpPr>
             <a:spLocks noGrp="1"/>
           </p:cNvSpPr>
@@ -1364,8 +1261,8 @@
         </p:nvSpPr>
         <p:spPr>
           <a:xfrm>
-            <a:off x="6245640" y="0"/>
-            <a:ext cx="5947920" cy="2180520"/>
+            <a:off x="6231960" y="1604520"/>
+            <a:ext cx="5354280" cy="1896840"/>
           </a:xfrm>
           <a:prstGeom prst="rect">
             <a:avLst/>
@@ -1376,18 +1273,15 @@
             <a:normAutofit/>
           </a:bodyPr>
           <a:p>
-            <a:endParaRPr b="0" lang="en-US" sz="2200" spc="-1" strike="noStrike">
-              <a:solidFill>
-                <a:srgbClr val="000000"/>
-              </a:solidFill>
-              <a:latin typeface="Tw Cen MT"/>
+            <a:endParaRPr b="0" lang="pt-BR" sz="3200" spc="-1" strike="noStrike">
+              <a:latin typeface="Arial"/>
             </a:endParaRPr>
           </a:p>
         </p:txBody>
       </p:sp>
       <p:sp>
         <p:nvSpPr>
-          <p:cNvPr id="67" name="PlaceHolder 4"/>
+          <p:cNvPr id="61" name="PlaceHolder 4"/>
           <p:cNvSpPr>
             <a:spLocks noGrp="1"/>
           </p:cNvSpPr>
@@ -1397,8 +1291,8 @@
         </p:nvSpPr>
         <p:spPr>
           <a:xfrm>
-            <a:off x="6245640" y="2388240"/>
-            <a:ext cx="5947920" cy="2180520"/>
+            <a:off x="6231960" y="3682080"/>
+            <a:ext cx="5354280" cy="1896840"/>
           </a:xfrm>
           <a:prstGeom prst="rect">
             <a:avLst/>
@@ -1409,11 +1303,8 @@
             <a:normAutofit/>
           </a:bodyPr>
           <a:p>
-            <a:endParaRPr b="0" lang="en-US" sz="2200" spc="-1" strike="noStrike">
-              <a:solidFill>
-                <a:srgbClr val="000000"/>
-              </a:solidFill>
-              <a:latin typeface="Tw Cen MT"/>
+            <a:endParaRPr b="0" lang="pt-BR" sz="3200" spc="-1" strike="noStrike">
+              <a:latin typeface="Arial"/>
             </a:endParaRPr>
           </a:p>
         </p:txBody>
@@ -1442,7 +1333,7 @@
       </p:grpSpPr>
       <p:sp>
         <p:nvSpPr>
-          <p:cNvPr id="68" name="PlaceHolder 1"/>
+          <p:cNvPr id="62" name="PlaceHolder 1"/>
           <p:cNvSpPr>
             <a:spLocks noGrp="1"/>
           </p:cNvSpPr>
@@ -1452,30 +1343,26 @@
         </p:nvSpPr>
         <p:spPr>
           <a:xfrm>
-            <a:off x="457200" y="4960080"/>
-            <a:ext cx="7772040" cy="1462680"/>
+            <a:off x="609480" y="273600"/>
+            <a:ext cx="10972440" cy="1144800"/>
           </a:xfrm>
           <a:prstGeom prst="rect">
             <a:avLst/>
           </a:prstGeom>
         </p:spPr>
         <p:txBody>
-          <a:bodyPr lIns="0" rIns="0" tIns="0" bIns="0" anchor="ctr">
-            <a:noAutofit/>
-          </a:bodyPr>
-          <a:p>
-            <a:endParaRPr b="0" lang="en-US" sz="1800" spc="-1" strike="noStrike">
-              <a:solidFill>
-                <a:srgbClr val="000000"/>
-              </a:solidFill>
-              <a:latin typeface="Tw Cen MT"/>
+          <a:bodyPr lIns="0" rIns="0" tIns="0" bIns="0" anchor="ctr"/>
+          <a:p>
+            <a:pPr algn="ctr"/>
+            <a:endParaRPr b="0" lang="pt-BR" sz="4400" spc="-1" strike="noStrike">
+              <a:latin typeface="Arial"/>
             </a:endParaRPr>
           </a:p>
         </p:txBody>
       </p:sp>
       <p:sp>
         <p:nvSpPr>
-          <p:cNvPr id="69" name="PlaceHolder 2"/>
+          <p:cNvPr id="63" name="PlaceHolder 2"/>
           <p:cNvSpPr>
             <a:spLocks noGrp="1"/>
           </p:cNvSpPr>
@@ -1485,8 +1372,8 @@
         </p:nvSpPr>
         <p:spPr>
           <a:xfrm>
-            <a:off x="0" y="0"/>
-            <a:ext cx="5947920" cy="2180520"/>
+            <a:off x="609480" y="1604520"/>
+            <a:ext cx="5354280" cy="1896840"/>
           </a:xfrm>
           <a:prstGeom prst="rect">
             <a:avLst/>
@@ -1497,18 +1384,15 @@
             <a:normAutofit/>
           </a:bodyPr>
           <a:p>
-            <a:endParaRPr b="0" lang="en-US" sz="2200" spc="-1" strike="noStrike">
-              <a:solidFill>
-                <a:srgbClr val="000000"/>
-              </a:solidFill>
-              <a:latin typeface="Tw Cen MT"/>
+            <a:endParaRPr b="0" lang="pt-BR" sz="3200" spc="-1" strike="noStrike">
+              <a:latin typeface="Arial"/>
             </a:endParaRPr>
           </a:p>
         </p:txBody>
       </p:sp>
       <p:sp>
         <p:nvSpPr>
-          <p:cNvPr id="70" name="PlaceHolder 3"/>
+          <p:cNvPr id="64" name="PlaceHolder 3"/>
           <p:cNvSpPr>
             <a:spLocks noGrp="1"/>
           </p:cNvSpPr>
@@ -1518,8 +1402,8 @@
         </p:nvSpPr>
         <p:spPr>
           <a:xfrm>
-            <a:off x="6245640" y="0"/>
-            <a:ext cx="5947920" cy="2180520"/>
+            <a:off x="6231960" y="1604520"/>
+            <a:ext cx="5354280" cy="1896840"/>
           </a:xfrm>
           <a:prstGeom prst="rect">
             <a:avLst/>
@@ -1530,18 +1414,15 @@
             <a:normAutofit/>
           </a:bodyPr>
           <a:p>
-            <a:endParaRPr b="0" lang="en-US" sz="2200" spc="-1" strike="noStrike">
-              <a:solidFill>
-                <a:srgbClr val="000000"/>
-              </a:solidFill>
-              <a:latin typeface="Tw Cen MT"/>
+            <a:endParaRPr b="0" lang="pt-BR" sz="3200" spc="-1" strike="noStrike">
+              <a:latin typeface="Arial"/>
             </a:endParaRPr>
           </a:p>
         </p:txBody>
       </p:sp>
       <p:sp>
         <p:nvSpPr>
-          <p:cNvPr id="71" name="PlaceHolder 4"/>
+          <p:cNvPr id="65" name="PlaceHolder 4"/>
           <p:cNvSpPr>
             <a:spLocks noGrp="1"/>
           </p:cNvSpPr>
@@ -1551,8 +1432,8 @@
         </p:nvSpPr>
         <p:spPr>
           <a:xfrm>
-            <a:off x="0" y="2388240"/>
-            <a:ext cx="12188520" cy="2180520"/>
+            <a:off x="609480" y="3682080"/>
+            <a:ext cx="10972440" cy="1896840"/>
           </a:xfrm>
           <a:prstGeom prst="rect">
             <a:avLst/>
@@ -1563,11 +1444,8 @@
             <a:normAutofit/>
           </a:bodyPr>
           <a:p>
-            <a:endParaRPr b="0" lang="en-US" sz="2200" spc="-1" strike="noStrike">
-              <a:solidFill>
-                <a:srgbClr val="000000"/>
-              </a:solidFill>
-              <a:latin typeface="Tw Cen MT"/>
+            <a:endParaRPr b="0" lang="pt-BR" sz="3200" spc="-1" strike="noStrike">
+              <a:latin typeface="Arial"/>
             </a:endParaRPr>
           </a:p>
         </p:txBody>
@@ -1596,7 +1474,7 @@
       </p:grpSpPr>
       <p:sp>
         <p:nvSpPr>
-          <p:cNvPr id="72" name="PlaceHolder 1"/>
+          <p:cNvPr id="66" name="PlaceHolder 1"/>
           <p:cNvSpPr>
             <a:spLocks noGrp="1"/>
           </p:cNvSpPr>
@@ -1606,30 +1484,26 @@
         </p:nvSpPr>
         <p:spPr>
           <a:xfrm>
-            <a:off x="457200" y="4960080"/>
-            <a:ext cx="7772040" cy="1462680"/>
+            <a:off x="609480" y="273600"/>
+            <a:ext cx="10972440" cy="1144800"/>
           </a:xfrm>
           <a:prstGeom prst="rect">
             <a:avLst/>
           </a:prstGeom>
         </p:spPr>
         <p:txBody>
-          <a:bodyPr lIns="0" rIns="0" tIns="0" bIns="0" anchor="ctr">
-            <a:noAutofit/>
-          </a:bodyPr>
-          <a:p>
-            <a:endParaRPr b="0" lang="en-US" sz="1800" spc="-1" strike="noStrike">
-              <a:solidFill>
-                <a:srgbClr val="000000"/>
-              </a:solidFill>
-              <a:latin typeface="Tw Cen MT"/>
+          <a:bodyPr lIns="0" rIns="0" tIns="0" bIns="0" anchor="ctr"/>
+          <a:p>
+            <a:pPr algn="ctr"/>
+            <a:endParaRPr b="0" lang="pt-BR" sz="4400" spc="-1" strike="noStrike">
+              <a:latin typeface="Arial"/>
             </a:endParaRPr>
           </a:p>
         </p:txBody>
       </p:sp>
       <p:sp>
         <p:nvSpPr>
-          <p:cNvPr id="73" name="PlaceHolder 2"/>
+          <p:cNvPr id="67" name="PlaceHolder 2"/>
           <p:cNvSpPr>
             <a:spLocks noGrp="1"/>
           </p:cNvSpPr>
@@ -1639,8 +1513,8 @@
         </p:nvSpPr>
         <p:spPr>
           <a:xfrm>
-            <a:off x="0" y="0"/>
-            <a:ext cx="12188520" cy="2180520"/>
+            <a:off x="609480" y="1604520"/>
+            <a:ext cx="10972440" cy="1896840"/>
           </a:xfrm>
           <a:prstGeom prst="rect">
             <a:avLst/>
@@ -1651,18 +1525,15 @@
             <a:normAutofit/>
           </a:bodyPr>
           <a:p>
-            <a:endParaRPr b="0" lang="en-US" sz="2200" spc="-1" strike="noStrike">
-              <a:solidFill>
-                <a:srgbClr val="000000"/>
-              </a:solidFill>
-              <a:latin typeface="Tw Cen MT"/>
+            <a:endParaRPr b="0" lang="pt-BR" sz="3200" spc="-1" strike="noStrike">
+              <a:latin typeface="Arial"/>
             </a:endParaRPr>
           </a:p>
         </p:txBody>
       </p:sp>
       <p:sp>
         <p:nvSpPr>
-          <p:cNvPr id="74" name="PlaceHolder 3"/>
+          <p:cNvPr id="68" name="PlaceHolder 3"/>
           <p:cNvSpPr>
             <a:spLocks noGrp="1"/>
           </p:cNvSpPr>
@@ -1672,8 +1543,8 @@
         </p:nvSpPr>
         <p:spPr>
           <a:xfrm>
-            <a:off x="0" y="2388240"/>
-            <a:ext cx="12188520" cy="2180520"/>
+            <a:off x="609480" y="3682080"/>
+            <a:ext cx="10972440" cy="1896840"/>
           </a:xfrm>
           <a:prstGeom prst="rect">
             <a:avLst/>
@@ -1684,11 +1555,8 @@
             <a:normAutofit/>
           </a:bodyPr>
           <a:p>
-            <a:endParaRPr b="0" lang="en-US" sz="2200" spc="-1" strike="noStrike">
-              <a:solidFill>
-                <a:srgbClr val="000000"/>
-              </a:solidFill>
-              <a:latin typeface="Tw Cen MT"/>
+            <a:endParaRPr b="0" lang="pt-BR" sz="3200" spc="-1" strike="noStrike">
+              <a:latin typeface="Arial"/>
             </a:endParaRPr>
           </a:p>
         </p:txBody>
@@ -1717,7 +1585,7 @@
       </p:grpSpPr>
       <p:sp>
         <p:nvSpPr>
-          <p:cNvPr id="75" name="PlaceHolder 1"/>
+          <p:cNvPr id="69" name="PlaceHolder 1"/>
           <p:cNvSpPr>
             <a:spLocks noGrp="1"/>
           </p:cNvSpPr>
@@ -1727,30 +1595,26 @@
         </p:nvSpPr>
         <p:spPr>
           <a:xfrm>
-            <a:off x="457200" y="4960080"/>
-            <a:ext cx="7772040" cy="1462680"/>
+            <a:off x="609480" y="273600"/>
+            <a:ext cx="10972440" cy="1144800"/>
           </a:xfrm>
           <a:prstGeom prst="rect">
             <a:avLst/>
           </a:prstGeom>
         </p:spPr>
         <p:txBody>
-          <a:bodyPr lIns="0" rIns="0" tIns="0" bIns="0" anchor="ctr">
-            <a:noAutofit/>
-          </a:bodyPr>
-          <a:p>
-            <a:endParaRPr b="0" lang="en-US" sz="1800" spc="-1" strike="noStrike">
-              <a:solidFill>
-                <a:srgbClr val="000000"/>
-              </a:solidFill>
-              <a:latin typeface="Tw Cen MT"/>
+          <a:bodyPr lIns="0" rIns="0" tIns="0" bIns="0" anchor="ctr"/>
+          <a:p>
+            <a:pPr algn="ctr"/>
+            <a:endParaRPr b="0" lang="pt-BR" sz="4400" spc="-1" strike="noStrike">
+              <a:latin typeface="Arial"/>
             </a:endParaRPr>
           </a:p>
         </p:txBody>
       </p:sp>
       <p:sp>
         <p:nvSpPr>
-          <p:cNvPr id="76" name="PlaceHolder 2"/>
+          <p:cNvPr id="70" name="PlaceHolder 2"/>
           <p:cNvSpPr>
             <a:spLocks noGrp="1"/>
           </p:cNvSpPr>
@@ -1760,8 +1624,8 @@
         </p:nvSpPr>
         <p:spPr>
           <a:xfrm>
-            <a:off x="0" y="0"/>
-            <a:ext cx="5947920" cy="2180520"/>
+            <a:off x="609480" y="1604520"/>
+            <a:ext cx="5354280" cy="1896840"/>
           </a:xfrm>
           <a:prstGeom prst="rect">
             <a:avLst/>
@@ -1772,18 +1636,15 @@
             <a:normAutofit/>
           </a:bodyPr>
           <a:p>
-            <a:endParaRPr b="0" lang="en-US" sz="2200" spc="-1" strike="noStrike">
-              <a:solidFill>
-                <a:srgbClr val="000000"/>
-              </a:solidFill>
-              <a:latin typeface="Tw Cen MT"/>
+            <a:endParaRPr b="0" lang="pt-BR" sz="3200" spc="-1" strike="noStrike">
+              <a:latin typeface="Arial"/>
             </a:endParaRPr>
           </a:p>
         </p:txBody>
       </p:sp>
       <p:sp>
         <p:nvSpPr>
-          <p:cNvPr id="77" name="PlaceHolder 3"/>
+          <p:cNvPr id="71" name="PlaceHolder 3"/>
           <p:cNvSpPr>
             <a:spLocks noGrp="1"/>
           </p:cNvSpPr>
@@ -1793,8 +1654,8 @@
         </p:nvSpPr>
         <p:spPr>
           <a:xfrm>
-            <a:off x="6245640" y="0"/>
-            <a:ext cx="5947920" cy="2180520"/>
+            <a:off x="6231960" y="1604520"/>
+            <a:ext cx="5354280" cy="1896840"/>
           </a:xfrm>
           <a:prstGeom prst="rect">
             <a:avLst/>
@@ -1805,18 +1666,15 @@
             <a:normAutofit/>
           </a:bodyPr>
           <a:p>
-            <a:endParaRPr b="0" lang="en-US" sz="2200" spc="-1" strike="noStrike">
-              <a:solidFill>
-                <a:srgbClr val="000000"/>
-              </a:solidFill>
-              <a:latin typeface="Tw Cen MT"/>
+            <a:endParaRPr b="0" lang="pt-BR" sz="3200" spc="-1" strike="noStrike">
+              <a:latin typeface="Arial"/>
             </a:endParaRPr>
           </a:p>
         </p:txBody>
       </p:sp>
       <p:sp>
         <p:nvSpPr>
-          <p:cNvPr id="78" name="PlaceHolder 4"/>
+          <p:cNvPr id="72" name="PlaceHolder 4"/>
           <p:cNvSpPr>
             <a:spLocks noGrp="1"/>
           </p:cNvSpPr>
@@ -1826,8 +1684,8 @@
         </p:nvSpPr>
         <p:spPr>
           <a:xfrm>
-            <a:off x="0" y="2388240"/>
-            <a:ext cx="5947920" cy="2180520"/>
+            <a:off x="609480" y="3682080"/>
+            <a:ext cx="5354280" cy="1896840"/>
           </a:xfrm>
           <a:prstGeom prst="rect">
             <a:avLst/>
@@ -1838,18 +1696,15 @@
             <a:normAutofit/>
           </a:bodyPr>
           <a:p>
-            <a:endParaRPr b="0" lang="en-US" sz="2200" spc="-1" strike="noStrike">
-              <a:solidFill>
-                <a:srgbClr val="000000"/>
-              </a:solidFill>
-              <a:latin typeface="Tw Cen MT"/>
+            <a:endParaRPr b="0" lang="pt-BR" sz="3200" spc="-1" strike="noStrike">
+              <a:latin typeface="Arial"/>
             </a:endParaRPr>
           </a:p>
         </p:txBody>
       </p:sp>
       <p:sp>
         <p:nvSpPr>
-          <p:cNvPr id="79" name="PlaceHolder 5"/>
+          <p:cNvPr id="73" name="PlaceHolder 5"/>
           <p:cNvSpPr>
             <a:spLocks noGrp="1"/>
           </p:cNvSpPr>
@@ -1859,8 +1714,8 @@
         </p:nvSpPr>
         <p:spPr>
           <a:xfrm>
-            <a:off x="6245640" y="2388240"/>
-            <a:ext cx="5947920" cy="2180520"/>
+            <a:off x="6231960" y="3682080"/>
+            <a:ext cx="5354280" cy="1896840"/>
           </a:xfrm>
           <a:prstGeom prst="rect">
             <a:avLst/>
@@ -1871,11 +1726,8 @@
             <a:normAutofit/>
           </a:bodyPr>
           <a:p>
-            <a:endParaRPr b="0" lang="en-US" sz="2200" spc="-1" strike="noStrike">
-              <a:solidFill>
-                <a:srgbClr val="000000"/>
-              </a:solidFill>
-              <a:latin typeface="Tw Cen MT"/>
+            <a:endParaRPr b="0" lang="pt-BR" sz="3200" spc="-1" strike="noStrike">
+              <a:latin typeface="Arial"/>
             </a:endParaRPr>
           </a:p>
         </p:txBody>
@@ -1904,7 +1756,7 @@
       </p:grpSpPr>
       <p:sp>
         <p:nvSpPr>
-          <p:cNvPr id="80" name="PlaceHolder 1"/>
+          <p:cNvPr id="74" name="PlaceHolder 1"/>
           <p:cNvSpPr>
             <a:spLocks noGrp="1"/>
           </p:cNvSpPr>
@@ -1914,30 +1766,26 @@
         </p:nvSpPr>
         <p:spPr>
           <a:xfrm>
-            <a:off x="457200" y="4960080"/>
-            <a:ext cx="7772040" cy="1462680"/>
+            <a:off x="609480" y="273600"/>
+            <a:ext cx="10972440" cy="1144800"/>
           </a:xfrm>
           <a:prstGeom prst="rect">
             <a:avLst/>
           </a:prstGeom>
         </p:spPr>
         <p:txBody>
-          <a:bodyPr lIns="0" rIns="0" tIns="0" bIns="0" anchor="ctr">
-            <a:noAutofit/>
-          </a:bodyPr>
-          <a:p>
-            <a:endParaRPr b="0" lang="en-US" sz="1800" spc="-1" strike="noStrike">
-              <a:solidFill>
-                <a:srgbClr val="000000"/>
-              </a:solidFill>
-              <a:latin typeface="Tw Cen MT"/>
+          <a:bodyPr lIns="0" rIns="0" tIns="0" bIns="0" anchor="ctr"/>
+          <a:p>
+            <a:pPr algn="ctr"/>
+            <a:endParaRPr b="0" lang="pt-BR" sz="4400" spc="-1" strike="noStrike">
+              <a:latin typeface="Arial"/>
             </a:endParaRPr>
           </a:p>
         </p:txBody>
       </p:sp>
       <p:sp>
         <p:nvSpPr>
-          <p:cNvPr id="81" name="PlaceHolder 2"/>
+          <p:cNvPr id="75" name="PlaceHolder 2"/>
           <p:cNvSpPr>
             <a:spLocks noGrp="1"/>
           </p:cNvSpPr>
@@ -1947,8 +1795,8 @@
         </p:nvSpPr>
         <p:spPr>
           <a:xfrm>
-            <a:off x="0" y="0"/>
-            <a:ext cx="3924360" cy="2180520"/>
+            <a:off x="609480" y="1604520"/>
+            <a:ext cx="3533040" cy="1896840"/>
           </a:xfrm>
           <a:prstGeom prst="rect">
             <a:avLst/>
@@ -1959,18 +1807,15 @@
             <a:normAutofit/>
           </a:bodyPr>
           <a:p>
-            <a:endParaRPr b="0" lang="en-US" sz="2200" spc="-1" strike="noStrike">
-              <a:solidFill>
-                <a:srgbClr val="000000"/>
-              </a:solidFill>
-              <a:latin typeface="Tw Cen MT"/>
+            <a:endParaRPr b="0" lang="pt-BR" sz="3200" spc="-1" strike="noStrike">
+              <a:latin typeface="Arial"/>
             </a:endParaRPr>
           </a:p>
         </p:txBody>
       </p:sp>
       <p:sp>
         <p:nvSpPr>
-          <p:cNvPr id="82" name="PlaceHolder 3"/>
+          <p:cNvPr id="76" name="PlaceHolder 3"/>
           <p:cNvSpPr>
             <a:spLocks noGrp="1"/>
           </p:cNvSpPr>
@@ -1980,8 +1825,8 @@
         </p:nvSpPr>
         <p:spPr>
           <a:xfrm>
-            <a:off x="4120920" y="0"/>
-            <a:ext cx="3924360" cy="2180520"/>
+            <a:off x="4319640" y="1604520"/>
+            <a:ext cx="3533040" cy="1896840"/>
           </a:xfrm>
           <a:prstGeom prst="rect">
             <a:avLst/>
@@ -1992,18 +1837,15 @@
             <a:normAutofit/>
           </a:bodyPr>
           <a:p>
-            <a:endParaRPr b="0" lang="en-US" sz="2200" spc="-1" strike="noStrike">
-              <a:solidFill>
-                <a:srgbClr val="000000"/>
-              </a:solidFill>
-              <a:latin typeface="Tw Cen MT"/>
+            <a:endParaRPr b="0" lang="pt-BR" sz="3200" spc="-1" strike="noStrike">
+              <a:latin typeface="Arial"/>
             </a:endParaRPr>
           </a:p>
         </p:txBody>
       </p:sp>
       <p:sp>
         <p:nvSpPr>
-          <p:cNvPr id="83" name="PlaceHolder 4"/>
+          <p:cNvPr id="77" name="PlaceHolder 4"/>
           <p:cNvSpPr>
             <a:spLocks noGrp="1"/>
           </p:cNvSpPr>
@@ -2013,8 +1855,8 @@
         </p:nvSpPr>
         <p:spPr>
           <a:xfrm>
-            <a:off x="8241840" y="0"/>
-            <a:ext cx="3924360" cy="2180520"/>
+            <a:off x="8029800" y="1604520"/>
+            <a:ext cx="3533040" cy="1896840"/>
           </a:xfrm>
           <a:prstGeom prst="rect">
             <a:avLst/>
@@ -2025,18 +1867,15 @@
             <a:normAutofit/>
           </a:bodyPr>
           <a:p>
-            <a:endParaRPr b="0" lang="en-US" sz="2200" spc="-1" strike="noStrike">
-              <a:solidFill>
-                <a:srgbClr val="000000"/>
-              </a:solidFill>
-              <a:latin typeface="Tw Cen MT"/>
+            <a:endParaRPr b="0" lang="pt-BR" sz="3200" spc="-1" strike="noStrike">
+              <a:latin typeface="Arial"/>
             </a:endParaRPr>
           </a:p>
         </p:txBody>
       </p:sp>
       <p:sp>
         <p:nvSpPr>
-          <p:cNvPr id="84" name="PlaceHolder 5"/>
+          <p:cNvPr id="78" name="PlaceHolder 5"/>
           <p:cNvSpPr>
             <a:spLocks noGrp="1"/>
           </p:cNvSpPr>
@@ -2046,8 +1885,8 @@
         </p:nvSpPr>
         <p:spPr>
           <a:xfrm>
-            <a:off x="0" y="2388240"/>
-            <a:ext cx="3924360" cy="2180520"/>
+            <a:off x="609480" y="3682080"/>
+            <a:ext cx="3533040" cy="1896840"/>
           </a:xfrm>
           <a:prstGeom prst="rect">
             <a:avLst/>
@@ -2058,18 +1897,15 @@
             <a:normAutofit/>
           </a:bodyPr>
           <a:p>
-            <a:endParaRPr b="0" lang="en-US" sz="2200" spc="-1" strike="noStrike">
-              <a:solidFill>
-                <a:srgbClr val="000000"/>
-              </a:solidFill>
-              <a:latin typeface="Tw Cen MT"/>
+            <a:endParaRPr b="0" lang="pt-BR" sz="3200" spc="-1" strike="noStrike">
+              <a:latin typeface="Arial"/>
             </a:endParaRPr>
           </a:p>
         </p:txBody>
       </p:sp>
       <p:sp>
         <p:nvSpPr>
-          <p:cNvPr id="85" name="PlaceHolder 6"/>
+          <p:cNvPr id="79" name="PlaceHolder 6"/>
           <p:cNvSpPr>
             <a:spLocks noGrp="1"/>
           </p:cNvSpPr>
@@ -2079,8 +1915,8 @@
         </p:nvSpPr>
         <p:spPr>
           <a:xfrm>
-            <a:off x="4120920" y="2388240"/>
-            <a:ext cx="3924360" cy="2180520"/>
+            <a:off x="4319640" y="3682080"/>
+            <a:ext cx="3533040" cy="1896840"/>
           </a:xfrm>
           <a:prstGeom prst="rect">
             <a:avLst/>
@@ -2091,18 +1927,15 @@
             <a:normAutofit/>
           </a:bodyPr>
           <a:p>
-            <a:endParaRPr b="0" lang="en-US" sz="2200" spc="-1" strike="noStrike">
-              <a:solidFill>
-                <a:srgbClr val="000000"/>
-              </a:solidFill>
-              <a:latin typeface="Tw Cen MT"/>
+            <a:endParaRPr b="0" lang="pt-BR" sz="3200" spc="-1" strike="noStrike">
+              <a:latin typeface="Arial"/>
             </a:endParaRPr>
           </a:p>
         </p:txBody>
       </p:sp>
       <p:sp>
         <p:nvSpPr>
-          <p:cNvPr id="86" name="PlaceHolder 7"/>
+          <p:cNvPr id="80" name="PlaceHolder 7"/>
           <p:cNvSpPr>
             <a:spLocks noGrp="1"/>
           </p:cNvSpPr>
@@ -2112,8 +1945,8 @@
         </p:nvSpPr>
         <p:spPr>
           <a:xfrm>
-            <a:off x="8241840" y="2388240"/>
-            <a:ext cx="3924360" cy="2180520"/>
+            <a:off x="8029800" y="3682080"/>
+            <a:ext cx="3533040" cy="1896840"/>
           </a:xfrm>
           <a:prstGeom prst="rect">
             <a:avLst/>
@@ -2124,11 +1957,8 @@
             <a:normAutofit/>
           </a:bodyPr>
           <a:p>
-            <a:endParaRPr b="0" lang="en-US" sz="2200" spc="-1" strike="noStrike">
-              <a:solidFill>
-                <a:srgbClr val="000000"/>
-              </a:solidFill>
-              <a:latin typeface="Tw Cen MT"/>
+            <a:endParaRPr b="0" lang="pt-BR" sz="3200" spc="-1" strike="noStrike">
+              <a:latin typeface="Arial"/>
             </a:endParaRPr>
           </a:p>
         </p:txBody>
@@ -2179,7 +2009,7 @@
       </p:grpSpPr>
       <p:sp>
         <p:nvSpPr>
-          <p:cNvPr id="95" name="PlaceHolder 1"/>
+          <p:cNvPr id="85" name="PlaceHolder 1"/>
           <p:cNvSpPr>
             <a:spLocks noGrp="1"/>
           </p:cNvSpPr>
@@ -2189,30 +2019,26 @@
         </p:nvSpPr>
         <p:spPr>
           <a:xfrm>
-            <a:off x="457200" y="4960080"/>
-            <a:ext cx="7772040" cy="1462680"/>
+            <a:off x="609480" y="273600"/>
+            <a:ext cx="10972440" cy="1144800"/>
           </a:xfrm>
           <a:prstGeom prst="rect">
             <a:avLst/>
           </a:prstGeom>
         </p:spPr>
         <p:txBody>
-          <a:bodyPr lIns="0" rIns="0" tIns="0" bIns="0" anchor="ctr">
-            <a:noAutofit/>
-          </a:bodyPr>
-          <a:p>
-            <a:endParaRPr b="0" lang="en-US" sz="1800" spc="-1" strike="noStrike">
-              <a:solidFill>
-                <a:srgbClr val="000000"/>
-              </a:solidFill>
-              <a:latin typeface="Tw Cen MT"/>
+          <a:bodyPr lIns="0" rIns="0" tIns="0" bIns="0" anchor="ctr"/>
+          <a:p>
+            <a:pPr algn="ctr"/>
+            <a:endParaRPr b="0" lang="pt-BR" sz="4400" spc="-1" strike="noStrike">
+              <a:latin typeface="Arial"/>
             </a:endParaRPr>
           </a:p>
         </p:txBody>
       </p:sp>
       <p:sp>
         <p:nvSpPr>
-          <p:cNvPr id="96" name="PlaceHolder 2"/>
+          <p:cNvPr id="86" name="PlaceHolder 2"/>
           <p:cNvSpPr>
             <a:spLocks noGrp="1"/>
           </p:cNvSpPr>
@@ -2222,20 +2048,18 @@
         </p:nvSpPr>
         <p:spPr>
           <a:xfrm>
-            <a:off x="0" y="0"/>
-            <a:ext cx="12188520" cy="4571640"/>
+            <a:off x="609480" y="1604520"/>
+            <a:ext cx="10972440" cy="3977280"/>
           </a:xfrm>
           <a:prstGeom prst="rect">
             <a:avLst/>
           </a:prstGeom>
         </p:spPr>
         <p:txBody>
-          <a:bodyPr lIns="0" rIns="0" tIns="0" bIns="0" anchor="ctr">
-            <a:noAutofit/>
-          </a:bodyPr>
+          <a:bodyPr lIns="0" rIns="0" tIns="0" bIns="0" anchor="ctr"/>
           <a:p>
             <a:pPr algn="ctr"/>
-            <a:endParaRPr b="0" lang="en-US" sz="3200" spc="-1" strike="noStrike">
+            <a:endParaRPr b="0" lang="pt-BR" sz="3200" spc="-1" strike="noStrike">
               <a:latin typeface="Arial"/>
             </a:endParaRPr>
           </a:p>
@@ -2265,7 +2089,7 @@
       </p:grpSpPr>
       <p:sp>
         <p:nvSpPr>
-          <p:cNvPr id="97" name="PlaceHolder 1"/>
+          <p:cNvPr id="87" name="PlaceHolder 1"/>
           <p:cNvSpPr>
             <a:spLocks noGrp="1"/>
           </p:cNvSpPr>
@@ -2275,30 +2099,26 @@
         </p:nvSpPr>
         <p:spPr>
           <a:xfrm>
-            <a:off x="457200" y="4960080"/>
-            <a:ext cx="7772040" cy="1462680"/>
+            <a:off x="609480" y="273600"/>
+            <a:ext cx="10972440" cy="1144800"/>
           </a:xfrm>
           <a:prstGeom prst="rect">
             <a:avLst/>
           </a:prstGeom>
         </p:spPr>
         <p:txBody>
-          <a:bodyPr lIns="0" rIns="0" tIns="0" bIns="0" anchor="ctr">
-            <a:noAutofit/>
-          </a:bodyPr>
-          <a:p>
-            <a:endParaRPr b="0" lang="en-US" sz="1800" spc="-1" strike="noStrike">
-              <a:solidFill>
-                <a:srgbClr val="000000"/>
-              </a:solidFill>
-              <a:latin typeface="Tw Cen MT"/>
+          <a:bodyPr lIns="0" rIns="0" tIns="0" bIns="0" anchor="ctr"/>
+          <a:p>
+            <a:pPr algn="ctr"/>
+            <a:endParaRPr b="0" lang="pt-BR" sz="4400" spc="-1" strike="noStrike">
+              <a:latin typeface="Arial"/>
             </a:endParaRPr>
           </a:p>
         </p:txBody>
       </p:sp>
       <p:sp>
         <p:nvSpPr>
-          <p:cNvPr id="98" name="PlaceHolder 2"/>
+          <p:cNvPr id="88" name="PlaceHolder 2"/>
           <p:cNvSpPr>
             <a:spLocks noGrp="1"/>
           </p:cNvSpPr>
@@ -2308,8 +2128,8 @@
         </p:nvSpPr>
         <p:spPr>
           <a:xfrm>
-            <a:off x="0" y="0"/>
-            <a:ext cx="12188520" cy="4571640"/>
+            <a:off x="609480" y="1604520"/>
+            <a:ext cx="10972440" cy="3977280"/>
           </a:xfrm>
           <a:prstGeom prst="rect">
             <a:avLst/>
@@ -2320,11 +2140,8 @@
             <a:normAutofit/>
           </a:bodyPr>
           <a:p>
-            <a:endParaRPr b="0" lang="en-US" sz="2200" spc="-1" strike="noStrike">
-              <a:solidFill>
-                <a:srgbClr val="000000"/>
-              </a:solidFill>
-              <a:latin typeface="Tw Cen MT"/>
+            <a:endParaRPr b="0" lang="pt-BR" sz="3200" spc="-1" strike="noStrike">
+              <a:latin typeface="Arial"/>
             </a:endParaRPr>
           </a:p>
         </p:txBody>
@@ -2353,7 +2170,7 @@
       </p:grpSpPr>
       <p:sp>
         <p:nvSpPr>
-          <p:cNvPr id="99" name="PlaceHolder 1"/>
+          <p:cNvPr id="89" name="PlaceHolder 1"/>
           <p:cNvSpPr>
             <a:spLocks noGrp="1"/>
           </p:cNvSpPr>
@@ -2363,30 +2180,26 @@
         </p:nvSpPr>
         <p:spPr>
           <a:xfrm>
-            <a:off x="457200" y="4960080"/>
-            <a:ext cx="7772040" cy="1462680"/>
+            <a:off x="609480" y="273600"/>
+            <a:ext cx="10972440" cy="1144800"/>
           </a:xfrm>
           <a:prstGeom prst="rect">
             <a:avLst/>
           </a:prstGeom>
         </p:spPr>
         <p:txBody>
-          <a:bodyPr lIns="0" rIns="0" tIns="0" bIns="0" anchor="ctr">
-            <a:noAutofit/>
-          </a:bodyPr>
-          <a:p>
-            <a:endParaRPr b="0" lang="en-US" sz="1800" spc="-1" strike="noStrike">
-              <a:solidFill>
-                <a:srgbClr val="000000"/>
-              </a:solidFill>
-              <a:latin typeface="Tw Cen MT"/>
+          <a:bodyPr lIns="0" rIns="0" tIns="0" bIns="0" anchor="ctr"/>
+          <a:p>
+            <a:pPr algn="ctr"/>
+            <a:endParaRPr b="0" lang="pt-BR" sz="4400" spc="-1" strike="noStrike">
+              <a:latin typeface="Arial"/>
             </a:endParaRPr>
           </a:p>
         </p:txBody>
       </p:sp>
       <p:sp>
         <p:nvSpPr>
-          <p:cNvPr id="100" name="PlaceHolder 2"/>
+          <p:cNvPr id="90" name="PlaceHolder 2"/>
           <p:cNvSpPr>
             <a:spLocks noGrp="1"/>
           </p:cNvSpPr>
@@ -2396,8 +2209,8 @@
         </p:nvSpPr>
         <p:spPr>
           <a:xfrm>
-            <a:off x="0" y="0"/>
-            <a:ext cx="5947920" cy="4571640"/>
+            <a:off x="609480" y="1604520"/>
+            <a:ext cx="5354280" cy="3977280"/>
           </a:xfrm>
           <a:prstGeom prst="rect">
             <a:avLst/>
@@ -2408,18 +2221,15 @@
             <a:normAutofit/>
           </a:bodyPr>
           <a:p>
-            <a:endParaRPr b="0" lang="en-US" sz="2200" spc="-1" strike="noStrike">
-              <a:solidFill>
-                <a:srgbClr val="000000"/>
-              </a:solidFill>
-              <a:latin typeface="Tw Cen MT"/>
+            <a:endParaRPr b="0" lang="pt-BR" sz="3200" spc="-1" strike="noStrike">
+              <a:latin typeface="Arial"/>
             </a:endParaRPr>
           </a:p>
         </p:txBody>
       </p:sp>
       <p:sp>
         <p:nvSpPr>
-          <p:cNvPr id="101" name="PlaceHolder 3"/>
+          <p:cNvPr id="91" name="PlaceHolder 3"/>
           <p:cNvSpPr>
             <a:spLocks noGrp="1"/>
           </p:cNvSpPr>
@@ -2429,8 +2239,8 @@
         </p:nvSpPr>
         <p:spPr>
           <a:xfrm>
-            <a:off x="6245640" y="0"/>
-            <a:ext cx="5947920" cy="4571640"/>
+            <a:off x="6231960" y="1604520"/>
+            <a:ext cx="5354280" cy="3977280"/>
           </a:xfrm>
           <a:prstGeom prst="rect">
             <a:avLst/>
@@ -2441,11 +2251,8 @@
             <a:normAutofit/>
           </a:bodyPr>
           <a:p>
-            <a:endParaRPr b="0" lang="en-US" sz="2200" spc="-1" strike="noStrike">
-              <a:solidFill>
-                <a:srgbClr val="000000"/>
-              </a:solidFill>
-              <a:latin typeface="Tw Cen MT"/>
+            <a:endParaRPr b="0" lang="pt-BR" sz="3200" spc="-1" strike="noStrike">
+              <a:latin typeface="Arial"/>
             </a:endParaRPr>
           </a:p>
         </p:txBody>
@@ -2474,7 +2281,7 @@
       </p:grpSpPr>
       <p:sp>
         <p:nvSpPr>
-          <p:cNvPr id="102" name="PlaceHolder 1"/>
+          <p:cNvPr id="92" name="PlaceHolder 1"/>
           <p:cNvSpPr>
             <a:spLocks noGrp="1"/>
           </p:cNvSpPr>
@@ -2484,23 +2291,19 @@
         </p:nvSpPr>
         <p:spPr>
           <a:xfrm>
-            <a:off x="457200" y="4960080"/>
-            <a:ext cx="7772040" cy="1462680"/>
+            <a:off x="609480" y="273600"/>
+            <a:ext cx="10972440" cy="1144800"/>
           </a:xfrm>
           <a:prstGeom prst="rect">
             <a:avLst/>
           </a:prstGeom>
         </p:spPr>
         <p:txBody>
-          <a:bodyPr lIns="0" rIns="0" tIns="0" bIns="0" anchor="ctr">
-            <a:noAutofit/>
-          </a:bodyPr>
-          <a:p>
-            <a:endParaRPr b="0" lang="en-US" sz="1800" spc="-1" strike="noStrike">
-              <a:solidFill>
-                <a:srgbClr val="000000"/>
-              </a:solidFill>
-              <a:latin typeface="Tw Cen MT"/>
+          <a:bodyPr lIns="0" rIns="0" tIns="0" bIns="0" anchor="ctr"/>
+          <a:p>
+            <a:pPr algn="ctr"/>
+            <a:endParaRPr b="0" lang="pt-BR" sz="4400" spc="-1" strike="noStrike">
+              <a:latin typeface="Arial"/>
             </a:endParaRPr>
           </a:p>
         </p:txBody>
@@ -2529,7 +2332,7 @@
       </p:grpSpPr>
       <p:sp>
         <p:nvSpPr>
-          <p:cNvPr id="11" name="PlaceHolder 1"/>
+          <p:cNvPr id="8" name="PlaceHolder 1"/>
           <p:cNvSpPr>
             <a:spLocks noGrp="1"/>
           </p:cNvSpPr>
@@ -2539,30 +2342,26 @@
         </p:nvSpPr>
         <p:spPr>
           <a:xfrm>
-            <a:off x="457200" y="4960080"/>
-            <a:ext cx="7772040" cy="1462680"/>
+            <a:off x="609480" y="273600"/>
+            <a:ext cx="10972440" cy="1144800"/>
           </a:xfrm>
           <a:prstGeom prst="rect">
             <a:avLst/>
           </a:prstGeom>
         </p:spPr>
         <p:txBody>
-          <a:bodyPr lIns="0" rIns="0" tIns="0" bIns="0" anchor="ctr">
-            <a:noAutofit/>
-          </a:bodyPr>
-          <a:p>
-            <a:endParaRPr b="0" lang="en-US" sz="1800" spc="-1" strike="noStrike">
-              <a:solidFill>
-                <a:srgbClr val="000000"/>
-              </a:solidFill>
-              <a:latin typeface="Tw Cen MT"/>
+          <a:bodyPr lIns="0" rIns="0" tIns="0" bIns="0" anchor="ctr"/>
+          <a:p>
+            <a:pPr algn="ctr"/>
+            <a:endParaRPr b="0" lang="pt-BR" sz="4400" spc="-1" strike="noStrike">
+              <a:latin typeface="Arial"/>
             </a:endParaRPr>
           </a:p>
         </p:txBody>
       </p:sp>
       <p:sp>
         <p:nvSpPr>
-          <p:cNvPr id="12" name="PlaceHolder 2"/>
+          <p:cNvPr id="9" name="PlaceHolder 2"/>
           <p:cNvSpPr>
             <a:spLocks noGrp="1"/>
           </p:cNvSpPr>
@@ -2572,8 +2371,8 @@
         </p:nvSpPr>
         <p:spPr>
           <a:xfrm>
-            <a:off x="0" y="0"/>
-            <a:ext cx="12188520" cy="4571640"/>
+            <a:off x="609480" y="1604520"/>
+            <a:ext cx="10972440" cy="3977280"/>
           </a:xfrm>
           <a:prstGeom prst="rect">
             <a:avLst/>
@@ -2584,11 +2383,8 @@
             <a:normAutofit/>
           </a:bodyPr>
           <a:p>
-            <a:endParaRPr b="0" lang="en-US" sz="2200" spc="-1" strike="noStrike">
-              <a:solidFill>
-                <a:srgbClr val="000000"/>
-              </a:solidFill>
-              <a:latin typeface="Tw Cen MT"/>
+            <a:endParaRPr b="0" lang="pt-BR" sz="3200" spc="-1" strike="noStrike">
+              <a:latin typeface="Arial"/>
             </a:endParaRPr>
           </a:p>
         </p:txBody>
@@ -2617,7 +2413,7 @@
       </p:grpSpPr>
       <p:sp>
         <p:nvSpPr>
-          <p:cNvPr id="103" name="PlaceHolder 1"/>
+          <p:cNvPr id="93" name="PlaceHolder 1"/>
           <p:cNvSpPr>
             <a:spLocks noGrp="1"/>
           </p:cNvSpPr>
@@ -2627,20 +2423,18 @@
         </p:nvSpPr>
         <p:spPr>
           <a:xfrm>
-            <a:off x="457200" y="4960080"/>
-            <a:ext cx="7772040" cy="6781320"/>
+            <a:off x="609480" y="273600"/>
+            <a:ext cx="10972440" cy="5307840"/>
           </a:xfrm>
           <a:prstGeom prst="rect">
             <a:avLst/>
           </a:prstGeom>
         </p:spPr>
         <p:txBody>
-          <a:bodyPr lIns="0" rIns="0" tIns="0" bIns="0" anchor="ctr">
-            <a:noAutofit/>
-          </a:bodyPr>
+          <a:bodyPr lIns="0" rIns="0" tIns="0" bIns="0" anchor="ctr"/>
           <a:p>
             <a:pPr algn="ctr"/>
-            <a:endParaRPr b="0" lang="en-US" sz="3200" spc="-1" strike="noStrike">
+            <a:endParaRPr b="0" lang="pt-BR" sz="3200" spc="-1" strike="noStrike">
               <a:latin typeface="Arial"/>
             </a:endParaRPr>
           </a:p>
@@ -2670,7 +2464,7 @@
       </p:grpSpPr>
       <p:sp>
         <p:nvSpPr>
-          <p:cNvPr id="104" name="PlaceHolder 1"/>
+          <p:cNvPr id="94" name="PlaceHolder 1"/>
           <p:cNvSpPr>
             <a:spLocks noGrp="1"/>
           </p:cNvSpPr>
@@ -2680,30 +2474,26 @@
         </p:nvSpPr>
         <p:spPr>
           <a:xfrm>
-            <a:off x="457200" y="4960080"/>
-            <a:ext cx="7772040" cy="1462680"/>
+            <a:off x="609480" y="273600"/>
+            <a:ext cx="10972440" cy="1144800"/>
           </a:xfrm>
           <a:prstGeom prst="rect">
             <a:avLst/>
           </a:prstGeom>
         </p:spPr>
         <p:txBody>
-          <a:bodyPr lIns="0" rIns="0" tIns="0" bIns="0" anchor="ctr">
-            <a:noAutofit/>
-          </a:bodyPr>
-          <a:p>
-            <a:endParaRPr b="0" lang="en-US" sz="1800" spc="-1" strike="noStrike">
-              <a:solidFill>
-                <a:srgbClr val="000000"/>
-              </a:solidFill>
-              <a:latin typeface="Tw Cen MT"/>
+          <a:bodyPr lIns="0" rIns="0" tIns="0" bIns="0" anchor="ctr"/>
+          <a:p>
+            <a:pPr algn="ctr"/>
+            <a:endParaRPr b="0" lang="pt-BR" sz="4400" spc="-1" strike="noStrike">
+              <a:latin typeface="Arial"/>
             </a:endParaRPr>
           </a:p>
         </p:txBody>
       </p:sp>
       <p:sp>
         <p:nvSpPr>
-          <p:cNvPr id="105" name="PlaceHolder 2"/>
+          <p:cNvPr id="95" name="PlaceHolder 2"/>
           <p:cNvSpPr>
             <a:spLocks noGrp="1"/>
           </p:cNvSpPr>
@@ -2713,8 +2503,8 @@
         </p:nvSpPr>
         <p:spPr>
           <a:xfrm>
-            <a:off x="0" y="0"/>
-            <a:ext cx="5947920" cy="2180520"/>
+            <a:off x="609480" y="1604520"/>
+            <a:ext cx="5354280" cy="1896840"/>
           </a:xfrm>
           <a:prstGeom prst="rect">
             <a:avLst/>
@@ -2725,18 +2515,15 @@
             <a:normAutofit/>
           </a:bodyPr>
           <a:p>
-            <a:endParaRPr b="0" lang="en-US" sz="2200" spc="-1" strike="noStrike">
-              <a:solidFill>
-                <a:srgbClr val="000000"/>
-              </a:solidFill>
-              <a:latin typeface="Tw Cen MT"/>
+            <a:endParaRPr b="0" lang="pt-BR" sz="3200" spc="-1" strike="noStrike">
+              <a:latin typeface="Arial"/>
             </a:endParaRPr>
           </a:p>
         </p:txBody>
       </p:sp>
       <p:sp>
         <p:nvSpPr>
-          <p:cNvPr id="106" name="PlaceHolder 3"/>
+          <p:cNvPr id="96" name="PlaceHolder 3"/>
           <p:cNvSpPr>
             <a:spLocks noGrp="1"/>
           </p:cNvSpPr>
@@ -2746,8 +2533,8 @@
         </p:nvSpPr>
         <p:spPr>
           <a:xfrm>
-            <a:off x="6245640" y="0"/>
-            <a:ext cx="5947920" cy="4571640"/>
+            <a:off x="6231960" y="1604520"/>
+            <a:ext cx="5354280" cy="3977280"/>
           </a:xfrm>
           <a:prstGeom prst="rect">
             <a:avLst/>
@@ -2758,18 +2545,15 @@
             <a:normAutofit/>
           </a:bodyPr>
           <a:p>
-            <a:endParaRPr b="0" lang="en-US" sz="2200" spc="-1" strike="noStrike">
-              <a:solidFill>
-                <a:srgbClr val="000000"/>
-              </a:solidFill>
-              <a:latin typeface="Tw Cen MT"/>
+            <a:endParaRPr b="0" lang="pt-BR" sz="3200" spc="-1" strike="noStrike">
+              <a:latin typeface="Arial"/>
             </a:endParaRPr>
           </a:p>
         </p:txBody>
       </p:sp>
       <p:sp>
         <p:nvSpPr>
-          <p:cNvPr id="107" name="PlaceHolder 4"/>
+          <p:cNvPr id="97" name="PlaceHolder 4"/>
           <p:cNvSpPr>
             <a:spLocks noGrp="1"/>
           </p:cNvSpPr>
@@ -2779,8 +2563,8 @@
         </p:nvSpPr>
         <p:spPr>
           <a:xfrm>
-            <a:off x="0" y="2388240"/>
-            <a:ext cx="5947920" cy="2180520"/>
+            <a:off x="609480" y="3682080"/>
+            <a:ext cx="5354280" cy="1896840"/>
           </a:xfrm>
           <a:prstGeom prst="rect">
             <a:avLst/>
@@ -2791,11 +2575,8 @@
             <a:normAutofit/>
           </a:bodyPr>
           <a:p>
-            <a:endParaRPr b="0" lang="en-US" sz="2200" spc="-1" strike="noStrike">
-              <a:solidFill>
-                <a:srgbClr val="000000"/>
-              </a:solidFill>
-              <a:latin typeface="Tw Cen MT"/>
+            <a:endParaRPr b="0" lang="pt-BR" sz="3200" spc="-1" strike="noStrike">
+              <a:latin typeface="Arial"/>
             </a:endParaRPr>
           </a:p>
         </p:txBody>
@@ -2824,7 +2605,7 @@
       </p:grpSpPr>
       <p:sp>
         <p:nvSpPr>
-          <p:cNvPr id="108" name="PlaceHolder 1"/>
+          <p:cNvPr id="98" name="PlaceHolder 1"/>
           <p:cNvSpPr>
             <a:spLocks noGrp="1"/>
           </p:cNvSpPr>
@@ -2834,30 +2615,26 @@
         </p:nvSpPr>
         <p:spPr>
           <a:xfrm>
-            <a:off x="457200" y="4960080"/>
-            <a:ext cx="7772040" cy="1462680"/>
+            <a:off x="609480" y="273600"/>
+            <a:ext cx="10972440" cy="1144800"/>
           </a:xfrm>
           <a:prstGeom prst="rect">
             <a:avLst/>
           </a:prstGeom>
         </p:spPr>
         <p:txBody>
-          <a:bodyPr lIns="0" rIns="0" tIns="0" bIns="0" anchor="ctr">
-            <a:noAutofit/>
-          </a:bodyPr>
-          <a:p>
-            <a:endParaRPr b="0" lang="en-US" sz="1800" spc="-1" strike="noStrike">
-              <a:solidFill>
-                <a:srgbClr val="000000"/>
-              </a:solidFill>
-              <a:latin typeface="Tw Cen MT"/>
+          <a:bodyPr lIns="0" rIns="0" tIns="0" bIns="0" anchor="ctr"/>
+          <a:p>
+            <a:pPr algn="ctr"/>
+            <a:endParaRPr b="0" lang="pt-BR" sz="4400" spc="-1" strike="noStrike">
+              <a:latin typeface="Arial"/>
             </a:endParaRPr>
           </a:p>
         </p:txBody>
       </p:sp>
       <p:sp>
         <p:nvSpPr>
-          <p:cNvPr id="109" name="PlaceHolder 2"/>
+          <p:cNvPr id="99" name="PlaceHolder 2"/>
           <p:cNvSpPr>
             <a:spLocks noGrp="1"/>
           </p:cNvSpPr>
@@ -2867,8 +2644,8 @@
         </p:nvSpPr>
         <p:spPr>
           <a:xfrm>
-            <a:off x="0" y="0"/>
-            <a:ext cx="5947920" cy="4571640"/>
+            <a:off x="609480" y="1604520"/>
+            <a:ext cx="5354280" cy="3977280"/>
           </a:xfrm>
           <a:prstGeom prst="rect">
             <a:avLst/>
@@ -2879,18 +2656,15 @@
             <a:normAutofit/>
           </a:bodyPr>
           <a:p>
-            <a:endParaRPr b="0" lang="en-US" sz="2200" spc="-1" strike="noStrike">
-              <a:solidFill>
-                <a:srgbClr val="000000"/>
-              </a:solidFill>
-              <a:latin typeface="Tw Cen MT"/>
+            <a:endParaRPr b="0" lang="pt-BR" sz="3200" spc="-1" strike="noStrike">
+              <a:latin typeface="Arial"/>
             </a:endParaRPr>
           </a:p>
         </p:txBody>
       </p:sp>
       <p:sp>
         <p:nvSpPr>
-          <p:cNvPr id="110" name="PlaceHolder 3"/>
+          <p:cNvPr id="100" name="PlaceHolder 3"/>
           <p:cNvSpPr>
             <a:spLocks noGrp="1"/>
           </p:cNvSpPr>
@@ -2900,8 +2674,8 @@
         </p:nvSpPr>
         <p:spPr>
           <a:xfrm>
-            <a:off x="6245640" y="0"/>
-            <a:ext cx="5947920" cy="2180520"/>
+            <a:off x="6231960" y="1604520"/>
+            <a:ext cx="5354280" cy="1896840"/>
           </a:xfrm>
           <a:prstGeom prst="rect">
             <a:avLst/>
@@ -2912,18 +2686,15 @@
             <a:normAutofit/>
           </a:bodyPr>
           <a:p>
-            <a:endParaRPr b="0" lang="en-US" sz="2200" spc="-1" strike="noStrike">
-              <a:solidFill>
-                <a:srgbClr val="000000"/>
-              </a:solidFill>
-              <a:latin typeface="Tw Cen MT"/>
+            <a:endParaRPr b="0" lang="pt-BR" sz="3200" spc="-1" strike="noStrike">
+              <a:latin typeface="Arial"/>
             </a:endParaRPr>
           </a:p>
         </p:txBody>
       </p:sp>
       <p:sp>
         <p:nvSpPr>
-          <p:cNvPr id="111" name="PlaceHolder 4"/>
+          <p:cNvPr id="101" name="PlaceHolder 4"/>
           <p:cNvSpPr>
             <a:spLocks noGrp="1"/>
           </p:cNvSpPr>
@@ -2933,8 +2704,8 @@
         </p:nvSpPr>
         <p:spPr>
           <a:xfrm>
-            <a:off x="6245640" y="2388240"/>
-            <a:ext cx="5947920" cy="2180520"/>
+            <a:off x="6231960" y="3682080"/>
+            <a:ext cx="5354280" cy="1896840"/>
           </a:xfrm>
           <a:prstGeom prst="rect">
             <a:avLst/>
@@ -2945,11 +2716,8 @@
             <a:normAutofit/>
           </a:bodyPr>
           <a:p>
-            <a:endParaRPr b="0" lang="en-US" sz="2200" spc="-1" strike="noStrike">
-              <a:solidFill>
-                <a:srgbClr val="000000"/>
-              </a:solidFill>
-              <a:latin typeface="Tw Cen MT"/>
+            <a:endParaRPr b="0" lang="pt-BR" sz="3200" spc="-1" strike="noStrike">
+              <a:latin typeface="Arial"/>
             </a:endParaRPr>
           </a:p>
         </p:txBody>
@@ -2978,7 +2746,7 @@
       </p:grpSpPr>
       <p:sp>
         <p:nvSpPr>
-          <p:cNvPr id="112" name="PlaceHolder 1"/>
+          <p:cNvPr id="102" name="PlaceHolder 1"/>
           <p:cNvSpPr>
             <a:spLocks noGrp="1"/>
           </p:cNvSpPr>
@@ -2988,30 +2756,26 @@
         </p:nvSpPr>
         <p:spPr>
           <a:xfrm>
-            <a:off x="457200" y="4960080"/>
-            <a:ext cx="7772040" cy="1462680"/>
+            <a:off x="609480" y="273600"/>
+            <a:ext cx="10972440" cy="1144800"/>
           </a:xfrm>
           <a:prstGeom prst="rect">
             <a:avLst/>
           </a:prstGeom>
         </p:spPr>
         <p:txBody>
-          <a:bodyPr lIns="0" rIns="0" tIns="0" bIns="0" anchor="ctr">
-            <a:noAutofit/>
-          </a:bodyPr>
-          <a:p>
-            <a:endParaRPr b="0" lang="en-US" sz="1800" spc="-1" strike="noStrike">
-              <a:solidFill>
-                <a:srgbClr val="000000"/>
-              </a:solidFill>
-              <a:latin typeface="Tw Cen MT"/>
+          <a:bodyPr lIns="0" rIns="0" tIns="0" bIns="0" anchor="ctr"/>
+          <a:p>
+            <a:pPr algn="ctr"/>
+            <a:endParaRPr b="0" lang="pt-BR" sz="4400" spc="-1" strike="noStrike">
+              <a:latin typeface="Arial"/>
             </a:endParaRPr>
           </a:p>
         </p:txBody>
       </p:sp>
       <p:sp>
         <p:nvSpPr>
-          <p:cNvPr id="113" name="PlaceHolder 2"/>
+          <p:cNvPr id="103" name="PlaceHolder 2"/>
           <p:cNvSpPr>
             <a:spLocks noGrp="1"/>
           </p:cNvSpPr>
@@ -3021,8 +2785,8 @@
         </p:nvSpPr>
         <p:spPr>
           <a:xfrm>
-            <a:off x="0" y="0"/>
-            <a:ext cx="5947920" cy="2180520"/>
+            <a:off x="609480" y="1604520"/>
+            <a:ext cx="5354280" cy="1896840"/>
           </a:xfrm>
           <a:prstGeom prst="rect">
             <a:avLst/>
@@ -3033,18 +2797,15 @@
             <a:normAutofit/>
           </a:bodyPr>
           <a:p>
-            <a:endParaRPr b="0" lang="en-US" sz="2200" spc="-1" strike="noStrike">
-              <a:solidFill>
-                <a:srgbClr val="000000"/>
-              </a:solidFill>
-              <a:latin typeface="Tw Cen MT"/>
+            <a:endParaRPr b="0" lang="pt-BR" sz="3200" spc="-1" strike="noStrike">
+              <a:latin typeface="Arial"/>
             </a:endParaRPr>
           </a:p>
         </p:txBody>
       </p:sp>
       <p:sp>
         <p:nvSpPr>
-          <p:cNvPr id="114" name="PlaceHolder 3"/>
+          <p:cNvPr id="104" name="PlaceHolder 3"/>
           <p:cNvSpPr>
             <a:spLocks noGrp="1"/>
           </p:cNvSpPr>
@@ -3054,8 +2815,8 @@
         </p:nvSpPr>
         <p:spPr>
           <a:xfrm>
-            <a:off x="6245640" y="0"/>
-            <a:ext cx="5947920" cy="2180520"/>
+            <a:off x="6231960" y="1604520"/>
+            <a:ext cx="5354280" cy="1896840"/>
           </a:xfrm>
           <a:prstGeom prst="rect">
             <a:avLst/>
@@ -3066,18 +2827,15 @@
             <a:normAutofit/>
           </a:bodyPr>
           <a:p>
-            <a:endParaRPr b="0" lang="en-US" sz="2200" spc="-1" strike="noStrike">
-              <a:solidFill>
-                <a:srgbClr val="000000"/>
-              </a:solidFill>
-              <a:latin typeface="Tw Cen MT"/>
+            <a:endParaRPr b="0" lang="pt-BR" sz="3200" spc="-1" strike="noStrike">
+              <a:latin typeface="Arial"/>
             </a:endParaRPr>
           </a:p>
         </p:txBody>
       </p:sp>
       <p:sp>
         <p:nvSpPr>
-          <p:cNvPr id="115" name="PlaceHolder 4"/>
+          <p:cNvPr id="105" name="PlaceHolder 4"/>
           <p:cNvSpPr>
             <a:spLocks noGrp="1"/>
           </p:cNvSpPr>
@@ -3087,8 +2845,8 @@
         </p:nvSpPr>
         <p:spPr>
           <a:xfrm>
-            <a:off x="0" y="2388240"/>
-            <a:ext cx="12188520" cy="2180520"/>
+            <a:off x="609480" y="3682080"/>
+            <a:ext cx="10972440" cy="1896840"/>
           </a:xfrm>
           <a:prstGeom prst="rect">
             <a:avLst/>
@@ -3099,11 +2857,8 @@
             <a:normAutofit/>
           </a:bodyPr>
           <a:p>
-            <a:endParaRPr b="0" lang="en-US" sz="2200" spc="-1" strike="noStrike">
-              <a:solidFill>
-                <a:srgbClr val="000000"/>
-              </a:solidFill>
-              <a:latin typeface="Tw Cen MT"/>
+            <a:endParaRPr b="0" lang="pt-BR" sz="3200" spc="-1" strike="noStrike">
+              <a:latin typeface="Arial"/>
             </a:endParaRPr>
           </a:p>
         </p:txBody>
@@ -3132,7 +2887,7 @@
       </p:grpSpPr>
       <p:sp>
         <p:nvSpPr>
-          <p:cNvPr id="116" name="PlaceHolder 1"/>
+          <p:cNvPr id="106" name="PlaceHolder 1"/>
           <p:cNvSpPr>
             <a:spLocks noGrp="1"/>
           </p:cNvSpPr>
@@ -3142,30 +2897,26 @@
         </p:nvSpPr>
         <p:spPr>
           <a:xfrm>
-            <a:off x="457200" y="4960080"/>
-            <a:ext cx="7772040" cy="1462680"/>
+            <a:off x="609480" y="273600"/>
+            <a:ext cx="10972440" cy="1144800"/>
           </a:xfrm>
           <a:prstGeom prst="rect">
             <a:avLst/>
           </a:prstGeom>
         </p:spPr>
         <p:txBody>
-          <a:bodyPr lIns="0" rIns="0" tIns="0" bIns="0" anchor="ctr">
-            <a:noAutofit/>
-          </a:bodyPr>
-          <a:p>
-            <a:endParaRPr b="0" lang="en-US" sz="1800" spc="-1" strike="noStrike">
-              <a:solidFill>
-                <a:srgbClr val="000000"/>
-              </a:solidFill>
-              <a:latin typeface="Tw Cen MT"/>
+          <a:bodyPr lIns="0" rIns="0" tIns="0" bIns="0" anchor="ctr"/>
+          <a:p>
+            <a:pPr algn="ctr"/>
+            <a:endParaRPr b="0" lang="pt-BR" sz="4400" spc="-1" strike="noStrike">
+              <a:latin typeface="Arial"/>
             </a:endParaRPr>
           </a:p>
         </p:txBody>
       </p:sp>
       <p:sp>
         <p:nvSpPr>
-          <p:cNvPr id="117" name="PlaceHolder 2"/>
+          <p:cNvPr id="107" name="PlaceHolder 2"/>
           <p:cNvSpPr>
             <a:spLocks noGrp="1"/>
           </p:cNvSpPr>
@@ -3175,8 +2926,8 @@
         </p:nvSpPr>
         <p:spPr>
           <a:xfrm>
-            <a:off x="0" y="0"/>
-            <a:ext cx="12188520" cy="2180520"/>
+            <a:off x="609480" y="1604520"/>
+            <a:ext cx="10972440" cy="1896840"/>
           </a:xfrm>
           <a:prstGeom prst="rect">
             <a:avLst/>
@@ -3187,18 +2938,15 @@
             <a:normAutofit/>
           </a:bodyPr>
           <a:p>
-            <a:endParaRPr b="0" lang="en-US" sz="2200" spc="-1" strike="noStrike">
-              <a:solidFill>
-                <a:srgbClr val="000000"/>
-              </a:solidFill>
-              <a:latin typeface="Tw Cen MT"/>
+            <a:endParaRPr b="0" lang="pt-BR" sz="3200" spc="-1" strike="noStrike">
+              <a:latin typeface="Arial"/>
             </a:endParaRPr>
           </a:p>
         </p:txBody>
       </p:sp>
       <p:sp>
         <p:nvSpPr>
-          <p:cNvPr id="118" name="PlaceHolder 3"/>
+          <p:cNvPr id="108" name="PlaceHolder 3"/>
           <p:cNvSpPr>
             <a:spLocks noGrp="1"/>
           </p:cNvSpPr>
@@ -3208,8 +2956,8 @@
         </p:nvSpPr>
         <p:spPr>
           <a:xfrm>
-            <a:off x="0" y="2388240"/>
-            <a:ext cx="12188520" cy="2180520"/>
+            <a:off x="609480" y="3682080"/>
+            <a:ext cx="10972440" cy="1896840"/>
           </a:xfrm>
           <a:prstGeom prst="rect">
             <a:avLst/>
@@ -3220,11 +2968,8 @@
             <a:normAutofit/>
           </a:bodyPr>
           <a:p>
-            <a:endParaRPr b="0" lang="en-US" sz="2200" spc="-1" strike="noStrike">
-              <a:solidFill>
-                <a:srgbClr val="000000"/>
-              </a:solidFill>
-              <a:latin typeface="Tw Cen MT"/>
+            <a:endParaRPr b="0" lang="pt-BR" sz="3200" spc="-1" strike="noStrike">
+              <a:latin typeface="Arial"/>
             </a:endParaRPr>
           </a:p>
         </p:txBody>
@@ -3253,7 +2998,7 @@
       </p:grpSpPr>
       <p:sp>
         <p:nvSpPr>
-          <p:cNvPr id="119" name="PlaceHolder 1"/>
+          <p:cNvPr id="109" name="PlaceHolder 1"/>
           <p:cNvSpPr>
             <a:spLocks noGrp="1"/>
           </p:cNvSpPr>
@@ -3263,30 +3008,26 @@
         </p:nvSpPr>
         <p:spPr>
           <a:xfrm>
-            <a:off x="457200" y="4960080"/>
-            <a:ext cx="7772040" cy="1462680"/>
+            <a:off x="609480" y="273600"/>
+            <a:ext cx="10972440" cy="1144800"/>
           </a:xfrm>
           <a:prstGeom prst="rect">
             <a:avLst/>
           </a:prstGeom>
         </p:spPr>
         <p:txBody>
-          <a:bodyPr lIns="0" rIns="0" tIns="0" bIns="0" anchor="ctr">
-            <a:noAutofit/>
-          </a:bodyPr>
-          <a:p>
-            <a:endParaRPr b="0" lang="en-US" sz="1800" spc="-1" strike="noStrike">
-              <a:solidFill>
-                <a:srgbClr val="000000"/>
-              </a:solidFill>
-              <a:latin typeface="Tw Cen MT"/>
+          <a:bodyPr lIns="0" rIns="0" tIns="0" bIns="0" anchor="ctr"/>
+          <a:p>
+            <a:pPr algn="ctr"/>
+            <a:endParaRPr b="0" lang="pt-BR" sz="4400" spc="-1" strike="noStrike">
+              <a:latin typeface="Arial"/>
             </a:endParaRPr>
           </a:p>
         </p:txBody>
       </p:sp>
       <p:sp>
         <p:nvSpPr>
-          <p:cNvPr id="120" name="PlaceHolder 2"/>
+          <p:cNvPr id="110" name="PlaceHolder 2"/>
           <p:cNvSpPr>
             <a:spLocks noGrp="1"/>
           </p:cNvSpPr>
@@ -3296,8 +3037,8 @@
         </p:nvSpPr>
         <p:spPr>
           <a:xfrm>
-            <a:off x="0" y="0"/>
-            <a:ext cx="5947920" cy="2180520"/>
+            <a:off x="609480" y="1604520"/>
+            <a:ext cx="5354280" cy="1896840"/>
           </a:xfrm>
           <a:prstGeom prst="rect">
             <a:avLst/>
@@ -3308,18 +3049,15 @@
             <a:normAutofit/>
           </a:bodyPr>
           <a:p>
-            <a:endParaRPr b="0" lang="en-US" sz="2200" spc="-1" strike="noStrike">
-              <a:solidFill>
-                <a:srgbClr val="000000"/>
-              </a:solidFill>
-              <a:latin typeface="Tw Cen MT"/>
+            <a:endParaRPr b="0" lang="pt-BR" sz="3200" spc="-1" strike="noStrike">
+              <a:latin typeface="Arial"/>
             </a:endParaRPr>
           </a:p>
         </p:txBody>
       </p:sp>
       <p:sp>
         <p:nvSpPr>
-          <p:cNvPr id="121" name="PlaceHolder 3"/>
+          <p:cNvPr id="111" name="PlaceHolder 3"/>
           <p:cNvSpPr>
             <a:spLocks noGrp="1"/>
           </p:cNvSpPr>
@@ -3329,8 +3067,8 @@
         </p:nvSpPr>
         <p:spPr>
           <a:xfrm>
-            <a:off x="6245640" y="0"/>
-            <a:ext cx="5947920" cy="2180520"/>
+            <a:off x="6231960" y="1604520"/>
+            <a:ext cx="5354280" cy="1896840"/>
           </a:xfrm>
           <a:prstGeom prst="rect">
             <a:avLst/>
@@ -3341,18 +3079,15 @@
             <a:normAutofit/>
           </a:bodyPr>
           <a:p>
-            <a:endParaRPr b="0" lang="en-US" sz="2200" spc="-1" strike="noStrike">
-              <a:solidFill>
-                <a:srgbClr val="000000"/>
-              </a:solidFill>
-              <a:latin typeface="Tw Cen MT"/>
+            <a:endParaRPr b="0" lang="pt-BR" sz="3200" spc="-1" strike="noStrike">
+              <a:latin typeface="Arial"/>
             </a:endParaRPr>
           </a:p>
         </p:txBody>
       </p:sp>
       <p:sp>
         <p:nvSpPr>
-          <p:cNvPr id="122" name="PlaceHolder 4"/>
+          <p:cNvPr id="112" name="PlaceHolder 4"/>
           <p:cNvSpPr>
             <a:spLocks noGrp="1"/>
           </p:cNvSpPr>
@@ -3362,8 +3097,8 @@
         </p:nvSpPr>
         <p:spPr>
           <a:xfrm>
-            <a:off x="0" y="2388240"/>
-            <a:ext cx="5947920" cy="2180520"/>
+            <a:off x="609480" y="3682080"/>
+            <a:ext cx="5354280" cy="1896840"/>
           </a:xfrm>
           <a:prstGeom prst="rect">
             <a:avLst/>
@@ -3374,18 +3109,15 @@
             <a:normAutofit/>
           </a:bodyPr>
           <a:p>
-            <a:endParaRPr b="0" lang="en-US" sz="2200" spc="-1" strike="noStrike">
-              <a:solidFill>
-                <a:srgbClr val="000000"/>
-              </a:solidFill>
-              <a:latin typeface="Tw Cen MT"/>
+            <a:endParaRPr b="0" lang="pt-BR" sz="3200" spc="-1" strike="noStrike">
+              <a:latin typeface="Arial"/>
             </a:endParaRPr>
           </a:p>
         </p:txBody>
       </p:sp>
       <p:sp>
         <p:nvSpPr>
-          <p:cNvPr id="123" name="PlaceHolder 5"/>
+          <p:cNvPr id="113" name="PlaceHolder 5"/>
           <p:cNvSpPr>
             <a:spLocks noGrp="1"/>
           </p:cNvSpPr>
@@ -3395,8 +3127,8 @@
         </p:nvSpPr>
         <p:spPr>
           <a:xfrm>
-            <a:off x="6245640" y="2388240"/>
-            <a:ext cx="5947920" cy="2180520"/>
+            <a:off x="6231960" y="3682080"/>
+            <a:ext cx="5354280" cy="1896840"/>
           </a:xfrm>
           <a:prstGeom prst="rect">
             <a:avLst/>
@@ -3407,11 +3139,8 @@
             <a:normAutofit/>
           </a:bodyPr>
           <a:p>
-            <a:endParaRPr b="0" lang="en-US" sz="2200" spc="-1" strike="noStrike">
-              <a:solidFill>
-                <a:srgbClr val="000000"/>
-              </a:solidFill>
-              <a:latin typeface="Tw Cen MT"/>
+            <a:endParaRPr b="0" lang="pt-BR" sz="3200" spc="-1" strike="noStrike">
+              <a:latin typeface="Arial"/>
             </a:endParaRPr>
           </a:p>
         </p:txBody>
@@ -3440,7 +3169,7 @@
       </p:grpSpPr>
       <p:sp>
         <p:nvSpPr>
-          <p:cNvPr id="124" name="PlaceHolder 1"/>
+          <p:cNvPr id="114" name="PlaceHolder 1"/>
           <p:cNvSpPr>
             <a:spLocks noGrp="1"/>
           </p:cNvSpPr>
@@ -3450,30 +3179,26 @@
         </p:nvSpPr>
         <p:spPr>
           <a:xfrm>
-            <a:off x="457200" y="4960080"/>
-            <a:ext cx="7772040" cy="1462680"/>
+            <a:off x="609480" y="273600"/>
+            <a:ext cx="10972440" cy="1144800"/>
           </a:xfrm>
           <a:prstGeom prst="rect">
             <a:avLst/>
           </a:prstGeom>
         </p:spPr>
         <p:txBody>
-          <a:bodyPr lIns="0" rIns="0" tIns="0" bIns="0" anchor="ctr">
-            <a:noAutofit/>
-          </a:bodyPr>
-          <a:p>
-            <a:endParaRPr b="0" lang="en-US" sz="1800" spc="-1" strike="noStrike">
-              <a:solidFill>
-                <a:srgbClr val="000000"/>
-              </a:solidFill>
-              <a:latin typeface="Tw Cen MT"/>
+          <a:bodyPr lIns="0" rIns="0" tIns="0" bIns="0" anchor="ctr"/>
+          <a:p>
+            <a:pPr algn="ctr"/>
+            <a:endParaRPr b="0" lang="pt-BR" sz="4400" spc="-1" strike="noStrike">
+              <a:latin typeface="Arial"/>
             </a:endParaRPr>
           </a:p>
         </p:txBody>
       </p:sp>
       <p:sp>
         <p:nvSpPr>
-          <p:cNvPr id="125" name="PlaceHolder 2"/>
+          <p:cNvPr id="115" name="PlaceHolder 2"/>
           <p:cNvSpPr>
             <a:spLocks noGrp="1"/>
           </p:cNvSpPr>
@@ -3483,8 +3208,8 @@
         </p:nvSpPr>
         <p:spPr>
           <a:xfrm>
-            <a:off x="0" y="0"/>
-            <a:ext cx="3924360" cy="2180520"/>
+            <a:off x="609480" y="1604520"/>
+            <a:ext cx="3533040" cy="1896840"/>
           </a:xfrm>
           <a:prstGeom prst="rect">
             <a:avLst/>
@@ -3495,18 +3220,15 @@
             <a:normAutofit/>
           </a:bodyPr>
           <a:p>
-            <a:endParaRPr b="0" lang="en-US" sz="2200" spc="-1" strike="noStrike">
-              <a:solidFill>
-                <a:srgbClr val="000000"/>
-              </a:solidFill>
-              <a:latin typeface="Tw Cen MT"/>
+            <a:endParaRPr b="0" lang="pt-BR" sz="3200" spc="-1" strike="noStrike">
+              <a:latin typeface="Arial"/>
             </a:endParaRPr>
           </a:p>
         </p:txBody>
       </p:sp>
       <p:sp>
         <p:nvSpPr>
-          <p:cNvPr id="126" name="PlaceHolder 3"/>
+          <p:cNvPr id="116" name="PlaceHolder 3"/>
           <p:cNvSpPr>
             <a:spLocks noGrp="1"/>
           </p:cNvSpPr>
@@ -3516,8 +3238,8 @@
         </p:nvSpPr>
         <p:spPr>
           <a:xfrm>
-            <a:off x="4120920" y="0"/>
-            <a:ext cx="3924360" cy="2180520"/>
+            <a:off x="4319640" y="1604520"/>
+            <a:ext cx="3533040" cy="1896840"/>
           </a:xfrm>
           <a:prstGeom prst="rect">
             <a:avLst/>
@@ -3528,18 +3250,15 @@
             <a:normAutofit/>
           </a:bodyPr>
           <a:p>
-            <a:endParaRPr b="0" lang="en-US" sz="2200" spc="-1" strike="noStrike">
-              <a:solidFill>
-                <a:srgbClr val="000000"/>
-              </a:solidFill>
-              <a:latin typeface="Tw Cen MT"/>
+            <a:endParaRPr b="0" lang="pt-BR" sz="3200" spc="-1" strike="noStrike">
+              <a:latin typeface="Arial"/>
             </a:endParaRPr>
           </a:p>
         </p:txBody>
       </p:sp>
       <p:sp>
         <p:nvSpPr>
-          <p:cNvPr id="127" name="PlaceHolder 4"/>
+          <p:cNvPr id="117" name="PlaceHolder 4"/>
           <p:cNvSpPr>
             <a:spLocks noGrp="1"/>
           </p:cNvSpPr>
@@ -3549,8 +3268,8 @@
         </p:nvSpPr>
         <p:spPr>
           <a:xfrm>
-            <a:off x="8241840" y="0"/>
-            <a:ext cx="3924360" cy="2180520"/>
+            <a:off x="8029800" y="1604520"/>
+            <a:ext cx="3533040" cy="1896840"/>
           </a:xfrm>
           <a:prstGeom prst="rect">
             <a:avLst/>
@@ -3561,18 +3280,15 @@
             <a:normAutofit/>
           </a:bodyPr>
           <a:p>
-            <a:endParaRPr b="0" lang="en-US" sz="2200" spc="-1" strike="noStrike">
-              <a:solidFill>
-                <a:srgbClr val="000000"/>
-              </a:solidFill>
-              <a:latin typeface="Tw Cen MT"/>
+            <a:endParaRPr b="0" lang="pt-BR" sz="3200" spc="-1" strike="noStrike">
+              <a:latin typeface="Arial"/>
             </a:endParaRPr>
           </a:p>
         </p:txBody>
       </p:sp>
       <p:sp>
         <p:nvSpPr>
-          <p:cNvPr id="128" name="PlaceHolder 5"/>
+          <p:cNvPr id="118" name="PlaceHolder 5"/>
           <p:cNvSpPr>
             <a:spLocks noGrp="1"/>
           </p:cNvSpPr>
@@ -3582,8 +3298,8 @@
         </p:nvSpPr>
         <p:spPr>
           <a:xfrm>
-            <a:off x="0" y="2388240"/>
-            <a:ext cx="3924360" cy="2180520"/>
+            <a:off x="609480" y="3682080"/>
+            <a:ext cx="3533040" cy="1896840"/>
           </a:xfrm>
           <a:prstGeom prst="rect">
             <a:avLst/>
@@ -3594,18 +3310,15 @@
             <a:normAutofit/>
           </a:bodyPr>
           <a:p>
-            <a:endParaRPr b="0" lang="en-US" sz="2200" spc="-1" strike="noStrike">
-              <a:solidFill>
-                <a:srgbClr val="000000"/>
-              </a:solidFill>
-              <a:latin typeface="Tw Cen MT"/>
+            <a:endParaRPr b="0" lang="pt-BR" sz="3200" spc="-1" strike="noStrike">
+              <a:latin typeface="Arial"/>
             </a:endParaRPr>
           </a:p>
         </p:txBody>
       </p:sp>
       <p:sp>
         <p:nvSpPr>
-          <p:cNvPr id="129" name="PlaceHolder 6"/>
+          <p:cNvPr id="119" name="PlaceHolder 6"/>
           <p:cNvSpPr>
             <a:spLocks noGrp="1"/>
           </p:cNvSpPr>
@@ -3615,8 +3328,8 @@
         </p:nvSpPr>
         <p:spPr>
           <a:xfrm>
-            <a:off x="4120920" y="2388240"/>
-            <a:ext cx="3924360" cy="2180520"/>
+            <a:off x="4319640" y="3682080"/>
+            <a:ext cx="3533040" cy="1896840"/>
           </a:xfrm>
           <a:prstGeom prst="rect">
             <a:avLst/>
@@ -3627,18 +3340,15 @@
             <a:normAutofit/>
           </a:bodyPr>
           <a:p>
-            <a:endParaRPr b="0" lang="en-US" sz="2200" spc="-1" strike="noStrike">
-              <a:solidFill>
-                <a:srgbClr val="000000"/>
-              </a:solidFill>
-              <a:latin typeface="Tw Cen MT"/>
+            <a:endParaRPr b="0" lang="pt-BR" sz="3200" spc="-1" strike="noStrike">
+              <a:latin typeface="Arial"/>
             </a:endParaRPr>
           </a:p>
         </p:txBody>
       </p:sp>
       <p:sp>
         <p:nvSpPr>
-          <p:cNvPr id="130" name="PlaceHolder 7"/>
+          <p:cNvPr id="120" name="PlaceHolder 7"/>
           <p:cNvSpPr>
             <a:spLocks noGrp="1"/>
           </p:cNvSpPr>
@@ -3648,8 +3358,8 @@
         </p:nvSpPr>
         <p:spPr>
           <a:xfrm>
-            <a:off x="8241840" y="2388240"/>
-            <a:ext cx="3924360" cy="2180520"/>
+            <a:off x="8029800" y="3682080"/>
+            <a:ext cx="3533040" cy="1896840"/>
           </a:xfrm>
           <a:prstGeom prst="rect">
             <a:avLst/>
@@ -3660,11 +3370,8 @@
             <a:normAutofit/>
           </a:bodyPr>
           <a:p>
-            <a:endParaRPr b="0" lang="en-US" sz="2200" spc="-1" strike="noStrike">
-              <a:solidFill>
-                <a:srgbClr val="000000"/>
-              </a:solidFill>
-              <a:latin typeface="Tw Cen MT"/>
+            <a:endParaRPr b="0" lang="pt-BR" sz="3200" spc="-1" strike="noStrike">
+              <a:latin typeface="Arial"/>
             </a:endParaRPr>
           </a:p>
         </p:txBody>
@@ -3693,7 +3400,7 @@
       </p:grpSpPr>
       <p:sp>
         <p:nvSpPr>
-          <p:cNvPr id="13" name="PlaceHolder 1"/>
+          <p:cNvPr id="10" name="PlaceHolder 1"/>
           <p:cNvSpPr>
             <a:spLocks noGrp="1"/>
           </p:cNvSpPr>
@@ -3703,30 +3410,26 @@
         </p:nvSpPr>
         <p:spPr>
           <a:xfrm>
-            <a:off x="457200" y="4960080"/>
-            <a:ext cx="7772040" cy="1462680"/>
+            <a:off x="609480" y="273600"/>
+            <a:ext cx="10972440" cy="1144800"/>
           </a:xfrm>
           <a:prstGeom prst="rect">
             <a:avLst/>
           </a:prstGeom>
         </p:spPr>
         <p:txBody>
-          <a:bodyPr lIns="0" rIns="0" tIns="0" bIns="0" anchor="ctr">
-            <a:noAutofit/>
-          </a:bodyPr>
-          <a:p>
-            <a:endParaRPr b="0" lang="en-US" sz="1800" spc="-1" strike="noStrike">
-              <a:solidFill>
-                <a:srgbClr val="000000"/>
-              </a:solidFill>
-              <a:latin typeface="Tw Cen MT"/>
+          <a:bodyPr lIns="0" rIns="0" tIns="0" bIns="0" anchor="ctr"/>
+          <a:p>
+            <a:pPr algn="ctr"/>
+            <a:endParaRPr b="0" lang="pt-BR" sz="4400" spc="-1" strike="noStrike">
+              <a:latin typeface="Arial"/>
             </a:endParaRPr>
           </a:p>
         </p:txBody>
       </p:sp>
       <p:sp>
         <p:nvSpPr>
-          <p:cNvPr id="14" name="PlaceHolder 2"/>
+          <p:cNvPr id="11" name="PlaceHolder 2"/>
           <p:cNvSpPr>
             <a:spLocks noGrp="1"/>
           </p:cNvSpPr>
@@ -3736,8 +3439,8 @@
         </p:nvSpPr>
         <p:spPr>
           <a:xfrm>
-            <a:off x="0" y="0"/>
-            <a:ext cx="5947920" cy="4571640"/>
+            <a:off x="609480" y="1604520"/>
+            <a:ext cx="5354280" cy="3977280"/>
           </a:xfrm>
           <a:prstGeom prst="rect">
             <a:avLst/>
@@ -3748,18 +3451,15 @@
             <a:normAutofit/>
           </a:bodyPr>
           <a:p>
-            <a:endParaRPr b="0" lang="en-US" sz="2200" spc="-1" strike="noStrike">
-              <a:solidFill>
-                <a:srgbClr val="000000"/>
-              </a:solidFill>
-              <a:latin typeface="Tw Cen MT"/>
+            <a:endParaRPr b="0" lang="pt-BR" sz="3200" spc="-1" strike="noStrike">
+              <a:latin typeface="Arial"/>
             </a:endParaRPr>
           </a:p>
         </p:txBody>
       </p:sp>
       <p:sp>
         <p:nvSpPr>
-          <p:cNvPr id="15" name="PlaceHolder 3"/>
+          <p:cNvPr id="12" name="PlaceHolder 3"/>
           <p:cNvSpPr>
             <a:spLocks noGrp="1"/>
           </p:cNvSpPr>
@@ -3769,8 +3469,8 @@
         </p:nvSpPr>
         <p:spPr>
           <a:xfrm>
-            <a:off x="6245640" y="0"/>
-            <a:ext cx="5947920" cy="4571640"/>
+            <a:off x="6231960" y="1604520"/>
+            <a:ext cx="5354280" cy="3977280"/>
           </a:xfrm>
           <a:prstGeom prst="rect">
             <a:avLst/>
@@ -3781,11 +3481,8 @@
             <a:normAutofit/>
           </a:bodyPr>
           <a:p>
-            <a:endParaRPr b="0" lang="en-US" sz="2200" spc="-1" strike="noStrike">
-              <a:solidFill>
-                <a:srgbClr val="000000"/>
-              </a:solidFill>
-              <a:latin typeface="Tw Cen MT"/>
+            <a:endParaRPr b="0" lang="pt-BR" sz="3200" spc="-1" strike="noStrike">
+              <a:latin typeface="Arial"/>
             </a:endParaRPr>
           </a:p>
         </p:txBody>
@@ -3814,7 +3511,7 @@
       </p:grpSpPr>
       <p:sp>
         <p:nvSpPr>
-          <p:cNvPr id="16" name="PlaceHolder 1"/>
+          <p:cNvPr id="13" name="PlaceHolder 1"/>
           <p:cNvSpPr>
             <a:spLocks noGrp="1"/>
           </p:cNvSpPr>
@@ -3824,23 +3521,19 @@
         </p:nvSpPr>
         <p:spPr>
           <a:xfrm>
-            <a:off x="457200" y="4960080"/>
-            <a:ext cx="7772040" cy="1462680"/>
+            <a:off x="609480" y="273600"/>
+            <a:ext cx="10972440" cy="1144800"/>
           </a:xfrm>
           <a:prstGeom prst="rect">
             <a:avLst/>
           </a:prstGeom>
         </p:spPr>
         <p:txBody>
-          <a:bodyPr lIns="0" rIns="0" tIns="0" bIns="0" anchor="ctr">
-            <a:noAutofit/>
-          </a:bodyPr>
-          <a:p>
-            <a:endParaRPr b="0" lang="en-US" sz="1800" spc="-1" strike="noStrike">
-              <a:solidFill>
-                <a:srgbClr val="000000"/>
-              </a:solidFill>
-              <a:latin typeface="Tw Cen MT"/>
+          <a:bodyPr lIns="0" rIns="0" tIns="0" bIns="0" anchor="ctr"/>
+          <a:p>
+            <a:pPr algn="ctr"/>
+            <a:endParaRPr b="0" lang="pt-BR" sz="4400" spc="-1" strike="noStrike">
+              <a:latin typeface="Arial"/>
             </a:endParaRPr>
           </a:p>
         </p:txBody>
@@ -3869,7 +3562,7 @@
       </p:grpSpPr>
       <p:sp>
         <p:nvSpPr>
-          <p:cNvPr id="17" name="PlaceHolder 1"/>
+          <p:cNvPr id="14" name="PlaceHolder 1"/>
           <p:cNvSpPr>
             <a:spLocks noGrp="1"/>
           </p:cNvSpPr>
@@ -3879,20 +3572,18 @@
         </p:nvSpPr>
         <p:spPr>
           <a:xfrm>
-            <a:off x="457200" y="4960080"/>
-            <a:ext cx="7772040" cy="6781320"/>
+            <a:off x="609480" y="273600"/>
+            <a:ext cx="10972440" cy="5307840"/>
           </a:xfrm>
           <a:prstGeom prst="rect">
             <a:avLst/>
           </a:prstGeom>
         </p:spPr>
         <p:txBody>
-          <a:bodyPr lIns="0" rIns="0" tIns="0" bIns="0" anchor="ctr">
-            <a:noAutofit/>
-          </a:bodyPr>
+          <a:bodyPr lIns="0" rIns="0" tIns="0" bIns="0" anchor="ctr"/>
           <a:p>
             <a:pPr algn="ctr"/>
-            <a:endParaRPr b="0" lang="en-US" sz="3200" spc="-1" strike="noStrike">
+            <a:endParaRPr b="0" lang="pt-BR" sz="3200" spc="-1" strike="noStrike">
               <a:latin typeface="Arial"/>
             </a:endParaRPr>
           </a:p>
@@ -3922,7 +3613,7 @@
       </p:grpSpPr>
       <p:sp>
         <p:nvSpPr>
-          <p:cNvPr id="18" name="PlaceHolder 1"/>
+          <p:cNvPr id="15" name="PlaceHolder 1"/>
           <p:cNvSpPr>
             <a:spLocks noGrp="1"/>
           </p:cNvSpPr>
@@ -3932,30 +3623,26 @@
         </p:nvSpPr>
         <p:spPr>
           <a:xfrm>
-            <a:off x="457200" y="4960080"/>
-            <a:ext cx="7772040" cy="1462680"/>
+            <a:off x="609480" y="273600"/>
+            <a:ext cx="10972440" cy="1144800"/>
           </a:xfrm>
           <a:prstGeom prst="rect">
             <a:avLst/>
           </a:prstGeom>
         </p:spPr>
         <p:txBody>
-          <a:bodyPr lIns="0" rIns="0" tIns="0" bIns="0" anchor="ctr">
-            <a:noAutofit/>
-          </a:bodyPr>
-          <a:p>
-            <a:endParaRPr b="0" lang="en-US" sz="1800" spc="-1" strike="noStrike">
-              <a:solidFill>
-                <a:srgbClr val="000000"/>
-              </a:solidFill>
-              <a:latin typeface="Tw Cen MT"/>
+          <a:bodyPr lIns="0" rIns="0" tIns="0" bIns="0" anchor="ctr"/>
+          <a:p>
+            <a:pPr algn="ctr"/>
+            <a:endParaRPr b="0" lang="pt-BR" sz="4400" spc="-1" strike="noStrike">
+              <a:latin typeface="Arial"/>
             </a:endParaRPr>
           </a:p>
         </p:txBody>
       </p:sp>
       <p:sp>
         <p:nvSpPr>
-          <p:cNvPr id="19" name="PlaceHolder 2"/>
+          <p:cNvPr id="16" name="PlaceHolder 2"/>
           <p:cNvSpPr>
             <a:spLocks noGrp="1"/>
           </p:cNvSpPr>
@@ -3965,8 +3652,8 @@
         </p:nvSpPr>
         <p:spPr>
           <a:xfrm>
-            <a:off x="0" y="0"/>
-            <a:ext cx="5947920" cy="2180520"/>
+            <a:off x="609480" y="1604520"/>
+            <a:ext cx="5354280" cy="1896840"/>
           </a:xfrm>
           <a:prstGeom prst="rect">
             <a:avLst/>
@@ -3977,18 +3664,15 @@
             <a:normAutofit/>
           </a:bodyPr>
           <a:p>
-            <a:endParaRPr b="0" lang="en-US" sz="2200" spc="-1" strike="noStrike">
-              <a:solidFill>
-                <a:srgbClr val="000000"/>
-              </a:solidFill>
-              <a:latin typeface="Tw Cen MT"/>
+            <a:endParaRPr b="0" lang="pt-BR" sz="3200" spc="-1" strike="noStrike">
+              <a:latin typeface="Arial"/>
             </a:endParaRPr>
           </a:p>
         </p:txBody>
       </p:sp>
       <p:sp>
         <p:nvSpPr>
-          <p:cNvPr id="20" name="PlaceHolder 3"/>
+          <p:cNvPr id="17" name="PlaceHolder 3"/>
           <p:cNvSpPr>
             <a:spLocks noGrp="1"/>
           </p:cNvSpPr>
@@ -3998,8 +3682,8 @@
         </p:nvSpPr>
         <p:spPr>
           <a:xfrm>
-            <a:off x="6245640" y="0"/>
-            <a:ext cx="5947920" cy="4571640"/>
+            <a:off x="6231960" y="1604520"/>
+            <a:ext cx="5354280" cy="3977280"/>
           </a:xfrm>
           <a:prstGeom prst="rect">
             <a:avLst/>
@@ -4010,18 +3694,15 @@
             <a:normAutofit/>
           </a:bodyPr>
           <a:p>
-            <a:endParaRPr b="0" lang="en-US" sz="2200" spc="-1" strike="noStrike">
-              <a:solidFill>
-                <a:srgbClr val="000000"/>
-              </a:solidFill>
-              <a:latin typeface="Tw Cen MT"/>
+            <a:endParaRPr b="0" lang="pt-BR" sz="3200" spc="-1" strike="noStrike">
+              <a:latin typeface="Arial"/>
             </a:endParaRPr>
           </a:p>
         </p:txBody>
       </p:sp>
       <p:sp>
         <p:nvSpPr>
-          <p:cNvPr id="21" name="PlaceHolder 4"/>
+          <p:cNvPr id="18" name="PlaceHolder 4"/>
           <p:cNvSpPr>
             <a:spLocks noGrp="1"/>
           </p:cNvSpPr>
@@ -4031,8 +3712,8 @@
         </p:nvSpPr>
         <p:spPr>
           <a:xfrm>
-            <a:off x="0" y="2388240"/>
-            <a:ext cx="5947920" cy="2180520"/>
+            <a:off x="609480" y="3682080"/>
+            <a:ext cx="5354280" cy="1896840"/>
           </a:xfrm>
           <a:prstGeom prst="rect">
             <a:avLst/>
@@ -4043,11 +3724,8 @@
             <a:normAutofit/>
           </a:bodyPr>
           <a:p>
-            <a:endParaRPr b="0" lang="en-US" sz="2200" spc="-1" strike="noStrike">
-              <a:solidFill>
-                <a:srgbClr val="000000"/>
-              </a:solidFill>
-              <a:latin typeface="Tw Cen MT"/>
+            <a:endParaRPr b="0" lang="pt-BR" sz="3200" spc="-1" strike="noStrike">
+              <a:latin typeface="Arial"/>
             </a:endParaRPr>
           </a:p>
         </p:txBody>
@@ -4076,7 +3754,7 @@
       </p:grpSpPr>
       <p:sp>
         <p:nvSpPr>
-          <p:cNvPr id="22" name="PlaceHolder 1"/>
+          <p:cNvPr id="19" name="PlaceHolder 1"/>
           <p:cNvSpPr>
             <a:spLocks noGrp="1"/>
           </p:cNvSpPr>
@@ -4086,30 +3764,26 @@
         </p:nvSpPr>
         <p:spPr>
           <a:xfrm>
-            <a:off x="457200" y="4960080"/>
-            <a:ext cx="7772040" cy="1462680"/>
+            <a:off x="609480" y="273600"/>
+            <a:ext cx="10972440" cy="1144800"/>
           </a:xfrm>
           <a:prstGeom prst="rect">
             <a:avLst/>
           </a:prstGeom>
         </p:spPr>
         <p:txBody>
-          <a:bodyPr lIns="0" rIns="0" tIns="0" bIns="0" anchor="ctr">
-            <a:noAutofit/>
-          </a:bodyPr>
-          <a:p>
-            <a:endParaRPr b="0" lang="en-US" sz="1800" spc="-1" strike="noStrike">
-              <a:solidFill>
-                <a:srgbClr val="000000"/>
-              </a:solidFill>
-              <a:latin typeface="Tw Cen MT"/>
+          <a:bodyPr lIns="0" rIns="0" tIns="0" bIns="0" anchor="ctr"/>
+          <a:p>
+            <a:pPr algn="ctr"/>
+            <a:endParaRPr b="0" lang="pt-BR" sz="4400" spc="-1" strike="noStrike">
+              <a:latin typeface="Arial"/>
             </a:endParaRPr>
           </a:p>
         </p:txBody>
       </p:sp>
       <p:sp>
         <p:nvSpPr>
-          <p:cNvPr id="23" name="PlaceHolder 2"/>
+          <p:cNvPr id="20" name="PlaceHolder 2"/>
           <p:cNvSpPr>
             <a:spLocks noGrp="1"/>
           </p:cNvSpPr>
@@ -4119,8 +3793,8 @@
         </p:nvSpPr>
         <p:spPr>
           <a:xfrm>
-            <a:off x="0" y="0"/>
-            <a:ext cx="5947920" cy="4571640"/>
+            <a:off x="609480" y="1604520"/>
+            <a:ext cx="5354280" cy="3977280"/>
           </a:xfrm>
           <a:prstGeom prst="rect">
             <a:avLst/>
@@ -4131,18 +3805,15 @@
             <a:normAutofit/>
           </a:bodyPr>
           <a:p>
-            <a:endParaRPr b="0" lang="en-US" sz="2200" spc="-1" strike="noStrike">
-              <a:solidFill>
-                <a:srgbClr val="000000"/>
-              </a:solidFill>
-              <a:latin typeface="Tw Cen MT"/>
+            <a:endParaRPr b="0" lang="pt-BR" sz="3200" spc="-1" strike="noStrike">
+              <a:latin typeface="Arial"/>
             </a:endParaRPr>
           </a:p>
         </p:txBody>
       </p:sp>
       <p:sp>
         <p:nvSpPr>
-          <p:cNvPr id="24" name="PlaceHolder 3"/>
+          <p:cNvPr id="21" name="PlaceHolder 3"/>
           <p:cNvSpPr>
             <a:spLocks noGrp="1"/>
           </p:cNvSpPr>
@@ -4152,8 +3823,8 @@
         </p:nvSpPr>
         <p:spPr>
           <a:xfrm>
-            <a:off x="6245640" y="0"/>
-            <a:ext cx="5947920" cy="2180520"/>
+            <a:off x="6231960" y="1604520"/>
+            <a:ext cx="5354280" cy="1896840"/>
           </a:xfrm>
           <a:prstGeom prst="rect">
             <a:avLst/>
@@ -4164,18 +3835,15 @@
             <a:normAutofit/>
           </a:bodyPr>
           <a:p>
-            <a:endParaRPr b="0" lang="en-US" sz="2200" spc="-1" strike="noStrike">
-              <a:solidFill>
-                <a:srgbClr val="000000"/>
-              </a:solidFill>
-              <a:latin typeface="Tw Cen MT"/>
+            <a:endParaRPr b="0" lang="pt-BR" sz="3200" spc="-1" strike="noStrike">
+              <a:latin typeface="Arial"/>
             </a:endParaRPr>
           </a:p>
         </p:txBody>
       </p:sp>
       <p:sp>
         <p:nvSpPr>
-          <p:cNvPr id="25" name="PlaceHolder 4"/>
+          <p:cNvPr id="22" name="PlaceHolder 4"/>
           <p:cNvSpPr>
             <a:spLocks noGrp="1"/>
           </p:cNvSpPr>
@@ -4185,8 +3853,8 @@
         </p:nvSpPr>
         <p:spPr>
           <a:xfrm>
-            <a:off x="6245640" y="2388240"/>
-            <a:ext cx="5947920" cy="2180520"/>
+            <a:off x="6231960" y="3682080"/>
+            <a:ext cx="5354280" cy="1896840"/>
           </a:xfrm>
           <a:prstGeom prst="rect">
             <a:avLst/>
@@ -4197,11 +3865,8 @@
             <a:normAutofit/>
           </a:bodyPr>
           <a:p>
-            <a:endParaRPr b="0" lang="en-US" sz="2200" spc="-1" strike="noStrike">
-              <a:solidFill>
-                <a:srgbClr val="000000"/>
-              </a:solidFill>
-              <a:latin typeface="Tw Cen MT"/>
+            <a:endParaRPr b="0" lang="pt-BR" sz="3200" spc="-1" strike="noStrike">
+              <a:latin typeface="Arial"/>
             </a:endParaRPr>
           </a:p>
         </p:txBody>
@@ -4230,7 +3895,7 @@
       </p:grpSpPr>
       <p:sp>
         <p:nvSpPr>
-          <p:cNvPr id="26" name="PlaceHolder 1"/>
+          <p:cNvPr id="23" name="PlaceHolder 1"/>
           <p:cNvSpPr>
             <a:spLocks noGrp="1"/>
           </p:cNvSpPr>
@@ -4240,30 +3905,26 @@
         </p:nvSpPr>
         <p:spPr>
           <a:xfrm>
-            <a:off x="457200" y="4960080"/>
-            <a:ext cx="7772040" cy="1462680"/>
+            <a:off x="609480" y="273600"/>
+            <a:ext cx="10972440" cy="1144800"/>
           </a:xfrm>
           <a:prstGeom prst="rect">
             <a:avLst/>
           </a:prstGeom>
         </p:spPr>
         <p:txBody>
-          <a:bodyPr lIns="0" rIns="0" tIns="0" bIns="0" anchor="ctr">
-            <a:noAutofit/>
-          </a:bodyPr>
-          <a:p>
-            <a:endParaRPr b="0" lang="en-US" sz="1800" spc="-1" strike="noStrike">
-              <a:solidFill>
-                <a:srgbClr val="000000"/>
-              </a:solidFill>
-              <a:latin typeface="Tw Cen MT"/>
+          <a:bodyPr lIns="0" rIns="0" tIns="0" bIns="0" anchor="ctr"/>
+          <a:p>
+            <a:pPr algn="ctr"/>
+            <a:endParaRPr b="0" lang="pt-BR" sz="4400" spc="-1" strike="noStrike">
+              <a:latin typeface="Arial"/>
             </a:endParaRPr>
           </a:p>
         </p:txBody>
       </p:sp>
       <p:sp>
         <p:nvSpPr>
-          <p:cNvPr id="27" name="PlaceHolder 2"/>
+          <p:cNvPr id="24" name="PlaceHolder 2"/>
           <p:cNvSpPr>
             <a:spLocks noGrp="1"/>
           </p:cNvSpPr>
@@ -4273,8 +3934,8 @@
         </p:nvSpPr>
         <p:spPr>
           <a:xfrm>
-            <a:off x="0" y="0"/>
-            <a:ext cx="5947920" cy="2180520"/>
+            <a:off x="609480" y="1604520"/>
+            <a:ext cx="5354280" cy="1896840"/>
           </a:xfrm>
           <a:prstGeom prst="rect">
             <a:avLst/>
@@ -4285,18 +3946,15 @@
             <a:normAutofit/>
           </a:bodyPr>
           <a:p>
-            <a:endParaRPr b="0" lang="en-US" sz="2200" spc="-1" strike="noStrike">
-              <a:solidFill>
-                <a:srgbClr val="000000"/>
-              </a:solidFill>
-              <a:latin typeface="Tw Cen MT"/>
+            <a:endParaRPr b="0" lang="pt-BR" sz="3200" spc="-1" strike="noStrike">
+              <a:latin typeface="Arial"/>
             </a:endParaRPr>
           </a:p>
         </p:txBody>
       </p:sp>
       <p:sp>
         <p:nvSpPr>
-          <p:cNvPr id="28" name="PlaceHolder 3"/>
+          <p:cNvPr id="25" name="PlaceHolder 3"/>
           <p:cNvSpPr>
             <a:spLocks noGrp="1"/>
           </p:cNvSpPr>
@@ -4306,8 +3964,8 @@
         </p:nvSpPr>
         <p:spPr>
           <a:xfrm>
-            <a:off x="6245640" y="0"/>
-            <a:ext cx="5947920" cy="2180520"/>
+            <a:off x="6231960" y="1604520"/>
+            <a:ext cx="5354280" cy="1896840"/>
           </a:xfrm>
           <a:prstGeom prst="rect">
             <a:avLst/>
@@ -4318,18 +3976,15 @@
             <a:normAutofit/>
           </a:bodyPr>
           <a:p>
-            <a:endParaRPr b="0" lang="en-US" sz="2200" spc="-1" strike="noStrike">
-              <a:solidFill>
-                <a:srgbClr val="000000"/>
-              </a:solidFill>
-              <a:latin typeface="Tw Cen MT"/>
+            <a:endParaRPr b="0" lang="pt-BR" sz="3200" spc="-1" strike="noStrike">
+              <a:latin typeface="Arial"/>
             </a:endParaRPr>
           </a:p>
         </p:txBody>
       </p:sp>
       <p:sp>
         <p:nvSpPr>
-          <p:cNvPr id="29" name="PlaceHolder 4"/>
+          <p:cNvPr id="26" name="PlaceHolder 4"/>
           <p:cNvSpPr>
             <a:spLocks noGrp="1"/>
           </p:cNvSpPr>
@@ -4339,8 +3994,8 @@
         </p:nvSpPr>
         <p:spPr>
           <a:xfrm>
-            <a:off x="0" y="2388240"/>
-            <a:ext cx="12188520" cy="2180520"/>
+            <a:off x="609480" y="3682080"/>
+            <a:ext cx="10972440" cy="1896840"/>
           </a:xfrm>
           <a:prstGeom prst="rect">
             <a:avLst/>
@@ -4351,11 +4006,8 @@
             <a:normAutofit/>
           </a:bodyPr>
           <a:p>
-            <a:endParaRPr b="0" lang="en-US" sz="2200" spc="-1" strike="noStrike">
-              <a:solidFill>
-                <a:srgbClr val="000000"/>
-              </a:solidFill>
-              <a:latin typeface="Tw Cen MT"/>
+            <a:endParaRPr b="0" lang="pt-BR" sz="3200" spc="-1" strike="noStrike">
+              <a:latin typeface="Arial"/>
             </a:endParaRPr>
           </a:p>
         </p:txBody>
@@ -4398,12 +4050,12 @@
         <p:spPr>
           <a:xfrm flipV="1">
             <a:off x="761760" y="826200"/>
-            <a:ext cx="0" cy="914400"/>
+            <a:ext cx="360" cy="914400"/>
           </a:xfrm>
           <a:prstGeom prst="line">
             <a:avLst/>
           </a:prstGeom>
-          <a:ln w="19050">
+          <a:ln w="19080">
             <a:solidFill>
               <a:schemeClr val="accent1"/>
             </a:solidFill>
@@ -4432,7 +4084,7 @@
         <p:spPr>
           <a:xfrm>
             <a:off x="0" y="0"/>
-            <a:ext cx="12191760" cy="4571640"/>
+            <a:ext cx="12191400" cy="4571280"/>
           </a:xfrm>
           <a:prstGeom prst="rect">
             <a:avLst/>
@@ -4470,7 +4122,7 @@
         <p:spPr>
           <a:xfrm>
             <a:off x="0" y="0"/>
-            <a:ext cx="12191760" cy="4571640"/>
+            <a:ext cx="12191400" cy="4571280"/>
           </a:xfrm>
           <a:custGeom>
             <a:avLst/>
@@ -13061,184 +12713,19 @@
       </p:sp>
       <p:sp>
         <p:nvSpPr>
-          <p:cNvPr id="3" name="PlaceHolder 4"/>
-          <p:cNvSpPr>
-            <a:spLocks noGrp="1"/>
-          </p:cNvSpPr>
-          <p:nvPr>
-            <p:ph type="title"/>
-          </p:nvPr>
-        </p:nvSpPr>
-        <p:spPr>
-          <a:xfrm>
-            <a:off x="457200" y="4960080"/>
-            <a:ext cx="7772040" cy="1462680"/>
-          </a:xfrm>
-          <a:prstGeom prst="rect">
-            <a:avLst/>
-          </a:prstGeom>
-        </p:spPr>
-        <p:txBody>
-          <a:bodyPr anchor="ctr">
-            <a:normAutofit/>
-          </a:bodyPr>
-          <a:p>
-            <a:pPr algn="r">
-              <a:lnSpc>
-                <a:spcPct val="80000"/>
-              </a:lnSpc>
-            </a:pPr>
-            <a:r>
-              <a:rPr b="0" lang="pt-BR" sz="5000" spc="199" strike="noStrike" cap="all">
-                <a:solidFill>
-                  <a:srgbClr val="0d0d0d"/>
-                </a:solidFill>
-                <a:latin typeface="Tw Cen MT Condensed"/>
-              </a:rPr>
-              <a:t>Clique para editar o título Mestre</a:t>
-            </a:r>
-            <a:endParaRPr b="0" lang="en-US" sz="5000" spc="-1" strike="noStrike">
-              <a:solidFill>
-                <a:srgbClr val="000000"/>
-              </a:solidFill>
-              <a:latin typeface="Tw Cen MT"/>
-            </a:endParaRPr>
-          </a:p>
-        </p:txBody>
-      </p:sp>
-      <p:sp>
-        <p:nvSpPr>
-          <p:cNvPr id="4" name="PlaceHolder 5"/>
-          <p:cNvSpPr>
-            <a:spLocks noGrp="1"/>
-          </p:cNvSpPr>
-          <p:nvPr>
-            <p:ph type="dt"/>
-          </p:nvPr>
-        </p:nvSpPr>
-        <p:spPr>
-          <a:xfrm>
-            <a:off x="1024200" y="6470640"/>
-            <a:ext cx="2153880" cy="273960"/>
-          </a:xfrm>
-          <a:prstGeom prst="rect">
-            <a:avLst/>
-          </a:prstGeom>
-        </p:spPr>
-        <p:txBody>
-          <a:bodyPr anchor="ctr">
-            <a:noAutofit/>
-          </a:bodyPr>
-          <a:p>
-            <a:pPr>
-              <a:lnSpc>
-                <a:spcPct val="100000"/>
-              </a:lnSpc>
-            </a:pPr>
-            <a:fld id="{1EADF4B1-C44C-41FA-B467-19D03210B103}" type="datetime">
-              <a:rPr b="0" lang="pt-BR" sz="1000" spc="-1" strike="noStrike">
-                <a:solidFill>
-                  <a:srgbClr val="0d0d0d"/>
-                </a:solidFill>
-                <a:latin typeface="Tw Cen MT Condensed"/>
-              </a:rPr>
-              <a:t>20/09/22</a:t>
-            </a:fld>
-            <a:endParaRPr b="0" lang="en-US" sz="1000" spc="-1" strike="noStrike">
-              <a:latin typeface="Times New Roman"/>
-            </a:endParaRPr>
-          </a:p>
-        </p:txBody>
-      </p:sp>
-      <p:sp>
-        <p:nvSpPr>
-          <p:cNvPr id="5" name="PlaceHolder 6"/>
-          <p:cNvSpPr>
-            <a:spLocks noGrp="1"/>
-          </p:cNvSpPr>
-          <p:nvPr>
-            <p:ph type="ftr"/>
-          </p:nvPr>
-        </p:nvSpPr>
-        <p:spPr>
-          <a:xfrm>
-            <a:off x="4843080" y="6470640"/>
-            <a:ext cx="5901120" cy="273960"/>
-          </a:xfrm>
-          <a:prstGeom prst="rect">
-            <a:avLst/>
-          </a:prstGeom>
-        </p:spPr>
-        <p:txBody>
-          <a:bodyPr anchor="ctr">
-            <a:noAutofit/>
-          </a:bodyPr>
-          <a:p>
-            <a:endParaRPr b="0" lang="en-US" sz="2400" spc="-1" strike="noStrike">
-              <a:latin typeface="Times New Roman"/>
-            </a:endParaRPr>
-          </a:p>
-        </p:txBody>
-      </p:sp>
-      <p:sp>
-        <p:nvSpPr>
-          <p:cNvPr id="6" name="PlaceHolder 7"/>
-          <p:cNvSpPr>
-            <a:spLocks noGrp="1"/>
-          </p:cNvSpPr>
-          <p:nvPr>
-            <p:ph type="sldNum"/>
-          </p:nvPr>
-        </p:nvSpPr>
-        <p:spPr>
-          <a:xfrm>
-            <a:off x="10837440" y="6470640"/>
-            <a:ext cx="973440" cy="273960"/>
-          </a:xfrm>
-          <a:prstGeom prst="rect">
-            <a:avLst/>
-          </a:prstGeom>
-        </p:spPr>
-        <p:txBody>
-          <a:bodyPr anchor="ctr">
-            <a:noAutofit/>
-          </a:bodyPr>
-          <a:p>
-            <a:pPr>
-              <a:lnSpc>
-                <a:spcPct val="100000"/>
-              </a:lnSpc>
-            </a:pPr>
-            <a:fld id="{2125A664-6EA5-4707-8816-41405DA86803}" type="slidenum">
-              <a:rPr b="0" lang="pt-BR" sz="1000" spc="-1" strike="noStrike">
-                <a:solidFill>
-                  <a:srgbClr val="0d0d0d"/>
-                </a:solidFill>
-                <a:latin typeface="Tw Cen MT Condensed"/>
-              </a:rPr>
-              <a:t>&lt;number&gt;</a:t>
-            </a:fld>
-            <a:endParaRPr b="0" lang="en-US" sz="1000" spc="-1" strike="noStrike">
-              <a:latin typeface="Times New Roman"/>
-            </a:endParaRPr>
-          </a:p>
-        </p:txBody>
-      </p:sp>
-      <p:sp>
-        <p:nvSpPr>
-          <p:cNvPr id="7" name="Line 8"/>
+          <p:cNvPr id="3" name="Line 4"/>
           <p:cNvSpPr/>
           <p:nvPr/>
         </p:nvSpPr>
         <p:spPr>
           <a:xfrm flipV="1">
             <a:off x="8386560" y="5263920"/>
-            <a:ext cx="0" cy="914400"/>
+            <a:ext cx="360" cy="914400"/>
           </a:xfrm>
           <a:prstGeom prst="line">
             <a:avLst/>
           </a:prstGeom>
-          <a:ln w="19050">
+          <a:ln w="19080">
             <a:solidFill>
               <a:schemeClr val="accent1">
                 <a:lumMod val="75000"/>
@@ -13262,7 +12749,41 @@
       </p:sp>
       <p:sp>
         <p:nvSpPr>
-          <p:cNvPr id="8" name="PlaceHolder 9"/>
+          <p:cNvPr id="4" name="PlaceHolder 5"/>
+          <p:cNvSpPr>
+            <a:spLocks noGrp="1"/>
+          </p:cNvSpPr>
+          <p:nvPr>
+            <p:ph type="title"/>
+          </p:nvPr>
+        </p:nvSpPr>
+        <p:spPr>
+          <a:xfrm>
+            <a:off x="457200" y="4960080"/>
+            <a:ext cx="7771680" cy="1462320"/>
+          </a:xfrm>
+          <a:prstGeom prst="rect">
+            <a:avLst/>
+          </a:prstGeom>
+        </p:spPr>
+        <p:txBody>
+          <a:bodyPr lIns="0" rIns="0" tIns="0" bIns="0" anchor="ctr"/>
+          <a:p>
+            <a:r>
+              <a:rPr b="0" lang="pt-BR" sz="1800" spc="-1" strike="noStrike">
+                <a:latin typeface="Arial"/>
+              </a:rPr>
+              <a:t>Click to edit the title text format</a:t>
+            </a:r>
+            <a:endParaRPr b="0" lang="pt-BR" sz="1800" spc="-1" strike="noStrike">
+              <a:latin typeface="Arial"/>
+            </a:endParaRPr>
+          </a:p>
+        </p:txBody>
+      </p:sp>
+      <p:sp>
+        <p:nvSpPr>
+          <p:cNvPr id="5" name="PlaceHolder 6"/>
           <p:cNvSpPr>
             <a:spLocks noGrp="1"/>
           </p:cNvSpPr>
@@ -13296,28 +12817,13 @@
               <a:buChar char=""/>
             </a:pPr>
             <a:r>
-              <a:rPr b="0" lang="en-US" sz="2200" spc="-1" strike="noStrike">
-                <a:solidFill>
-                  <a:srgbClr val="000000"/>
-                </a:solidFill>
-                <a:latin typeface="Tw Cen MT"/>
+              <a:rPr b="0" lang="pt-BR" sz="3200" spc="-1" strike="noStrike">
+                <a:latin typeface="Arial"/>
               </a:rPr>
-              <a:t>Click to edit the </a:t>
+              <a:t>Click to edit the outline text format</a:t>
             </a:r>
-            <a:r>
-              <a:rPr b="0" lang="en-US" sz="2200" spc="-1" strike="noStrike">
-                <a:solidFill>
-                  <a:srgbClr val="000000"/>
-                </a:solidFill>
-                <a:latin typeface="Tw Cen MT"/>
-              </a:rPr>
-              <a:t>outline text format</a:t>
-            </a:r>
-            <a:endParaRPr b="0" lang="en-US" sz="2200" spc="-1" strike="noStrike">
-              <a:solidFill>
-                <a:srgbClr val="000000"/>
-              </a:solidFill>
-              <a:latin typeface="Tw Cen MT"/>
+            <a:endParaRPr b="0" lang="pt-BR" sz="3200" spc="-1" strike="noStrike">
+              <a:latin typeface="Arial"/>
             </a:endParaRPr>
           </a:p>
           <a:p>
@@ -13333,19 +12839,13 @@
               <a:buChar char=""/>
             </a:pPr>
             <a:r>
-              <a:rPr b="0" lang="en-US" sz="1400" spc="-1" strike="noStrike">
-                <a:solidFill>
-                  <a:srgbClr val="000000"/>
-                </a:solidFill>
-                <a:latin typeface="Tw Cen MT"/>
+              <a:rPr b="0" lang="pt-BR" sz="2800" spc="-1" strike="noStrike">
+                <a:latin typeface="Arial"/>
               </a:rPr>
               <a:t>Second Outline Level</a:t>
             </a:r>
-            <a:endParaRPr b="0" lang="en-US" sz="1400" spc="-1" strike="noStrike">
-              <a:solidFill>
-                <a:srgbClr val="000000"/>
-              </a:solidFill>
-              <a:latin typeface="Tw Cen MT"/>
+            <a:endParaRPr b="0" lang="pt-BR" sz="2800" spc="-1" strike="noStrike">
+              <a:latin typeface="Arial"/>
             </a:endParaRPr>
           </a:p>
           <a:p>
@@ -13361,19 +12861,13 @@
               <a:buChar char=""/>
             </a:pPr>
             <a:r>
-              <a:rPr b="0" lang="en-US" sz="1400" spc="-1" strike="noStrike">
-                <a:solidFill>
-                  <a:srgbClr val="000000"/>
-                </a:solidFill>
-                <a:latin typeface="Tw Cen MT"/>
+              <a:rPr b="0" lang="pt-BR" sz="2400" spc="-1" strike="noStrike">
+                <a:latin typeface="Arial"/>
               </a:rPr>
               <a:t>Third Outline Level</a:t>
             </a:r>
-            <a:endParaRPr b="0" lang="en-US" sz="1400" spc="-1" strike="noStrike">
-              <a:solidFill>
-                <a:srgbClr val="000000"/>
-              </a:solidFill>
-              <a:latin typeface="Tw Cen MT"/>
+            <a:endParaRPr b="0" lang="pt-BR" sz="2400" spc="-1" strike="noStrike">
+              <a:latin typeface="Arial"/>
             </a:endParaRPr>
           </a:p>
           <a:p>
@@ -13389,28 +12883,13 @@
               <a:buChar char=""/>
             </a:pPr>
             <a:r>
-              <a:rPr b="0" lang="en-US" sz="1400" spc="-1" strike="noStrike">
-                <a:solidFill>
-                  <a:srgbClr val="000000"/>
-                </a:solidFill>
-                <a:latin typeface="Tw Cen MT"/>
+              <a:rPr b="0" lang="pt-BR" sz="2000" spc="-1" strike="noStrike">
+                <a:latin typeface="Arial"/>
               </a:rPr>
-              <a:t>Fourth Outline </a:t>
+              <a:t>Fourth Outline Level</a:t>
             </a:r>
-            <a:r>
-              <a:rPr b="0" lang="en-US" sz="1400" spc="-1" strike="noStrike">
-                <a:solidFill>
-                  <a:srgbClr val="000000"/>
-                </a:solidFill>
-                <a:latin typeface="Tw Cen MT"/>
-              </a:rPr>
-              <a:t>Level</a:t>
-            </a:r>
-            <a:endParaRPr b="0" lang="en-US" sz="1400" spc="-1" strike="noStrike">
-              <a:solidFill>
-                <a:srgbClr val="000000"/>
-              </a:solidFill>
-              <a:latin typeface="Tw Cen MT"/>
+            <a:endParaRPr b="0" lang="pt-BR" sz="2000" spc="-1" strike="noStrike">
+              <a:latin typeface="Arial"/>
             </a:endParaRPr>
           </a:p>
           <a:p>
@@ -13426,46 +12905,13 @@
               <a:buChar char=""/>
             </a:pPr>
             <a:r>
-              <a:rPr b="0" lang="en-US" sz="2000" spc="-1" strike="noStrike">
-                <a:solidFill>
-                  <a:srgbClr val="000000"/>
-                </a:solidFill>
-                <a:latin typeface="Tw Cen MT"/>
+              <a:rPr b="0" lang="pt-BR" sz="2000" spc="-1" strike="noStrike">
+                <a:latin typeface="Arial"/>
               </a:rPr>
-              <a:t>Fifth </a:t>
+              <a:t>Fifth Outline Level</a:t>
             </a:r>
-            <a:r>
-              <a:rPr b="0" lang="en-US" sz="2000" spc="-1" strike="noStrike">
-                <a:solidFill>
-                  <a:srgbClr val="000000"/>
-                </a:solidFill>
-                <a:latin typeface="Tw Cen MT"/>
-              </a:rPr>
-              <a:t>Outlin</a:t>
-            </a:r>
-            <a:r>
-              <a:rPr b="0" lang="en-US" sz="2000" spc="-1" strike="noStrike">
-                <a:solidFill>
-                  <a:srgbClr val="000000"/>
-                </a:solidFill>
-                <a:latin typeface="Tw Cen MT"/>
-              </a:rPr>
-              <a:t>e </a:t>
-            </a:r>
-            <a:r>
-              <a:rPr b="0" lang="en-US" sz="2000" spc="-1" strike="noStrike">
-                <a:solidFill>
-                  <a:srgbClr val="000000"/>
-                </a:solidFill>
-                <a:latin typeface="Tw Cen MT"/>
-              </a:rPr>
-              <a:t>Level</a:t>
-            </a:r>
-            <a:endParaRPr b="0" lang="en-US" sz="2000" spc="-1" strike="noStrike">
-              <a:solidFill>
-                <a:srgbClr val="000000"/>
-              </a:solidFill>
-              <a:latin typeface="Tw Cen MT"/>
+            <a:endParaRPr b="0" lang="pt-BR" sz="2000" spc="-1" strike="noStrike">
+              <a:latin typeface="Arial"/>
             </a:endParaRPr>
           </a:p>
           <a:p>
@@ -13481,73 +12927,13 @@
               <a:buChar char=""/>
             </a:pPr>
             <a:r>
-              <a:rPr b="0" lang="en-US" sz="2000" spc="-1" strike="noStrike">
-                <a:solidFill>
-                  <a:srgbClr val="000000"/>
-                </a:solidFill>
-                <a:latin typeface="Tw Cen MT"/>
+              <a:rPr b="0" lang="pt-BR" sz="2000" spc="-1" strike="noStrike">
+                <a:latin typeface="Arial"/>
               </a:rPr>
-              <a:t>Six</a:t>
+              <a:t>Sixth Outline Level</a:t>
             </a:r>
-            <a:r>
-              <a:rPr b="0" lang="en-US" sz="2000" spc="-1" strike="noStrike">
-                <a:solidFill>
-                  <a:srgbClr val="000000"/>
-                </a:solidFill>
-                <a:latin typeface="Tw Cen MT"/>
-              </a:rPr>
-              <a:t>th </a:t>
-            </a:r>
-            <a:r>
-              <a:rPr b="0" lang="en-US" sz="2000" spc="-1" strike="noStrike">
-                <a:solidFill>
-                  <a:srgbClr val="000000"/>
-                </a:solidFill>
-                <a:latin typeface="Tw Cen MT"/>
-              </a:rPr>
-              <a:t>Ou</a:t>
-            </a:r>
-            <a:r>
-              <a:rPr b="0" lang="en-US" sz="2000" spc="-1" strike="noStrike">
-                <a:solidFill>
-                  <a:srgbClr val="000000"/>
-                </a:solidFill>
-                <a:latin typeface="Tw Cen MT"/>
-              </a:rPr>
-              <a:t>tlin</a:t>
-            </a:r>
-            <a:r>
-              <a:rPr b="0" lang="en-US" sz="2000" spc="-1" strike="noStrike">
-                <a:solidFill>
-                  <a:srgbClr val="000000"/>
-                </a:solidFill>
-                <a:latin typeface="Tw Cen MT"/>
-              </a:rPr>
-              <a:t>e </a:t>
-            </a:r>
-            <a:r>
-              <a:rPr b="0" lang="en-US" sz="2000" spc="-1" strike="noStrike">
-                <a:solidFill>
-                  <a:srgbClr val="000000"/>
-                </a:solidFill>
-                <a:latin typeface="Tw Cen MT"/>
-              </a:rPr>
-              <a:t>Le</a:t>
-            </a:r>
-            <a:r>
-              <a:rPr b="0" lang="en-US" sz="2000" spc="-1" strike="noStrike">
-                <a:solidFill>
-                  <a:srgbClr val="000000"/>
-                </a:solidFill>
-                <a:latin typeface="Tw Cen MT"/>
-              </a:rPr>
-              <a:t>vel</a:t>
-            </a:r>
-            <a:endParaRPr b="0" lang="en-US" sz="2000" spc="-1" strike="noStrike">
-              <a:solidFill>
-                <a:srgbClr val="000000"/>
-              </a:solidFill>
-              <a:latin typeface="Tw Cen MT"/>
+            <a:endParaRPr b="0" lang="pt-BR" sz="2000" spc="-1" strike="noStrike">
+              <a:latin typeface="Arial"/>
             </a:endParaRPr>
           </a:p>
           <a:p>
@@ -13563,199 +12949,13 @@
               <a:buChar char=""/>
             </a:pPr>
             <a:r>
-              <a:rPr b="0" lang="en-US" sz="2000" spc="-1" strike="noStrike">
-                <a:solidFill>
-                  <a:srgbClr val="000000"/>
-                </a:solidFill>
-                <a:latin typeface="Tw Cen MT"/>
+              <a:rPr b="0" lang="pt-BR" sz="2000" spc="-1" strike="noStrike">
+                <a:latin typeface="Arial"/>
               </a:rPr>
-              <a:t>S</a:t>
+              <a:t>Seventh Outline Level</a:t>
             </a:r>
-            <a:r>
-              <a:rPr b="0" lang="en-US" sz="2000" spc="-1" strike="noStrike">
-                <a:solidFill>
-                  <a:srgbClr val="000000"/>
-                </a:solidFill>
-                <a:latin typeface="Tw Cen MT"/>
-              </a:rPr>
-              <a:t>e</a:t>
-            </a:r>
-            <a:r>
-              <a:rPr b="0" lang="en-US" sz="2000" spc="-1" strike="noStrike">
-                <a:solidFill>
-                  <a:srgbClr val="000000"/>
-                </a:solidFill>
-                <a:latin typeface="Tw Cen MT"/>
-              </a:rPr>
-              <a:t>v</a:t>
-            </a:r>
-            <a:r>
-              <a:rPr b="0" lang="en-US" sz="2000" spc="-1" strike="noStrike">
-                <a:solidFill>
-                  <a:srgbClr val="000000"/>
-                </a:solidFill>
-                <a:latin typeface="Tw Cen MT"/>
-              </a:rPr>
-              <a:t>e</a:t>
-            </a:r>
-            <a:r>
-              <a:rPr b="0" lang="en-US" sz="2000" spc="-1" strike="noStrike">
-                <a:solidFill>
-                  <a:srgbClr val="000000"/>
-                </a:solidFill>
-                <a:latin typeface="Tw Cen MT"/>
-              </a:rPr>
-              <a:t>n</a:t>
-            </a:r>
-            <a:r>
-              <a:rPr b="0" lang="en-US" sz="2000" spc="-1" strike="noStrike">
-                <a:solidFill>
-                  <a:srgbClr val="000000"/>
-                </a:solidFill>
-                <a:latin typeface="Tw Cen MT"/>
-              </a:rPr>
-              <a:t>t</a:t>
-            </a:r>
-            <a:r>
-              <a:rPr b="0" lang="en-US" sz="2000" spc="-1" strike="noStrike">
-                <a:solidFill>
-                  <a:srgbClr val="000000"/>
-                </a:solidFill>
-                <a:latin typeface="Tw Cen MT"/>
-              </a:rPr>
-              <a:t>h</a:t>
-            </a:r>
-            <a:r>
-              <a:rPr b="0" lang="en-US" sz="2000" spc="-1" strike="noStrike">
-                <a:solidFill>
-                  <a:srgbClr val="000000"/>
-                </a:solidFill>
-                <a:latin typeface="Tw Cen MT"/>
-              </a:rPr>
-              <a:t> </a:t>
-            </a:r>
-            <a:r>
-              <a:rPr b="0" lang="en-US" sz="2000" spc="-1" strike="noStrike">
-                <a:solidFill>
-                  <a:srgbClr val="000000"/>
-                </a:solidFill>
-                <a:latin typeface="Tw Cen MT"/>
-              </a:rPr>
-              <a:t>O</a:t>
-            </a:r>
-            <a:r>
-              <a:rPr b="0" lang="en-US" sz="2000" spc="-1" strike="noStrike">
-                <a:solidFill>
-                  <a:srgbClr val="000000"/>
-                </a:solidFill>
-                <a:latin typeface="Tw Cen MT"/>
-              </a:rPr>
-              <a:t>u</a:t>
-            </a:r>
-            <a:r>
-              <a:rPr b="0" lang="en-US" sz="2000" spc="-1" strike="noStrike">
-                <a:solidFill>
-                  <a:srgbClr val="000000"/>
-                </a:solidFill>
-                <a:latin typeface="Tw Cen MT"/>
-              </a:rPr>
-              <a:t>t</a:t>
-            </a:r>
-            <a:r>
-              <a:rPr b="0" lang="en-US" sz="2000" spc="-1" strike="noStrike">
-                <a:solidFill>
-                  <a:srgbClr val="000000"/>
-                </a:solidFill>
-                <a:latin typeface="Tw Cen MT"/>
-              </a:rPr>
-              <a:t>l</a:t>
-            </a:r>
-            <a:r>
-              <a:rPr b="0" lang="en-US" sz="2000" spc="-1" strike="noStrike">
-                <a:solidFill>
-                  <a:srgbClr val="000000"/>
-                </a:solidFill>
-                <a:latin typeface="Tw Cen MT"/>
-              </a:rPr>
-              <a:t>i</a:t>
-            </a:r>
-            <a:r>
-              <a:rPr b="0" lang="en-US" sz="2000" spc="-1" strike="noStrike">
-                <a:solidFill>
-                  <a:srgbClr val="000000"/>
-                </a:solidFill>
-                <a:latin typeface="Tw Cen MT"/>
-              </a:rPr>
-              <a:t>n</a:t>
-            </a:r>
-            <a:r>
-              <a:rPr b="0" lang="en-US" sz="2000" spc="-1" strike="noStrike">
-                <a:solidFill>
-                  <a:srgbClr val="000000"/>
-                </a:solidFill>
-                <a:latin typeface="Tw Cen MT"/>
-              </a:rPr>
-              <a:t>e</a:t>
-            </a:r>
-            <a:r>
-              <a:rPr b="0" lang="en-US" sz="2000" spc="-1" strike="noStrike">
-                <a:solidFill>
-                  <a:srgbClr val="000000"/>
-                </a:solidFill>
-                <a:latin typeface="Tw Cen MT"/>
-              </a:rPr>
-              <a:t> </a:t>
-            </a:r>
-            <a:r>
-              <a:rPr b="0" lang="en-US" sz="2000" spc="-1" strike="noStrike">
-                <a:solidFill>
-                  <a:srgbClr val="000000"/>
-                </a:solidFill>
-                <a:latin typeface="Tw Cen MT"/>
-              </a:rPr>
-              <a:t>L</a:t>
-            </a:r>
-            <a:r>
-              <a:rPr b="0" lang="en-US" sz="2000" spc="-1" strike="noStrike">
-                <a:solidFill>
-                  <a:srgbClr val="000000"/>
-                </a:solidFill>
-                <a:latin typeface="Tw Cen MT"/>
-              </a:rPr>
-              <a:t>e</a:t>
-            </a:r>
-            <a:r>
-              <a:rPr b="0" lang="en-US" sz="2000" spc="-1" strike="noStrike">
-                <a:solidFill>
-                  <a:srgbClr val="000000"/>
-                </a:solidFill>
-                <a:latin typeface="Tw Cen MT"/>
-              </a:rPr>
-              <a:t>v</a:t>
-            </a:r>
-            <a:r>
-              <a:rPr b="0" lang="en-US" sz="2000" spc="-1" strike="noStrike">
-                <a:solidFill>
-                  <a:srgbClr val="000000"/>
-                </a:solidFill>
-                <a:latin typeface="Tw Cen MT"/>
-              </a:rPr>
-              <a:t>e</a:t>
-            </a:r>
-            <a:r>
-              <a:rPr b="0" lang="en-US" sz="2000" spc="-1" strike="noStrike">
-                <a:solidFill>
-                  <a:srgbClr val="000000"/>
-                </a:solidFill>
-                <a:latin typeface="Tw Cen MT"/>
-              </a:rPr>
-              <a:t>l</a:t>
-            </a:r>
-            <a:endParaRPr b="0" lang="en-US" sz="2000" spc="-1" strike="noStrike">
-              <a:solidFill>
-                <a:srgbClr val="000000"/>
-              </a:solidFill>
-              <a:latin typeface="Tw Cen MT"/>
+            <a:endParaRPr b="0" lang="pt-BR" sz="2000" spc="-1" strike="noStrike">
+              <a:latin typeface="Arial"/>
             </a:endParaRPr>
           </a:p>
         </p:txBody>
@@ -13806,19 +13006,19 @@
       </p:grpSpPr>
       <p:sp>
         <p:nvSpPr>
-          <p:cNvPr id="45" name="Line 1"/>
+          <p:cNvPr id="42" name="Line 1"/>
           <p:cNvSpPr/>
           <p:nvPr/>
         </p:nvSpPr>
         <p:spPr>
           <a:xfrm flipV="1">
             <a:off x="761760" y="826200"/>
-            <a:ext cx="0" cy="914400"/>
+            <a:ext cx="360" cy="914400"/>
           </a:xfrm>
           <a:prstGeom prst="line">
             <a:avLst/>
           </a:prstGeom>
-          <a:ln w="19050">
+          <a:ln w="19080">
             <a:solidFill>
               <a:schemeClr val="accent1"/>
             </a:solidFill>
@@ -13840,7 +13040,7 @@
       </p:sp>
       <p:sp>
         <p:nvSpPr>
-          <p:cNvPr id="46" name="PlaceHolder 2"/>
+          <p:cNvPr id="43" name="PlaceHolder 2"/>
           <p:cNvSpPr>
             <a:spLocks noGrp="1"/>
           </p:cNvSpPr>
@@ -13850,44 +13050,32 @@
         </p:nvSpPr>
         <p:spPr>
           <a:xfrm>
-            <a:off x="1024200" y="585360"/>
-            <a:ext cx="9719640" cy="1499400"/>
+            <a:off x="609480" y="273600"/>
+            <a:ext cx="10972440" cy="1144800"/>
           </a:xfrm>
           <a:prstGeom prst="rect">
             <a:avLst/>
           </a:prstGeom>
         </p:spPr>
         <p:txBody>
-          <a:bodyPr anchor="ctr">
-            <a:noAutofit/>
-          </a:bodyPr>
-          <a:p>
-            <a:pPr>
-              <a:lnSpc>
-                <a:spcPct val="80000"/>
-              </a:lnSpc>
-            </a:pPr>
+          <a:bodyPr lIns="0" rIns="0" tIns="0" bIns="0" anchor="ctr"/>
+          <a:p>
+            <a:pPr algn="ctr"/>
             <a:r>
-              <a:rPr b="0" lang="pt-BR" sz="5000" spc="97" strike="noStrike" cap="all">
-                <a:solidFill>
-                  <a:srgbClr val="0d0d0d"/>
-                </a:solidFill>
-                <a:latin typeface="Tw Cen MT Condensed"/>
+              <a:rPr b="0" lang="pt-BR" sz="4400" spc="-1" strike="noStrike">
+                <a:latin typeface="Arial"/>
               </a:rPr>
-              <a:t>Clique para editar o título Mestre</a:t>
+              <a:t>Click to edit the title text format</a:t>
             </a:r>
-            <a:endParaRPr b="0" lang="en-US" sz="5000" spc="-1" strike="noStrike">
-              <a:solidFill>
-                <a:srgbClr val="000000"/>
-              </a:solidFill>
-              <a:latin typeface="Tw Cen MT"/>
+            <a:endParaRPr b="0" lang="pt-BR" sz="4400" spc="-1" strike="noStrike">
+              <a:latin typeface="Arial"/>
             </a:endParaRPr>
           </a:p>
         </p:txBody>
       </p:sp>
       <p:sp>
         <p:nvSpPr>
-          <p:cNvPr id="47" name="PlaceHolder 3"/>
+          <p:cNvPr id="44" name="PlaceHolder 3"/>
           <p:cNvSpPr>
             <a:spLocks noGrp="1"/>
           </p:cNvSpPr>
@@ -13897,298 +13085,169 @@
         </p:nvSpPr>
         <p:spPr>
           <a:xfrm>
-            <a:off x="1024200" y="2286000"/>
-            <a:ext cx="9719640" cy="4023000"/>
+            <a:off x="609480" y="1604520"/>
+            <a:ext cx="10972440" cy="3977280"/>
           </a:xfrm>
           <a:prstGeom prst="rect">
             <a:avLst/>
           </a:prstGeom>
         </p:spPr>
         <p:txBody>
-          <a:bodyPr lIns="45720" rIns="45720">
-            <a:noAutofit/>
+          <a:bodyPr lIns="0" rIns="0" tIns="0" bIns="0">
+            <a:normAutofit/>
           </a:bodyPr>
           <a:p>
-            <a:pPr marL="91440" indent="-91080">
-              <a:lnSpc>
-                <a:spcPct val="90000"/>
-              </a:lnSpc>
+            <a:pPr marL="432000" indent="-324000">
               <a:spcBef>
-                <a:spcPts val="1199"/>
+                <a:spcPts val="1417"/>
               </a:spcBef>
-              <a:spcAft>
-                <a:spcPts val="201"/>
-              </a:spcAft>
               <a:buClr>
-                <a:srgbClr val="1cade4"/>
+                <a:srgbClr val="000000"/>
               </a:buClr>
-              <a:buFont typeface="Tw Cen MT"/>
-              <a:buChar char=" "/>
+              <a:buSzPct val="45000"/>
+              <a:buFont typeface="Wingdings" charset="2"/>
+              <a:buChar char=""/>
             </a:pPr>
             <a:r>
-              <a:rPr b="0" lang="pt-BR" sz="2200" spc="-1" strike="noStrike">
-                <a:solidFill>
-                  <a:srgbClr val="000000"/>
-                </a:solidFill>
-                <a:latin typeface="Tw Cen MT"/>
+              <a:rPr b="0" lang="pt-BR" sz="3200" spc="-1" strike="noStrike">
+                <a:latin typeface="Arial"/>
               </a:rPr>
-              <a:t>Clique para editar os estilos de texto Mestres</a:t>
+              <a:t>Click to edit the outline text format</a:t>
             </a:r>
-            <a:endParaRPr b="0" lang="en-US" sz="2200" spc="-1" strike="noStrike">
-              <a:solidFill>
+            <a:endParaRPr b="0" lang="pt-BR" sz="3200" spc="-1" strike="noStrike">
+              <a:latin typeface="Arial"/>
+            </a:endParaRPr>
+          </a:p>
+          <a:p>
+            <a:pPr lvl="1" marL="864000" indent="-324000">
+              <a:spcBef>
+                <a:spcPts val="1134"/>
+              </a:spcBef>
+              <a:buClr>
                 <a:srgbClr val="000000"/>
-              </a:solidFill>
-              <a:latin typeface="Tw Cen MT"/>
-            </a:endParaRPr>
-          </a:p>
-          <a:p>
-            <a:pPr lvl="1" marL="265320" indent="-136800">
-              <a:lnSpc>
-                <a:spcPct val="90000"/>
-              </a:lnSpc>
-              <a:spcBef>
-                <a:spcPts val="201"/>
-              </a:spcBef>
-              <a:spcAft>
-                <a:spcPts val="400"/>
-              </a:spcAft>
-              <a:buClr>
-                <a:srgbClr val="1cade4"/>
               </a:buClr>
-              <a:buFont typeface="Wingdings 3" charset="2"/>
-              <a:buChar char=""/>
+              <a:buSzPct val="75000"/>
+              <a:buFont typeface="Symbol" charset="2"/>
+              <a:buChar char=""/>
             </a:pPr>
             <a:r>
-              <a:rPr b="0" lang="pt-BR" sz="1800" spc="-1" strike="noStrike">
-                <a:solidFill>
-                  <a:srgbClr val="000000"/>
-                </a:solidFill>
-                <a:latin typeface="Tw Cen MT"/>
+              <a:rPr b="0" lang="pt-BR" sz="2800" spc="-1" strike="noStrike">
+                <a:latin typeface="Arial"/>
               </a:rPr>
-              <a:t>Segundo nível</a:t>
+              <a:t>Second Outline Level</a:t>
             </a:r>
-            <a:endParaRPr b="0" lang="en-US" sz="1800" spc="-1" strike="noStrike">
-              <a:solidFill>
+            <a:endParaRPr b="0" lang="pt-BR" sz="2800" spc="-1" strike="noStrike">
+              <a:latin typeface="Arial"/>
+            </a:endParaRPr>
+          </a:p>
+          <a:p>
+            <a:pPr lvl="2" marL="1296000" indent="-288000">
+              <a:spcBef>
+                <a:spcPts val="850"/>
+              </a:spcBef>
+              <a:buClr>
                 <a:srgbClr val="000000"/>
-              </a:solidFill>
-              <a:latin typeface="Tw Cen MT"/>
-            </a:endParaRPr>
-          </a:p>
-          <a:p>
-            <a:pPr lvl="2" marL="448200" indent="-136800">
-              <a:lnSpc>
-                <a:spcPct val="90000"/>
-              </a:lnSpc>
-              <a:spcBef>
-                <a:spcPts val="201"/>
-              </a:spcBef>
-              <a:spcAft>
-                <a:spcPts val="400"/>
-              </a:spcAft>
-              <a:buClr>
-                <a:srgbClr val="1cade4"/>
               </a:buClr>
-              <a:buFont typeface="Wingdings 3" charset="2"/>
-              <a:buChar char=""/>
+              <a:buSzPct val="45000"/>
+              <a:buFont typeface="Wingdings" charset="2"/>
+              <a:buChar char=""/>
             </a:pPr>
             <a:r>
-              <a:rPr b="0" lang="pt-BR" sz="1400" spc="-1" strike="noStrike">
-                <a:solidFill>
-                  <a:srgbClr val="000000"/>
-                </a:solidFill>
-                <a:latin typeface="Tw Cen MT"/>
+              <a:rPr b="0" lang="pt-BR" sz="2400" spc="-1" strike="noStrike">
+                <a:latin typeface="Arial"/>
               </a:rPr>
-              <a:t>Terceiro nível</a:t>
+              <a:t>Third Outline Level</a:t>
             </a:r>
-            <a:endParaRPr b="0" lang="en-US" sz="1400" spc="-1" strike="noStrike">
-              <a:solidFill>
+            <a:endParaRPr b="0" lang="pt-BR" sz="2400" spc="-1" strike="noStrike">
+              <a:latin typeface="Arial"/>
+            </a:endParaRPr>
+          </a:p>
+          <a:p>
+            <a:pPr lvl="3" marL="1728000" indent="-216000">
+              <a:spcBef>
+                <a:spcPts val="567"/>
+              </a:spcBef>
+              <a:buClr>
                 <a:srgbClr val="000000"/>
-              </a:solidFill>
-              <a:latin typeface="Tw Cen MT"/>
-            </a:endParaRPr>
-          </a:p>
-          <a:p>
-            <a:pPr lvl="3" marL="594360" indent="-136800">
-              <a:lnSpc>
-                <a:spcPct val="90000"/>
-              </a:lnSpc>
-              <a:spcBef>
-                <a:spcPts val="201"/>
-              </a:spcBef>
-              <a:spcAft>
-                <a:spcPts val="400"/>
-              </a:spcAft>
-              <a:buClr>
-                <a:srgbClr val="1cade4"/>
               </a:buClr>
-              <a:buFont typeface="Wingdings 3" charset="2"/>
-              <a:buChar char=""/>
+              <a:buSzPct val="75000"/>
+              <a:buFont typeface="Symbol" charset="2"/>
+              <a:buChar char=""/>
             </a:pPr>
             <a:r>
-              <a:rPr b="0" lang="pt-BR" sz="1400" spc="-1" strike="noStrike">
-                <a:solidFill>
-                  <a:srgbClr val="000000"/>
-                </a:solidFill>
-                <a:latin typeface="Tw Cen MT"/>
+              <a:rPr b="0" lang="pt-BR" sz="2000" spc="-1" strike="noStrike">
+                <a:latin typeface="Arial"/>
               </a:rPr>
-              <a:t>Quarto nível</a:t>
+              <a:t>Fourth Outline Level</a:t>
             </a:r>
-            <a:endParaRPr b="0" lang="en-US" sz="1400" spc="-1" strike="noStrike">
-              <a:solidFill>
+            <a:endParaRPr b="0" lang="pt-BR" sz="2000" spc="-1" strike="noStrike">
+              <a:latin typeface="Arial"/>
+            </a:endParaRPr>
+          </a:p>
+          <a:p>
+            <a:pPr lvl="4" marL="2160000" indent="-216000">
+              <a:spcBef>
+                <a:spcPts val="283"/>
+              </a:spcBef>
+              <a:buClr>
                 <a:srgbClr val="000000"/>
-              </a:solidFill>
-              <a:latin typeface="Tw Cen MT"/>
-            </a:endParaRPr>
-          </a:p>
-          <a:p>
-            <a:pPr lvl="4" marL="777240" indent="-136800">
-              <a:lnSpc>
-                <a:spcPct val="90000"/>
-              </a:lnSpc>
-              <a:spcBef>
-                <a:spcPts val="201"/>
-              </a:spcBef>
-              <a:spcAft>
-                <a:spcPts val="400"/>
-              </a:spcAft>
-              <a:buClr>
-                <a:srgbClr val="1cade4"/>
               </a:buClr>
-              <a:buFont typeface="Wingdings 3" charset="2"/>
-              <a:buChar char=""/>
+              <a:buSzPct val="45000"/>
+              <a:buFont typeface="Wingdings" charset="2"/>
+              <a:buChar char=""/>
             </a:pPr>
             <a:r>
-              <a:rPr b="0" lang="pt-BR" sz="1400" spc="-1" strike="noStrike">
-                <a:solidFill>
-                  <a:srgbClr val="000000"/>
-                </a:solidFill>
-                <a:latin typeface="Tw Cen MT"/>
+              <a:rPr b="0" lang="pt-BR" sz="2000" spc="-1" strike="noStrike">
+                <a:latin typeface="Arial"/>
               </a:rPr>
-              <a:t>Quinto nível</a:t>
+              <a:t>Fifth Outline Level</a:t>
             </a:r>
-            <a:endParaRPr b="0" lang="en-US" sz="1400" spc="-1" strike="noStrike">
-              <a:solidFill>
+            <a:endParaRPr b="0" lang="pt-BR" sz="2000" spc="-1" strike="noStrike">
+              <a:latin typeface="Arial"/>
+            </a:endParaRPr>
+          </a:p>
+          <a:p>
+            <a:pPr lvl="5" marL="2592000" indent="-216000">
+              <a:spcBef>
+                <a:spcPts val="283"/>
+              </a:spcBef>
+              <a:buClr>
                 <a:srgbClr val="000000"/>
-              </a:solidFill>
-              <a:latin typeface="Tw Cen MT"/>
-            </a:endParaRPr>
-          </a:p>
-        </p:txBody>
-      </p:sp>
-      <p:sp>
-        <p:nvSpPr>
-          <p:cNvPr id="48" name="PlaceHolder 4"/>
-          <p:cNvSpPr>
-            <a:spLocks noGrp="1"/>
-          </p:cNvSpPr>
-          <p:nvPr>
-            <p:ph type="dt"/>
-          </p:nvPr>
-        </p:nvSpPr>
-        <p:spPr>
-          <a:xfrm>
-            <a:off x="1024200" y="6470640"/>
-            <a:ext cx="2153880" cy="273960"/>
-          </a:xfrm>
-          <a:prstGeom prst="rect">
-            <a:avLst/>
-          </a:prstGeom>
-        </p:spPr>
-        <p:txBody>
-          <a:bodyPr anchor="ctr">
-            <a:noAutofit/>
-          </a:bodyPr>
-          <a:p>
-            <a:pPr>
-              <a:lnSpc>
-                <a:spcPct val="100000"/>
-              </a:lnSpc>
+              </a:buClr>
+              <a:buSzPct val="45000"/>
+              <a:buFont typeface="Wingdings" charset="2"/>
+              <a:buChar char=""/>
             </a:pPr>
-            <a:fld id="{DAA5E8CC-F92F-4CED-8103-D60AE0EAA546}" type="datetime">
-              <a:rPr b="0" lang="pt-BR" sz="1000" spc="-1" strike="noStrike">
-                <a:solidFill>
-                  <a:srgbClr val="0d0d0d"/>
-                </a:solidFill>
-                <a:latin typeface="Tw Cen MT Condensed"/>
+            <a:r>
+              <a:rPr b="0" lang="pt-BR" sz="2000" spc="-1" strike="noStrike">
+                <a:latin typeface="Arial"/>
               </a:rPr>
-              <a:t>20/09/22</a:t>
-            </a:fld>
-            <a:endParaRPr b="0" lang="en-US" sz="1000" spc="-1" strike="noStrike">
-              <a:latin typeface="Times New Roman"/>
-            </a:endParaRPr>
-          </a:p>
-        </p:txBody>
-      </p:sp>
-      <p:sp>
-        <p:nvSpPr>
-          <p:cNvPr id="49" name="PlaceHolder 5"/>
-          <p:cNvSpPr>
-            <a:spLocks noGrp="1"/>
-          </p:cNvSpPr>
-          <p:nvPr>
-            <p:ph type="ftr"/>
-          </p:nvPr>
-        </p:nvSpPr>
-        <p:spPr>
-          <a:xfrm>
-            <a:off x="4843080" y="6470640"/>
-            <a:ext cx="5901120" cy="273960"/>
-          </a:xfrm>
-          <a:prstGeom prst="rect">
-            <a:avLst/>
-          </a:prstGeom>
-        </p:spPr>
-        <p:txBody>
-          <a:bodyPr anchor="ctr">
-            <a:noAutofit/>
-          </a:bodyPr>
-          <a:p>
-            <a:endParaRPr b="0" lang="en-US" sz="2400" spc="-1" strike="noStrike">
-              <a:latin typeface="Times New Roman"/>
-            </a:endParaRPr>
-          </a:p>
-        </p:txBody>
-      </p:sp>
-      <p:sp>
-        <p:nvSpPr>
-          <p:cNvPr id="50" name="PlaceHolder 6"/>
-          <p:cNvSpPr>
-            <a:spLocks noGrp="1"/>
-          </p:cNvSpPr>
-          <p:nvPr>
-            <p:ph type="sldNum"/>
-          </p:nvPr>
-        </p:nvSpPr>
-        <p:spPr>
-          <a:xfrm>
-            <a:off x="10837440" y="6470640"/>
-            <a:ext cx="973440" cy="273960"/>
-          </a:xfrm>
-          <a:prstGeom prst="rect">
-            <a:avLst/>
-          </a:prstGeom>
-        </p:spPr>
-        <p:txBody>
-          <a:bodyPr anchor="ctr">
-            <a:noAutofit/>
-          </a:bodyPr>
-          <a:p>
-            <a:pPr>
-              <a:lnSpc>
-                <a:spcPct val="100000"/>
-              </a:lnSpc>
+              <a:t>Sixth Outline Level</a:t>
+            </a:r>
+            <a:endParaRPr b="0" lang="pt-BR" sz="2000" spc="-1" strike="noStrike">
+              <a:latin typeface="Arial"/>
+            </a:endParaRPr>
+          </a:p>
+          <a:p>
+            <a:pPr lvl="6" marL="3024000" indent="-216000">
+              <a:spcBef>
+                <a:spcPts val="283"/>
+              </a:spcBef>
+              <a:buClr>
+                <a:srgbClr val="000000"/>
+              </a:buClr>
+              <a:buSzPct val="45000"/>
+              <a:buFont typeface="Wingdings" charset="2"/>
+              <a:buChar char=""/>
             </a:pPr>
-            <a:fld id="{56EFE1D9-BF2C-4C03-B204-2E82127C39BF}" type="slidenum">
-              <a:rPr b="0" lang="pt-BR" sz="1000" spc="-1" strike="noStrike">
-                <a:solidFill>
-                  <a:srgbClr val="0d0d0d"/>
-                </a:solidFill>
-                <a:latin typeface="Tw Cen MT Condensed"/>
+            <a:r>
+              <a:rPr b="0" lang="pt-BR" sz="2000" spc="-1" strike="noStrike">
+                <a:latin typeface="Arial"/>
               </a:rPr>
-              <a:t>&lt;number&gt;</a:t>
-            </a:fld>
-            <a:endParaRPr b="0" lang="en-US" sz="1000" spc="-1" strike="noStrike">
-              <a:latin typeface="Times New Roman"/>
+              <a:t>Seventh Outline Level</a:t>
+            </a:r>
+            <a:endParaRPr b="0" lang="pt-BR" sz="2000" spc="-1" strike="noStrike">
+              <a:latin typeface="Arial"/>
             </a:endParaRPr>
           </a:p>
         </p:txBody>
@@ -14239,19 +13298,19 @@
       </p:grpSpPr>
       <p:sp>
         <p:nvSpPr>
-          <p:cNvPr id="87" name="Line 1"/>
+          <p:cNvPr id="81" name="Line 1"/>
           <p:cNvSpPr/>
           <p:nvPr/>
         </p:nvSpPr>
         <p:spPr>
           <a:xfrm flipV="1">
             <a:off x="761760" y="826200"/>
-            <a:ext cx="0" cy="914400"/>
+            <a:ext cx="360" cy="914400"/>
           </a:xfrm>
           <a:prstGeom prst="line">
             <a:avLst/>
           </a:prstGeom>
-          <a:ln w="19050">
+          <a:ln w="19080">
             <a:solidFill>
               <a:schemeClr val="accent1"/>
             </a:solidFill>
@@ -14273,287 +13332,19 @@
       </p:sp>
       <p:sp>
         <p:nvSpPr>
-          <p:cNvPr id="88" name="PlaceHolder 2"/>
-          <p:cNvSpPr>
-            <a:spLocks noGrp="1"/>
-          </p:cNvSpPr>
-          <p:nvPr>
-            <p:ph type="title"/>
-          </p:nvPr>
-        </p:nvSpPr>
-        <p:spPr>
-          <a:xfrm>
-            <a:off x="457200" y="4960080"/>
-            <a:ext cx="7772040" cy="1462680"/>
-          </a:xfrm>
-          <a:prstGeom prst="rect">
-            <a:avLst/>
-          </a:prstGeom>
-        </p:spPr>
-        <p:txBody>
-          <a:bodyPr anchor="ctr">
-            <a:normAutofit/>
-          </a:bodyPr>
-          <a:p>
-            <a:pPr algn="r">
-              <a:lnSpc>
-                <a:spcPct val="80000"/>
-              </a:lnSpc>
-            </a:pPr>
-            <a:r>
-              <a:rPr b="0" lang="pt-BR" sz="5000" spc="199" strike="noStrike" cap="all">
-                <a:solidFill>
-                  <a:srgbClr val="0d0d0d"/>
-                </a:solidFill>
-                <a:latin typeface="Tw Cen MT Condensed"/>
-              </a:rPr>
-              <a:t>Clique para editar o título Mestre</a:t>
-            </a:r>
-            <a:endParaRPr b="0" lang="en-US" sz="5000" spc="-1" strike="noStrike">
-              <a:solidFill>
-                <a:srgbClr val="000000"/>
-              </a:solidFill>
-              <a:latin typeface="Tw Cen MT"/>
-            </a:endParaRPr>
-          </a:p>
-        </p:txBody>
-      </p:sp>
-      <p:sp>
-        <p:nvSpPr>
-          <p:cNvPr id="89" name="PlaceHolder 3"/>
-          <p:cNvSpPr>
-            <a:spLocks noGrp="1"/>
-          </p:cNvSpPr>
-          <p:nvPr>
-            <p:ph type="body"/>
-          </p:nvPr>
-        </p:nvSpPr>
-        <p:spPr>
-          <a:xfrm>
-            <a:off x="0" y="0"/>
-            <a:ext cx="12188520" cy="4571640"/>
-          </a:xfrm>
-          <a:prstGeom prst="rect">
-            <a:avLst/>
-          </a:prstGeom>
-        </p:spPr>
-        <p:txBody>
-          <a:bodyPr lIns="457200" rIns="45720" tIns="365760">
-            <a:noAutofit/>
-          </a:bodyPr>
-          <a:p>
-            <a:pPr>
-              <a:lnSpc>
-                <a:spcPct val="100000"/>
-              </a:lnSpc>
-              <a:tabLst>
-                <a:tab algn="l" pos="0"/>
-              </a:tabLst>
-            </a:pPr>
-            <a:r>
-              <a:rPr b="0" lang="pt-BR" sz="3200" spc="-1" strike="noStrike">
-                <a:solidFill>
-                  <a:srgbClr val="000000"/>
-                </a:solidFill>
-                <a:latin typeface="Tw Cen MT"/>
-              </a:rPr>
-              <a:t>Clique no ícone para adicionar uma imagem</a:t>
-            </a:r>
-            <a:endParaRPr b="0" lang="en-US" sz="3200" spc="-1" strike="noStrike">
-              <a:solidFill>
-                <a:srgbClr val="000000"/>
-              </a:solidFill>
-              <a:latin typeface="Tw Cen MT"/>
-            </a:endParaRPr>
-          </a:p>
-        </p:txBody>
-      </p:sp>
-      <p:sp>
-        <p:nvSpPr>
-          <p:cNvPr id="90" name="PlaceHolder 4"/>
-          <p:cNvSpPr>
-            <a:spLocks noGrp="1"/>
-          </p:cNvSpPr>
-          <p:nvPr>
-            <p:ph type="body"/>
-          </p:nvPr>
-        </p:nvSpPr>
-        <p:spPr>
-          <a:xfrm>
-            <a:off x="8610480" y="4960080"/>
-            <a:ext cx="3200040" cy="1462680"/>
-          </a:xfrm>
-          <a:prstGeom prst="rect">
-            <a:avLst/>
-          </a:prstGeom>
-        </p:spPr>
-        <p:txBody>
-          <a:bodyPr anchor="ctr">
-            <a:normAutofit/>
-          </a:bodyPr>
-          <a:p>
-            <a:pPr>
-              <a:lnSpc>
-                <a:spcPct val="100000"/>
-              </a:lnSpc>
-              <a:spcAft>
-                <a:spcPts val="201"/>
-              </a:spcAft>
-              <a:tabLst>
-                <a:tab algn="l" pos="0"/>
-              </a:tabLst>
-            </a:pPr>
-            <a:r>
-              <a:rPr b="0" lang="pt-BR" sz="1800" spc="-1" strike="noStrike">
-                <a:solidFill>
-                  <a:srgbClr val="0d0d0d"/>
-                </a:solidFill>
-                <a:latin typeface="Tw Cen MT"/>
-              </a:rPr>
-              <a:t>Clique para editar os estilos de texto Mestres</a:t>
-            </a:r>
-            <a:endParaRPr b="0" lang="en-US" sz="1800" spc="-1" strike="noStrike">
-              <a:solidFill>
-                <a:srgbClr val="000000"/>
-              </a:solidFill>
-              <a:latin typeface="Tw Cen MT"/>
-            </a:endParaRPr>
-          </a:p>
-        </p:txBody>
-      </p:sp>
-      <p:sp>
-        <p:nvSpPr>
-          <p:cNvPr id="91" name="PlaceHolder 5"/>
-          <p:cNvSpPr>
-            <a:spLocks noGrp="1"/>
-          </p:cNvSpPr>
-          <p:nvPr>
-            <p:ph type="dt"/>
-          </p:nvPr>
-        </p:nvSpPr>
-        <p:spPr>
-          <a:xfrm>
-            <a:off x="1024200" y="6470640"/>
-            <a:ext cx="2153880" cy="273960"/>
-          </a:xfrm>
-          <a:prstGeom prst="rect">
-            <a:avLst/>
-          </a:prstGeom>
-        </p:spPr>
-        <p:txBody>
-          <a:bodyPr anchor="ctr">
-            <a:noAutofit/>
-          </a:bodyPr>
-          <a:p>
-            <a:pPr>
-              <a:lnSpc>
-                <a:spcPct val="100000"/>
-              </a:lnSpc>
-            </a:pPr>
-            <a:fld id="{048398BA-244A-4FE8-86A8-FB116A097CEA}" type="datetime">
-              <a:rPr b="0" lang="pt-BR" sz="1000" spc="-1" strike="noStrike">
-                <a:solidFill>
-                  <a:srgbClr val="0d0d0d"/>
-                </a:solidFill>
-                <a:latin typeface="Tw Cen MT Condensed"/>
-              </a:rPr>
-              <a:t>20/09/22</a:t>
-            </a:fld>
-            <a:endParaRPr b="0" lang="en-US" sz="1000" spc="-1" strike="noStrike">
-              <a:latin typeface="Times New Roman"/>
-            </a:endParaRPr>
-          </a:p>
-        </p:txBody>
-      </p:sp>
-      <p:sp>
-        <p:nvSpPr>
-          <p:cNvPr id="92" name="PlaceHolder 6"/>
-          <p:cNvSpPr>
-            <a:spLocks noGrp="1"/>
-          </p:cNvSpPr>
-          <p:nvPr>
-            <p:ph type="ftr"/>
-          </p:nvPr>
-        </p:nvSpPr>
-        <p:spPr>
-          <a:xfrm>
-            <a:off x="4843080" y="6470640"/>
-            <a:ext cx="5901120" cy="273960"/>
-          </a:xfrm>
-          <a:prstGeom prst="rect">
-            <a:avLst/>
-          </a:prstGeom>
-        </p:spPr>
-        <p:txBody>
-          <a:bodyPr anchor="ctr">
-            <a:noAutofit/>
-          </a:bodyPr>
-          <a:p>
-            <a:endParaRPr b="0" lang="en-US" sz="2400" spc="-1" strike="noStrike">
-              <a:latin typeface="Times New Roman"/>
-            </a:endParaRPr>
-          </a:p>
-        </p:txBody>
-      </p:sp>
-      <p:sp>
-        <p:nvSpPr>
-          <p:cNvPr id="93" name="PlaceHolder 7"/>
-          <p:cNvSpPr>
-            <a:spLocks noGrp="1"/>
-          </p:cNvSpPr>
-          <p:nvPr>
-            <p:ph type="sldNum"/>
-          </p:nvPr>
-        </p:nvSpPr>
-        <p:spPr>
-          <a:xfrm>
-            <a:off x="10837440" y="6470640"/>
-            <a:ext cx="973440" cy="273960"/>
-          </a:xfrm>
-          <a:prstGeom prst="rect">
-            <a:avLst/>
-          </a:prstGeom>
-        </p:spPr>
-        <p:txBody>
-          <a:bodyPr anchor="ctr">
-            <a:noAutofit/>
-          </a:bodyPr>
-          <a:p>
-            <a:pPr>
-              <a:lnSpc>
-                <a:spcPct val="100000"/>
-              </a:lnSpc>
-            </a:pPr>
-            <a:fld id="{36BCF659-1B1F-44B5-B6D2-C9546B404B1B}" type="slidenum">
-              <a:rPr b="0" lang="pt-BR" sz="1000" spc="-1" strike="noStrike">
-                <a:solidFill>
-                  <a:srgbClr val="0d0d0d"/>
-                </a:solidFill>
-                <a:latin typeface="Tw Cen MT Condensed"/>
-              </a:rPr>
-              <a:t>&lt;number&gt;</a:t>
-            </a:fld>
-            <a:endParaRPr b="0" lang="en-US" sz="1000" spc="-1" strike="noStrike">
-              <a:latin typeface="Times New Roman"/>
-            </a:endParaRPr>
-          </a:p>
-        </p:txBody>
-      </p:sp>
-      <p:sp>
-        <p:nvSpPr>
-          <p:cNvPr id="94" name="Line 8"/>
+          <p:cNvPr id="82" name="Line 2"/>
           <p:cNvSpPr/>
           <p:nvPr/>
         </p:nvSpPr>
         <p:spPr>
           <a:xfrm flipV="1">
             <a:off x="8386560" y="5263920"/>
-            <a:ext cx="0" cy="914400"/>
+            <a:ext cx="360" cy="914400"/>
           </a:xfrm>
           <a:prstGeom prst="line">
             <a:avLst/>
           </a:prstGeom>
-          <a:ln w="19050">
+          <a:ln w="19080">
             <a:solidFill>
               <a:schemeClr val="accent1"/>
             </a:solidFill>
@@ -14572,6 +13363,220 @@
           </a:effectRef>
           <a:fontRef idx="minor"/>
         </p:style>
+      </p:sp>
+      <p:sp>
+        <p:nvSpPr>
+          <p:cNvPr id="83" name="PlaceHolder 3"/>
+          <p:cNvSpPr>
+            <a:spLocks noGrp="1"/>
+          </p:cNvSpPr>
+          <p:nvPr>
+            <p:ph type="title"/>
+          </p:nvPr>
+        </p:nvSpPr>
+        <p:spPr>
+          <a:xfrm>
+            <a:off x="609480" y="273600"/>
+            <a:ext cx="10972440" cy="1144800"/>
+          </a:xfrm>
+          <a:prstGeom prst="rect">
+            <a:avLst/>
+          </a:prstGeom>
+        </p:spPr>
+        <p:txBody>
+          <a:bodyPr lIns="0" rIns="0" tIns="0" bIns="0" anchor="ctr"/>
+          <a:p>
+            <a:pPr algn="ctr"/>
+            <a:r>
+              <a:rPr b="0" lang="pt-BR" sz="4400" spc="-1" strike="noStrike">
+                <a:latin typeface="Arial"/>
+              </a:rPr>
+              <a:t>Click to edit the title text format</a:t>
+            </a:r>
+            <a:endParaRPr b="0" lang="pt-BR" sz="4400" spc="-1" strike="noStrike">
+              <a:latin typeface="Arial"/>
+            </a:endParaRPr>
+          </a:p>
+        </p:txBody>
+      </p:sp>
+      <p:sp>
+        <p:nvSpPr>
+          <p:cNvPr id="84" name="PlaceHolder 4"/>
+          <p:cNvSpPr>
+            <a:spLocks noGrp="1"/>
+          </p:cNvSpPr>
+          <p:nvPr>
+            <p:ph type="body"/>
+          </p:nvPr>
+        </p:nvSpPr>
+        <p:spPr>
+          <a:xfrm>
+            <a:off x="609480" y="1604520"/>
+            <a:ext cx="10972440" cy="3977280"/>
+          </a:xfrm>
+          <a:prstGeom prst="rect">
+            <a:avLst/>
+          </a:prstGeom>
+        </p:spPr>
+        <p:txBody>
+          <a:bodyPr lIns="0" rIns="0" tIns="0" bIns="0">
+            <a:normAutofit/>
+          </a:bodyPr>
+          <a:p>
+            <a:pPr marL="432000" indent="-324000">
+              <a:spcBef>
+                <a:spcPts val="1417"/>
+              </a:spcBef>
+              <a:buClr>
+                <a:srgbClr val="000000"/>
+              </a:buClr>
+              <a:buSzPct val="45000"/>
+              <a:buFont typeface="Wingdings" charset="2"/>
+              <a:buChar char=""/>
+            </a:pPr>
+            <a:r>
+              <a:rPr b="0" lang="pt-BR" sz="3200" spc="-1" strike="noStrike">
+                <a:latin typeface="Arial"/>
+              </a:rPr>
+              <a:t>Click to edit the outline text format</a:t>
+            </a:r>
+            <a:endParaRPr b="0" lang="pt-BR" sz="3200" spc="-1" strike="noStrike">
+              <a:latin typeface="Arial"/>
+            </a:endParaRPr>
+          </a:p>
+          <a:p>
+            <a:pPr lvl="1" marL="864000" indent="-324000">
+              <a:spcBef>
+                <a:spcPts val="1134"/>
+              </a:spcBef>
+              <a:buClr>
+                <a:srgbClr val="000000"/>
+              </a:buClr>
+              <a:buSzPct val="75000"/>
+              <a:buFont typeface="Symbol" charset="2"/>
+              <a:buChar char=""/>
+            </a:pPr>
+            <a:r>
+              <a:rPr b="0" lang="pt-BR" sz="2800" spc="-1" strike="noStrike">
+                <a:latin typeface="Arial"/>
+              </a:rPr>
+              <a:t>Second Outline Level</a:t>
+            </a:r>
+            <a:endParaRPr b="0" lang="pt-BR" sz="2800" spc="-1" strike="noStrike">
+              <a:latin typeface="Arial"/>
+            </a:endParaRPr>
+          </a:p>
+          <a:p>
+            <a:pPr lvl="2" marL="1296000" indent="-288000">
+              <a:spcBef>
+                <a:spcPts val="850"/>
+              </a:spcBef>
+              <a:buClr>
+                <a:srgbClr val="000000"/>
+              </a:buClr>
+              <a:buSzPct val="45000"/>
+              <a:buFont typeface="Wingdings" charset="2"/>
+              <a:buChar char=""/>
+            </a:pPr>
+            <a:r>
+              <a:rPr b="0" lang="pt-BR" sz="2400" spc="-1" strike="noStrike">
+                <a:latin typeface="Arial"/>
+              </a:rPr>
+              <a:t>Third Outline Level</a:t>
+            </a:r>
+            <a:endParaRPr b="0" lang="pt-BR" sz="2400" spc="-1" strike="noStrike">
+              <a:latin typeface="Arial"/>
+            </a:endParaRPr>
+          </a:p>
+          <a:p>
+            <a:pPr lvl="3" marL="1728000" indent="-216000">
+              <a:spcBef>
+                <a:spcPts val="567"/>
+              </a:spcBef>
+              <a:buClr>
+                <a:srgbClr val="000000"/>
+              </a:buClr>
+              <a:buSzPct val="75000"/>
+              <a:buFont typeface="Symbol" charset="2"/>
+              <a:buChar char=""/>
+            </a:pPr>
+            <a:r>
+              <a:rPr b="0" lang="pt-BR" sz="2000" spc="-1" strike="noStrike">
+                <a:latin typeface="Arial"/>
+              </a:rPr>
+              <a:t>Fourth Outline Level</a:t>
+            </a:r>
+            <a:endParaRPr b="0" lang="pt-BR" sz="2000" spc="-1" strike="noStrike">
+              <a:latin typeface="Arial"/>
+            </a:endParaRPr>
+          </a:p>
+          <a:p>
+            <a:pPr lvl="4" marL="2160000" indent="-216000">
+              <a:spcBef>
+                <a:spcPts val="283"/>
+              </a:spcBef>
+              <a:buClr>
+                <a:srgbClr val="000000"/>
+              </a:buClr>
+              <a:buSzPct val="45000"/>
+              <a:buFont typeface="Wingdings" charset="2"/>
+              <a:buChar char=""/>
+            </a:pPr>
+            <a:r>
+              <a:rPr b="0" lang="pt-BR" sz="2000" spc="-1" strike="noStrike">
+                <a:latin typeface="Arial"/>
+              </a:rPr>
+              <a:t>Fifth Outline Level</a:t>
+            </a:r>
+            <a:endParaRPr b="0" lang="pt-BR" sz="2000" spc="-1" strike="noStrike">
+              <a:latin typeface="Arial"/>
+            </a:endParaRPr>
+          </a:p>
+          <a:p>
+            <a:pPr lvl="5" marL="2592000" indent="-216000">
+              <a:spcBef>
+                <a:spcPts val="283"/>
+              </a:spcBef>
+              <a:buClr>
+                <a:srgbClr val="000000"/>
+              </a:buClr>
+              <a:buSzPct val="45000"/>
+              <a:buFont typeface="Wingdings" charset="2"/>
+              <a:buChar char=""/>
+            </a:pPr>
+            <a:r>
+              <a:rPr b="0" lang="pt-BR" sz="2000" spc="-1" strike="noStrike">
+                <a:latin typeface="Arial"/>
+              </a:rPr>
+              <a:t>Sixth Outline Level</a:t>
+            </a:r>
+            <a:endParaRPr b="0" lang="pt-BR" sz="2000" spc="-1" strike="noStrike">
+              <a:latin typeface="Arial"/>
+            </a:endParaRPr>
+          </a:p>
+          <a:p>
+            <a:pPr lvl="6" marL="3024000" indent="-216000">
+              <a:spcBef>
+                <a:spcPts val="283"/>
+              </a:spcBef>
+              <a:buClr>
+                <a:srgbClr val="000000"/>
+              </a:buClr>
+              <a:buSzPct val="45000"/>
+              <a:buFont typeface="Wingdings" charset="2"/>
+              <a:buChar char=""/>
+            </a:pPr>
+            <a:r>
+              <a:rPr b="0" lang="pt-BR" sz="2000" spc="-1" strike="noStrike">
+                <a:latin typeface="Arial"/>
+              </a:rPr>
+              <a:t>Seventh Outline Level</a:t>
+            </a:r>
+            <a:endParaRPr b="0" lang="pt-BR" sz="2000" spc="-1" strike="noStrike">
+              <a:latin typeface="Arial"/>
+            </a:endParaRPr>
+          </a:p>
+        </p:txBody>
       </p:sp>
     </p:spTree>
   </p:cSld>
@@ -14612,27 +13617,31 @@
       </p:grpSpPr>
       <p:sp>
         <p:nvSpPr>
-          <p:cNvPr id="131" name="TextShape 1"/>
-          <p:cNvSpPr txBox="1"/>
+          <p:cNvPr id="121" name="CustomShape 1"/>
+          <p:cNvSpPr/>
           <p:nvPr/>
         </p:nvSpPr>
         <p:spPr>
           <a:xfrm>
             <a:off x="457200" y="4960080"/>
-            <a:ext cx="7772040" cy="1462680"/>
+            <a:ext cx="7771680" cy="1462320"/>
           </a:xfrm>
           <a:prstGeom prst="rect">
             <a:avLst/>
           </a:prstGeom>
           <a:noFill/>
-          <a:ln w="0">
+          <a:ln>
             <a:noFill/>
           </a:ln>
         </p:spPr>
+        <p:style>
+          <a:lnRef idx="0"/>
+          <a:fillRef idx="0"/>
+          <a:effectRef idx="0"/>
+          <a:fontRef idx="minor"/>
+        </p:style>
         <p:txBody>
-          <a:bodyPr anchor="ctr">
-            <a:noAutofit/>
-          </a:bodyPr>
+          <a:bodyPr lIns="90000" rIns="90000" tIns="45000" bIns="45000" anchor="ctr"/>
           <a:p>
             <a:pPr algn="ctr">
               <a:lnSpc>
@@ -14640,7 +13649,7 @@
               </a:lnSpc>
             </a:pPr>
             <a:r>
-              <a:rPr b="0" lang="pt-BR" sz="5000" spc="199" strike="noStrike" cap="all">
+              <a:rPr b="0" lang="pt-BR" sz="5000" spc="197" strike="noStrike" cap="all">
                 <a:solidFill>
                   <a:srgbClr val="0d0d0d"/>
                 </a:solidFill>
@@ -14648,38 +13657,39 @@
               </a:rPr>
               <a:t>Sport Match</a:t>
             </a:r>
-            <a:endParaRPr b="0" lang="en-US" sz="5000" spc="-1" strike="noStrike">
-              <a:solidFill>
-                <a:srgbClr val="000000"/>
-              </a:solidFill>
-              <a:latin typeface="Tw Cen MT"/>
+            <a:endParaRPr b="0" lang="pt-BR" sz="5000" spc="-1" strike="noStrike">
+              <a:latin typeface="Arial"/>
             </a:endParaRPr>
           </a:p>
         </p:txBody>
       </p:sp>
       <p:sp>
         <p:nvSpPr>
-          <p:cNvPr id="132" name="TextShape 2"/>
-          <p:cNvSpPr txBox="1"/>
+          <p:cNvPr id="122" name="CustomShape 2"/>
+          <p:cNvSpPr/>
           <p:nvPr/>
         </p:nvSpPr>
         <p:spPr>
           <a:xfrm>
             <a:off x="8610480" y="4960080"/>
-            <a:ext cx="3200040" cy="1462680"/>
+            <a:ext cx="3199680" cy="1462320"/>
           </a:xfrm>
           <a:prstGeom prst="rect">
             <a:avLst/>
           </a:prstGeom>
           <a:noFill/>
-          <a:ln w="0">
+          <a:ln>
             <a:noFill/>
           </a:ln>
         </p:spPr>
+        <p:style>
+          <a:lnRef idx="0"/>
+          <a:fillRef idx="0"/>
+          <a:effectRef idx="0"/>
+          <a:fontRef idx="minor"/>
+        </p:style>
         <p:txBody>
-          <a:bodyPr anchor="ctr">
-            <a:noAutofit/>
-          </a:bodyPr>
+          <a:bodyPr lIns="90000" rIns="90000" tIns="45000" bIns="45000" anchor="ctr"/>
           <a:p>
             <a:pPr algn="ctr">
               <a:lnSpc>
@@ -14688,11 +13698,8 @@
               <a:spcAft>
                 <a:spcPts val="201"/>
               </a:spcAft>
-              <a:tabLst>
-                <a:tab algn="l" pos="0"/>
-              </a:tabLst>
             </a:pPr>
-            <a:endParaRPr b="0" lang="en-US" sz="3200" spc="-1" strike="noStrike">
+            <a:endParaRPr b="0" lang="pt-BR" sz="1800" spc="-1" strike="noStrike">
               <a:latin typeface="Arial"/>
             </a:endParaRPr>
           </a:p>
@@ -14704,9 +13711,6 @@
               <a:spcAft>
                 <a:spcPts val="201"/>
               </a:spcAft>
-              <a:tabLst>
-                <a:tab algn="l" pos="0"/>
-              </a:tabLst>
             </a:pPr>
             <a:r>
               <a:rPr b="1" lang="pt-BR" sz="2400" spc="-1" strike="noStrike">
@@ -14717,7 +13721,7 @@
               </a:rPr>
               <a:t>Equipe</a:t>
             </a:r>
-            <a:endParaRPr b="0" lang="en-US" sz="2400" spc="-1" strike="noStrike">
+            <a:endParaRPr b="0" lang="pt-BR" sz="2400" spc="-1" strike="noStrike">
               <a:latin typeface="Arial"/>
             </a:endParaRPr>
           </a:p>
@@ -14729,9 +13733,6 @@
               <a:spcAft>
                 <a:spcPts val="201"/>
               </a:spcAft>
-              <a:tabLst>
-                <a:tab algn="l" pos="0"/>
-              </a:tabLst>
             </a:pPr>
             <a:r>
               <a:rPr b="0" lang="pt-BR" sz="1800" spc="-1" strike="noStrike">
@@ -14742,7 +13743,7 @@
               </a:rPr>
               <a:t>Felipe </a:t>
             </a:r>
-            <a:endParaRPr b="0" lang="en-US" sz="1800" spc="-1" strike="noStrike">
+            <a:endParaRPr b="0" lang="pt-BR" sz="1800" spc="-1" strike="noStrike">
               <a:latin typeface="Arial"/>
             </a:endParaRPr>
           </a:p>
@@ -14754,9 +13755,6 @@
               <a:spcAft>
                 <a:spcPts val="201"/>
               </a:spcAft>
-              <a:tabLst>
-                <a:tab algn="l" pos="0"/>
-              </a:tabLst>
             </a:pPr>
             <a:r>
               <a:rPr b="0" lang="pt-BR" sz="1800" spc="-1" strike="noStrike">
@@ -14767,7 +13765,7 @@
               </a:rPr>
               <a:t>Pedro </a:t>
             </a:r>
-            <a:endParaRPr b="0" lang="en-US" sz="1800" spc="-1" strike="noStrike">
+            <a:endParaRPr b="0" lang="pt-BR" sz="1800" spc="-1" strike="noStrike">
               <a:latin typeface="Arial"/>
             </a:endParaRPr>
           </a:p>
@@ -14779,9 +13777,6 @@
               <a:spcAft>
                 <a:spcPts val="201"/>
               </a:spcAft>
-              <a:tabLst>
-                <a:tab algn="l" pos="0"/>
-              </a:tabLst>
             </a:pPr>
             <a:r>
               <a:rPr b="0" lang="pt-BR" sz="1800" spc="-1" strike="noStrike">
@@ -14792,7 +13787,7 @@
               </a:rPr>
               <a:t>Vitória </a:t>
             </a:r>
-            <a:endParaRPr b="0" lang="en-US" sz="1800" spc="-1" strike="noStrike">
+            <a:endParaRPr b="0" lang="pt-BR" sz="1800" spc="-1" strike="noStrike">
               <a:latin typeface="Arial"/>
             </a:endParaRPr>
           </a:p>
@@ -14804,9 +13799,6 @@
               <a:spcAft>
                 <a:spcPts val="201"/>
               </a:spcAft>
-              <a:tabLst>
-                <a:tab algn="l" pos="0"/>
-              </a:tabLst>
             </a:pPr>
             <a:r>
               <a:rPr b="0" lang="pt-BR" sz="1800" spc="-1" strike="noStrike">
@@ -14817,7 +13809,7 @@
               </a:rPr>
               <a:t>Allan</a:t>
             </a:r>
-            <a:endParaRPr b="0" lang="en-US" sz="1800" spc="-1" strike="noStrike">
+            <a:endParaRPr b="0" lang="pt-BR" sz="1800" spc="-1" strike="noStrike">
               <a:latin typeface="Arial"/>
             </a:endParaRPr>
           </a:p>
@@ -14829,9 +13821,6 @@
               <a:spcAft>
                 <a:spcPts val="201"/>
               </a:spcAft>
-              <a:tabLst>
-                <a:tab algn="l" pos="0"/>
-              </a:tabLst>
             </a:pPr>
             <a:r>
               <a:rPr b="0" lang="pt-BR" sz="1800" spc="-1" strike="noStrike">
@@ -14842,7 +13831,7 @@
               </a:rPr>
               <a:t>Letícia</a:t>
             </a:r>
-            <a:endParaRPr b="0" lang="en-US" sz="1800" spc="-1" strike="noStrike">
+            <a:endParaRPr b="0" lang="pt-BR" sz="1800" spc="-1" strike="noStrike">
               <a:latin typeface="Arial"/>
             </a:endParaRPr>
           </a:p>
@@ -14854,11 +13843,8 @@
               <a:spcAft>
                 <a:spcPts val="201"/>
               </a:spcAft>
-              <a:tabLst>
-                <a:tab algn="l" pos="0"/>
-              </a:tabLst>
             </a:pPr>
-            <a:endParaRPr b="0" lang="en-US" sz="1800" spc="-1" strike="noStrike">
+            <a:endParaRPr b="0" lang="pt-BR" sz="1800" spc="-1" strike="noStrike">
               <a:latin typeface="Arial"/>
             </a:endParaRPr>
           </a:p>
@@ -14874,6 +13860,33 @@
       <p:transition spd="slow"/>
     </mc:Fallback>
   </mc:AlternateContent>
+  <p:timing>
+    <p:tnLst>
+      <p:par>
+        <p:cTn id="1" dur="indefinite" restart="never" nodeType="tmRoot">
+          <p:childTnLst>
+            <p:seq>
+              <p:cTn id="2" dur="indefinite" nodeType="mainSeq"/>
+              <p:prevCondLst>
+                <p:cond delay="0" evt="onPrev">
+                  <p:tgtEl>
+                    <p:sldTgt/>
+                  </p:tgtEl>
+                </p:cond>
+              </p:prevCondLst>
+              <p:nextCondLst>
+                <p:cond delay="0" evt="onNext">
+                  <p:tgtEl>
+                    <p:sldTgt/>
+                  </p:tgtEl>
+                </p:cond>
+              </p:nextCondLst>
+            </p:seq>
+          </p:childTnLst>
+        </p:cTn>
+      </p:par>
+    </p:tnLst>
+  </p:timing>
 </p:sld>
 </file>
 
@@ -14896,27 +13909,31 @@
       </p:grpSpPr>
       <p:sp>
         <p:nvSpPr>
-          <p:cNvPr id="133" name="TextShape 1"/>
-          <p:cNvSpPr txBox="1"/>
+          <p:cNvPr id="123" name="CustomShape 1"/>
+          <p:cNvSpPr/>
           <p:nvPr/>
         </p:nvSpPr>
         <p:spPr>
           <a:xfrm>
-            <a:off x="1024200" y="585360"/>
-            <a:ext cx="9719640" cy="1499400"/>
+            <a:off x="864000" y="516960"/>
+            <a:ext cx="9719280" cy="1499040"/>
           </a:xfrm>
           <a:prstGeom prst="rect">
             <a:avLst/>
           </a:prstGeom>
           <a:noFill/>
-          <a:ln w="0">
+          <a:ln>
             <a:noFill/>
           </a:ln>
         </p:spPr>
+        <p:style>
+          <a:lnRef idx="0"/>
+          <a:fillRef idx="0"/>
+          <a:effectRef idx="0"/>
+          <a:fontRef idx="minor"/>
+        </p:style>
         <p:txBody>
-          <a:bodyPr anchor="ctr">
-            <a:noAutofit/>
-          </a:bodyPr>
+          <a:bodyPr lIns="90000" rIns="90000" tIns="45000" bIns="45000" anchor="ctr"/>
           <a:p>
             <a:pPr>
               <a:lnSpc>
@@ -14924,7 +13941,7 @@
               </a:lnSpc>
             </a:pPr>
             <a:r>
-              <a:rPr b="0" lang="pt-BR" sz="5000" spc="97" strike="noStrike" cap="all">
+              <a:rPr b="0" lang="pt-BR" sz="5000" spc="94" strike="noStrike" cap="all">
                 <a:solidFill>
                   <a:srgbClr val="0d0d0d"/>
                 </a:solidFill>
@@ -14932,44 +13949,68 @@
               </a:rPr>
               <a:t>Contexto DO Problema</a:t>
             </a:r>
-            <a:endParaRPr b="0" lang="en-US" sz="5000" spc="-1" strike="noStrike">
-              <a:solidFill>
-                <a:srgbClr val="000000"/>
-              </a:solidFill>
-              <a:latin typeface="Tw Cen MT"/>
+            <a:endParaRPr b="0" lang="pt-BR" sz="5000" spc="-1" strike="noStrike">
+              <a:latin typeface="Arial"/>
             </a:endParaRPr>
           </a:p>
         </p:txBody>
       </p:sp>
       <p:sp>
         <p:nvSpPr>
-          <p:cNvPr id="134" name="TextShape 2"/>
+          <p:cNvPr id="124" name="CustomShape 2"/>
+          <p:cNvSpPr/>
+          <p:nvPr/>
+        </p:nvSpPr>
+        <p:spPr>
+          <a:xfrm>
+            <a:off x="1152000" y="2313360"/>
+            <a:ext cx="9719280" cy="4022640"/>
+          </a:xfrm>
+          <a:prstGeom prst="rect">
+            <a:avLst/>
+          </a:prstGeom>
+          <a:noFill/>
+          <a:ln>
+            <a:noFill/>
+          </a:ln>
+        </p:spPr>
+        <p:style>
+          <a:lnRef idx="0"/>
+          <a:fillRef idx="0"/>
+          <a:effectRef idx="0"/>
+          <a:fontRef idx="minor"/>
+        </p:style>
+      </p:sp>
+      <p:sp>
+        <p:nvSpPr>
+          <p:cNvPr id="125" name="TextShape 3"/>
           <p:cNvSpPr txBox="1"/>
           <p:nvPr/>
         </p:nvSpPr>
         <p:spPr>
           <a:xfrm>
-            <a:off x="1024200" y="2286000"/>
-            <a:ext cx="9719640" cy="4023000"/>
+            <a:off x="792000" y="2016000"/>
+            <a:ext cx="7920000" cy="2138040"/>
           </a:xfrm>
           <a:prstGeom prst="rect">
             <a:avLst/>
           </a:prstGeom>
           <a:noFill/>
-          <a:ln w="0">
+          <a:ln>
             <a:noFill/>
           </a:ln>
         </p:spPr>
         <p:txBody>
-          <a:bodyPr lIns="45720" rIns="45720">
-            <a:noAutofit/>
-          </a:bodyPr>
-          <a:p>
-            <a:endParaRPr b="0" lang="en-US" sz="2200" spc="-1" strike="noStrike">
-              <a:solidFill>
-                <a:srgbClr val="000000"/>
-              </a:solidFill>
-              <a:latin typeface="Tw Cen MT"/>
+          <a:bodyPr lIns="90000" rIns="90000" tIns="45000" bIns="45000"/>
+          <a:p>
+            <a:r>
+              <a:rPr b="0" lang="pt-BR" sz="1800" spc="-1" strike="noStrike">
+                <a:latin typeface="Arial"/>
+              </a:rPr>
+              <a:t>Ao organizar-se para um esporte coletivo, é um fardo do organizador, tentar encontrar um horário que satisfaça a um grupo mínimo de participantes para possibilitar a realização do evento. Como exemplo o futebol, o ideal relatado nas entrevistas é que tenha-se no mínimo três times, para que haja período de descanso otimizado entre as partidas ( um time descansa enquanto dois jogam). Como custo deste problema, diminui-se a quantidade de jogos possíveis e torna o processo moroso para todos, diminuindo a qualidade de sua experiência.</a:t>
+            </a:r>
+            <a:endParaRPr b="0" lang="pt-BR" sz="1800" spc="-1" strike="noStrike">
+              <a:latin typeface="Arial"/>
             </a:endParaRPr>
           </a:p>
         </p:txBody>
@@ -14984,6 +14025,33 @@
       <p:transition spd="slow"/>
     </mc:Fallback>
   </mc:AlternateContent>
+  <p:timing>
+    <p:tnLst>
+      <p:par>
+        <p:cTn id="3" dur="indefinite" restart="never" nodeType="tmRoot">
+          <p:childTnLst>
+            <p:seq>
+              <p:cTn id="4" dur="indefinite" nodeType="mainSeq"/>
+              <p:prevCondLst>
+                <p:cond delay="0" evt="onPrev">
+                  <p:tgtEl>
+                    <p:sldTgt/>
+                  </p:tgtEl>
+                </p:cond>
+              </p:prevCondLst>
+              <p:nextCondLst>
+                <p:cond delay="0" evt="onNext">
+                  <p:tgtEl>
+                    <p:sldTgt/>
+                  </p:tgtEl>
+                </p:cond>
+              </p:nextCondLst>
+            </p:seq>
+          </p:childTnLst>
+        </p:cTn>
+      </p:par>
+    </p:tnLst>
+  </p:timing>
 </p:sld>
 </file>
 
@@ -15006,27 +14074,31 @@
       </p:grpSpPr>
       <p:sp>
         <p:nvSpPr>
-          <p:cNvPr id="135" name="TextShape 1"/>
-          <p:cNvSpPr txBox="1"/>
+          <p:cNvPr id="126" name="CustomShape 1"/>
+          <p:cNvSpPr/>
           <p:nvPr/>
         </p:nvSpPr>
         <p:spPr>
           <a:xfrm>
             <a:off x="1024200" y="585360"/>
-            <a:ext cx="9719640" cy="1499400"/>
+            <a:ext cx="9719280" cy="1499040"/>
           </a:xfrm>
           <a:prstGeom prst="rect">
             <a:avLst/>
           </a:prstGeom>
           <a:noFill/>
-          <a:ln w="0">
+          <a:ln>
             <a:noFill/>
           </a:ln>
         </p:spPr>
+        <p:style>
+          <a:lnRef idx="0"/>
+          <a:fillRef idx="0"/>
+          <a:effectRef idx="0"/>
+          <a:fontRef idx="minor"/>
+        </p:style>
         <p:txBody>
-          <a:bodyPr anchor="ctr">
-            <a:noAutofit/>
-          </a:bodyPr>
+          <a:bodyPr lIns="90000" rIns="90000" tIns="45000" bIns="45000" anchor="ctr"/>
           <a:p>
             <a:pPr>
               <a:lnSpc>
@@ -15034,7 +14106,7 @@
               </a:lnSpc>
             </a:pPr>
             <a:r>
-              <a:rPr b="0" lang="pt-BR" sz="5000" spc="97" strike="noStrike" cap="all">
+              <a:rPr b="0" lang="pt-BR" sz="5000" spc="94" strike="noStrike" cap="all">
                 <a:solidFill>
                   <a:srgbClr val="0d0d0d"/>
                 </a:solidFill>
@@ -15042,44 +14114,114 @@
               </a:rPr>
               <a:t>Público-Alvo | PERSONAS</a:t>
             </a:r>
-            <a:endParaRPr b="0" lang="en-US" sz="5000" spc="-1" strike="noStrike">
-              <a:solidFill>
-                <a:srgbClr val="000000"/>
-              </a:solidFill>
-              <a:latin typeface="Tw Cen MT"/>
+            <a:endParaRPr b="0" lang="pt-BR" sz="5000" spc="-1" strike="noStrike">
+              <a:latin typeface="Arial"/>
             </a:endParaRPr>
           </a:p>
         </p:txBody>
       </p:sp>
       <p:sp>
         <p:nvSpPr>
-          <p:cNvPr id="136" name="TextShape 2"/>
+          <p:cNvPr id="127" name="CustomShape 2"/>
+          <p:cNvSpPr/>
+          <p:nvPr/>
+        </p:nvSpPr>
+        <p:spPr>
+          <a:xfrm>
+            <a:off x="1024200" y="2286000"/>
+            <a:ext cx="9719280" cy="4022640"/>
+          </a:xfrm>
+          <a:prstGeom prst="rect">
+            <a:avLst/>
+          </a:prstGeom>
+          <a:noFill/>
+          <a:ln>
+            <a:noFill/>
+          </a:ln>
+        </p:spPr>
+        <p:style>
+          <a:lnRef idx="0"/>
+          <a:fillRef idx="0"/>
+          <a:effectRef idx="0"/>
+          <a:fontRef idx="minor"/>
+        </p:style>
+      </p:sp>
+      <p:sp>
+        <p:nvSpPr>
+          <p:cNvPr id="128" name="TextShape 3"/>
           <p:cNvSpPr txBox="1"/>
           <p:nvPr/>
         </p:nvSpPr>
         <p:spPr>
           <a:xfrm>
-            <a:off x="1024200" y="2286000"/>
-            <a:ext cx="9719640" cy="4023000"/>
+            <a:off x="1368000" y="2520000"/>
+            <a:ext cx="7992000" cy="3161880"/>
           </a:xfrm>
           <a:prstGeom prst="rect">
             <a:avLst/>
           </a:prstGeom>
           <a:noFill/>
-          <a:ln w="0">
+          <a:ln>
             <a:noFill/>
           </a:ln>
         </p:spPr>
         <p:txBody>
-          <a:bodyPr lIns="45720" rIns="45720">
-            <a:noAutofit/>
-          </a:bodyPr>
-          <a:p>
-            <a:endParaRPr b="0" lang="en-US" sz="2200" spc="-1" strike="noStrike">
-              <a:solidFill>
-                <a:srgbClr val="000000"/>
-              </a:solidFill>
-              <a:latin typeface="Tw Cen MT"/>
+          <a:bodyPr lIns="90000" rIns="90000" tIns="45000" bIns="45000"/>
+          <a:p>
+            <a:r>
+              <a:rPr b="0" lang="pt-BR" sz="1800" spc="-1" strike="noStrike">
+                <a:latin typeface="Arial"/>
+              </a:rPr>
+              <a:t>	</a:t>
+            </a:r>
+            <a:r>
+              <a:rPr b="0" lang="pt-BR" sz="1800" spc="-1" strike="noStrike">
+                <a:latin typeface="Arial"/>
+              </a:rPr>
+              <a:t>Esta solução tem como público-alvo profissionais urbanos que se organizam para prática de esportes.</a:t>
+            </a:r>
+            <a:endParaRPr b="0" lang="pt-BR" sz="1800" spc="-1" strike="noStrike">
+              <a:latin typeface="Arial"/>
+            </a:endParaRPr>
+          </a:p>
+          <a:p>
+            <a:r>
+              <a:rPr b="0" lang="pt-BR" sz="1800" spc="-1" strike="noStrike">
+                <a:latin typeface="Arial"/>
+              </a:rPr>
+              <a:t>	</a:t>
+            </a:r>
+            <a:r>
+              <a:rPr b="0" lang="pt-BR" sz="1800" spc="-1" strike="noStrike">
+                <a:latin typeface="Arial"/>
+              </a:rPr>
+              <a:t>Temos duas personas em mente, uma que tem maior aptidão para novas ferramentas e outra que é mais tolerante para iniciar o uso de nova ferramenta. O desafio com a segunda persona é trazê-lo para usar a ferramenta, após esta quebra de gelo inicial, este está muito mais propenso a continuar a usá-la, sendo o desafio inicial um empecilho também para a saída deste usuário. </a:t>
+            </a:r>
+            <a:r>
+              <a:rPr b="0" lang="pt-BR" sz="1800" spc="-1" strike="noStrike">
+                <a:latin typeface="Arial"/>
+              </a:rPr>
+              <a:t>	</a:t>
+            </a:r>
+            <a:endParaRPr b="0" lang="pt-BR" sz="1800" spc="-1" strike="noStrike">
+              <a:latin typeface="Arial"/>
+            </a:endParaRPr>
+          </a:p>
+          <a:p>
+            <a:r>
+              <a:rPr b="0" lang="pt-BR" sz="1800" spc="-1" strike="noStrike">
+                <a:latin typeface="Arial"/>
+              </a:rPr>
+              <a:t>	</a:t>
+            </a:r>
+            <a:r>
+              <a:rPr b="0" lang="pt-BR" sz="1800" spc="-1" strike="noStrike">
+                <a:latin typeface="Arial"/>
+              </a:rPr>
+              <a:t>Um desafio grande é criar o interesse no usuário, e um desafio ainda maior e mais importante é retê-lo satisfeito, pois um usuário que não está satisfeito além de deixar de usar o seu serviço ainda tornar-se-á um detrator, fazendo propaganda negativa. </a:t>
+            </a:r>
+            <a:endParaRPr b="0" lang="pt-BR" sz="1800" spc="-1" strike="noStrike">
+              <a:latin typeface="Arial"/>
             </a:endParaRPr>
           </a:p>
         </p:txBody>
@@ -15094,6 +14236,33 @@
       <p:transition spd="slow"/>
     </mc:Fallback>
   </mc:AlternateContent>
+  <p:timing>
+    <p:tnLst>
+      <p:par>
+        <p:cTn id="5" dur="indefinite" restart="never" nodeType="tmRoot">
+          <p:childTnLst>
+            <p:seq>
+              <p:cTn id="6" dur="indefinite" nodeType="mainSeq"/>
+              <p:prevCondLst>
+                <p:cond delay="0" evt="onPrev">
+                  <p:tgtEl>
+                    <p:sldTgt/>
+                  </p:tgtEl>
+                </p:cond>
+              </p:prevCondLst>
+              <p:nextCondLst>
+                <p:cond delay="0" evt="onNext">
+                  <p:tgtEl>
+                    <p:sldTgt/>
+                  </p:tgtEl>
+                </p:cond>
+              </p:nextCondLst>
+            </p:seq>
+          </p:childTnLst>
+        </p:cTn>
+      </p:par>
+    </p:tnLst>
+  </p:timing>
 </p:sld>
 </file>
 
@@ -15116,27 +14285,31 @@
       </p:grpSpPr>
       <p:sp>
         <p:nvSpPr>
-          <p:cNvPr id="137" name="TextShape 1"/>
-          <p:cNvSpPr txBox="1"/>
+          <p:cNvPr id="129" name="CustomShape 1"/>
+          <p:cNvSpPr/>
           <p:nvPr/>
         </p:nvSpPr>
         <p:spPr>
           <a:xfrm>
             <a:off x="1024200" y="585360"/>
-            <a:ext cx="9719640" cy="1499400"/>
+            <a:ext cx="9719280" cy="1499040"/>
           </a:xfrm>
           <a:prstGeom prst="rect">
             <a:avLst/>
           </a:prstGeom>
           <a:noFill/>
-          <a:ln w="0">
+          <a:ln>
             <a:noFill/>
           </a:ln>
         </p:spPr>
+        <p:style>
+          <a:lnRef idx="0"/>
+          <a:fillRef idx="0"/>
+          <a:effectRef idx="0"/>
+          <a:fontRef idx="minor"/>
+        </p:style>
         <p:txBody>
-          <a:bodyPr anchor="ctr">
-            <a:noAutofit/>
-          </a:bodyPr>
+          <a:bodyPr lIns="90000" rIns="90000" tIns="45000" bIns="45000" anchor="ctr"/>
           <a:p>
             <a:pPr>
               <a:lnSpc>
@@ -15144,7 +14317,7 @@
               </a:lnSpc>
             </a:pPr>
             <a:r>
-              <a:rPr b="0" lang="pt-BR" sz="5000" spc="97" strike="noStrike" cap="all">
+              <a:rPr b="0" lang="pt-BR" sz="5000" spc="94" strike="noStrike" cap="all">
                 <a:solidFill>
                   <a:srgbClr val="0d0d0d"/>
                 </a:solidFill>
@@ -15152,44 +14325,68 @@
               </a:rPr>
               <a:t>Proposta de Solução | Objetivos</a:t>
             </a:r>
-            <a:endParaRPr b="0" lang="en-US" sz="5000" spc="-1" strike="noStrike">
-              <a:solidFill>
-                <a:srgbClr val="000000"/>
-              </a:solidFill>
-              <a:latin typeface="Tw Cen MT"/>
+            <a:endParaRPr b="0" lang="pt-BR" sz="5000" spc="-1" strike="noStrike">
+              <a:latin typeface="Arial"/>
             </a:endParaRPr>
           </a:p>
         </p:txBody>
       </p:sp>
       <p:sp>
         <p:nvSpPr>
-          <p:cNvPr id="138" name="TextShape 2"/>
+          <p:cNvPr id="130" name="CustomShape 2"/>
+          <p:cNvSpPr/>
+          <p:nvPr/>
+        </p:nvSpPr>
+        <p:spPr>
+          <a:xfrm>
+            <a:off x="1024200" y="2286000"/>
+            <a:ext cx="9719280" cy="4022640"/>
+          </a:xfrm>
+          <a:prstGeom prst="rect">
+            <a:avLst/>
+          </a:prstGeom>
+          <a:noFill/>
+          <a:ln>
+            <a:noFill/>
+          </a:ln>
+        </p:spPr>
+        <p:style>
+          <a:lnRef idx="0"/>
+          <a:fillRef idx="0"/>
+          <a:effectRef idx="0"/>
+          <a:fontRef idx="minor"/>
+        </p:style>
+      </p:sp>
+      <p:sp>
+        <p:nvSpPr>
+          <p:cNvPr id="131" name="TextShape 3"/>
           <p:cNvSpPr txBox="1"/>
           <p:nvPr/>
         </p:nvSpPr>
         <p:spPr>
           <a:xfrm>
-            <a:off x="1024200" y="2286000"/>
-            <a:ext cx="9719640" cy="4023000"/>
+            <a:off x="1224000" y="2448000"/>
+            <a:ext cx="9072000" cy="858240"/>
           </a:xfrm>
           <a:prstGeom prst="rect">
             <a:avLst/>
           </a:prstGeom>
           <a:noFill/>
-          <a:ln w="0">
+          <a:ln>
             <a:noFill/>
           </a:ln>
         </p:spPr>
         <p:txBody>
-          <a:bodyPr lIns="45720" rIns="45720">
-            <a:noAutofit/>
-          </a:bodyPr>
-          <a:p>
-            <a:endParaRPr b="0" lang="en-US" sz="2200" spc="-1" strike="noStrike">
-              <a:solidFill>
-                <a:srgbClr val="000000"/>
-              </a:solidFill>
-              <a:latin typeface="Tw Cen MT"/>
+          <a:bodyPr lIns="90000" rIns="90000" tIns="45000" bIns="45000"/>
+          <a:p>
+            <a:r>
+              <a:rPr b="0" lang="pt-BR" sz="1800" spc="-1" strike="noStrike">
+                <a:latin typeface="Arial"/>
+              </a:rPr>
+              <a:t>O esboço inicial é criar uma plataforma que automatize a criação de um sistema que automatize a organização de diferentes horários de indivídios para que estes possam encontrar um ponto em comum em suas janelas de horário disponíveis.</a:t>
+            </a:r>
+            <a:endParaRPr b="0" lang="pt-BR" sz="1800" spc="-1" strike="noStrike">
+              <a:latin typeface="Arial"/>
             </a:endParaRPr>
           </a:p>
         </p:txBody>
@@ -15204,6 +14401,33 @@
       <p:transition spd="slow"/>
     </mc:Fallback>
   </mc:AlternateContent>
+  <p:timing>
+    <p:tnLst>
+      <p:par>
+        <p:cTn id="7" dur="indefinite" restart="never" nodeType="tmRoot">
+          <p:childTnLst>
+            <p:seq>
+              <p:cTn id="8" dur="indefinite" nodeType="mainSeq"/>
+              <p:prevCondLst>
+                <p:cond delay="0" evt="onPrev">
+                  <p:tgtEl>
+                    <p:sldTgt/>
+                  </p:tgtEl>
+                </p:cond>
+              </p:prevCondLst>
+              <p:nextCondLst>
+                <p:cond delay="0" evt="onNext">
+                  <p:tgtEl>
+                    <p:sldTgt/>
+                  </p:tgtEl>
+                </p:cond>
+              </p:nextCondLst>
+            </p:seq>
+          </p:childTnLst>
+        </p:cTn>
+      </p:par>
+    </p:tnLst>
+  </p:timing>
 </p:sld>
 </file>
 
@@ -15226,27 +14450,31 @@
       </p:grpSpPr>
       <p:sp>
         <p:nvSpPr>
-          <p:cNvPr id="139" name="TextShape 1"/>
-          <p:cNvSpPr txBox="1"/>
+          <p:cNvPr id="132" name="CustomShape 1"/>
+          <p:cNvSpPr/>
           <p:nvPr/>
         </p:nvSpPr>
         <p:spPr>
           <a:xfrm>
             <a:off x="1024200" y="585360"/>
-            <a:ext cx="9719640" cy="1499400"/>
+            <a:ext cx="9719280" cy="1499040"/>
           </a:xfrm>
           <a:prstGeom prst="rect">
             <a:avLst/>
           </a:prstGeom>
           <a:noFill/>
-          <a:ln w="0">
+          <a:ln>
             <a:noFill/>
           </a:ln>
         </p:spPr>
+        <p:style>
+          <a:lnRef idx="0"/>
+          <a:fillRef idx="0"/>
+          <a:effectRef idx="0"/>
+          <a:fontRef idx="minor"/>
+        </p:style>
         <p:txBody>
-          <a:bodyPr anchor="ctr">
-            <a:noAutofit/>
-          </a:bodyPr>
+          <a:bodyPr lIns="90000" rIns="90000" tIns="45000" bIns="45000" anchor="ctr"/>
           <a:p>
             <a:pPr>
               <a:lnSpc>
@@ -15254,7 +14482,7 @@
               </a:lnSpc>
             </a:pPr>
             <a:r>
-              <a:rPr b="0" lang="pt-BR" sz="5000" spc="97" strike="noStrike" cap="all">
+              <a:rPr b="0" lang="pt-BR" sz="5000" spc="94" strike="noStrike" cap="all">
                 <a:solidFill>
                   <a:srgbClr val="0d0d0d"/>
                 </a:solidFill>
@@ -15262,36 +14490,39 @@
               </a:rPr>
               <a:t>Histórias de Usuários e Requisitos</a:t>
             </a:r>
-            <a:endParaRPr b="0" lang="en-US" sz="5000" spc="-1" strike="noStrike">
-              <a:solidFill>
-                <a:srgbClr val="000000"/>
-              </a:solidFill>
-              <a:latin typeface="Tw Cen MT"/>
+            <a:endParaRPr b="0" lang="pt-BR" sz="5000" spc="-1" strike="noStrike">
+              <a:latin typeface="Arial"/>
             </a:endParaRPr>
           </a:p>
         </p:txBody>
       </p:sp>
       <p:sp>
         <p:nvSpPr>
-          <p:cNvPr id="140" name="TextShape 2"/>
-          <p:cNvSpPr txBox="1"/>
+          <p:cNvPr id="133" name="CustomShape 2"/>
+          <p:cNvSpPr/>
           <p:nvPr/>
         </p:nvSpPr>
         <p:spPr>
           <a:xfrm>
             <a:off x="1024200" y="2286000"/>
-            <a:ext cx="9719640" cy="4023000"/>
+            <a:ext cx="9719280" cy="4022640"/>
           </a:xfrm>
           <a:prstGeom prst="rect">
             <a:avLst/>
           </a:prstGeom>
           <a:noFill/>
-          <a:ln w="0">
+          <a:ln>
             <a:noFill/>
           </a:ln>
         </p:spPr>
+        <p:style>
+          <a:lnRef idx="0"/>
+          <a:fillRef idx="0"/>
+          <a:effectRef idx="0"/>
+          <a:fontRef idx="minor"/>
+        </p:style>
         <p:txBody>
-          <a:bodyPr lIns="45720" rIns="45720">
+          <a:bodyPr lIns="45720" rIns="45720" tIns="45000" bIns="45000">
             <a:normAutofit/>
           </a:bodyPr>
           <a:p>
@@ -15305,9 +14536,6 @@
               <a:spcAft>
                 <a:spcPts val="201"/>
               </a:spcAft>
-              <a:tabLst>
-                <a:tab algn="l" pos="0"/>
-              </a:tabLst>
             </a:pPr>
             <a:r>
               <a:rPr b="0" lang="pt-BR" sz="2200" spc="-1" strike="noStrike">
@@ -15318,15 +14546,12 @@
               </a:rPr>
               <a:t>Histórias de Usuários</a:t>
             </a:r>
-            <a:endParaRPr b="0" lang="en-US" sz="2200" spc="-1" strike="noStrike">
-              <a:solidFill>
-                <a:srgbClr val="000000"/>
-              </a:solidFill>
-              <a:latin typeface="Tw Cen MT"/>
-            </a:endParaRPr>
-          </a:p>
-          <a:p>
-            <a:pPr marL="266760" indent="-266400">
+            <a:endParaRPr b="0" lang="pt-BR" sz="2200" spc="-1" strike="noStrike">
+              <a:latin typeface="Arial"/>
+            </a:endParaRPr>
+          </a:p>
+          <a:p>
+            <a:pPr marL="266760" indent="-266040">
               <a:lnSpc>
                 <a:spcPct val="90000"/>
               </a:lnSpc>
@@ -15341,9 +14566,6 @@
               </a:buClr>
               <a:buFont typeface="Wingdings" charset="2"/>
               <a:buChar char=""/>
-              <a:tabLst>
-                <a:tab algn="l" pos="0"/>
-              </a:tabLst>
             </a:pPr>
             <a:r>
               <a:rPr b="0" lang="pt-BR" sz="2200" spc="-1" strike="noStrike">
@@ -15352,13 +14574,10 @@
                 </a:solidFill>
                 <a:latin typeface="Tw Cen MT"/>
               </a:rPr>
-              <a:t>agdasdads</a:t>
+              <a:t> </a:t>
             </a:r>
-            <a:endParaRPr b="0" lang="en-US" sz="2200" spc="-1" strike="noStrike">
-              <a:solidFill>
-                <a:srgbClr val="000000"/>
-              </a:solidFill>
-              <a:latin typeface="Tw Cen MT"/>
+            <a:endParaRPr b="0" lang="pt-BR" sz="2200" spc="-1" strike="noStrike">
+              <a:latin typeface="Arial"/>
             </a:endParaRPr>
           </a:p>
           <a:p>
@@ -15372,15 +14591,9 @@
               <a:spcAft>
                 <a:spcPts val="201"/>
               </a:spcAft>
-              <a:tabLst>
-                <a:tab algn="l" pos="0"/>
-              </a:tabLst>
             </a:pPr>
-            <a:endParaRPr b="0" lang="en-US" sz="2200" spc="-1" strike="noStrike">
-              <a:solidFill>
-                <a:srgbClr val="000000"/>
-              </a:solidFill>
-              <a:latin typeface="Tw Cen MT"/>
+            <a:endParaRPr b="0" lang="pt-BR" sz="2200" spc="-1" strike="noStrike">
+              <a:latin typeface="Arial"/>
             </a:endParaRPr>
           </a:p>
           <a:p>
@@ -15394,9 +14607,6 @@
               <a:spcAft>
                 <a:spcPts val="201"/>
               </a:spcAft>
-              <a:tabLst>
-                <a:tab algn="l" pos="0"/>
-              </a:tabLst>
             </a:pPr>
             <a:r>
               <a:rPr b="0" lang="pt-BR" sz="2200" spc="-1" strike="noStrike">
@@ -15407,15 +14617,12 @@
               </a:rPr>
               <a:t>Requisitos Funcionais</a:t>
             </a:r>
-            <a:endParaRPr b="0" lang="en-US" sz="2200" spc="-1" strike="noStrike">
-              <a:solidFill>
-                <a:srgbClr val="000000"/>
-              </a:solidFill>
-              <a:latin typeface="Tw Cen MT"/>
-            </a:endParaRPr>
-          </a:p>
-          <a:p>
-            <a:pPr marL="266760" indent="-266400">
+            <a:endParaRPr b="0" lang="pt-BR" sz="2200" spc="-1" strike="noStrike">
+              <a:latin typeface="Arial"/>
+            </a:endParaRPr>
+          </a:p>
+          <a:p>
+            <a:pPr marL="266760" indent="-266040">
               <a:lnSpc>
                 <a:spcPct val="90000"/>
               </a:lnSpc>
@@ -15430,9 +14637,6 @@
               </a:buClr>
               <a:buFont typeface="Wingdings" charset="2"/>
               <a:buChar char=""/>
-              <a:tabLst>
-                <a:tab algn="l" pos="0"/>
-              </a:tabLst>
             </a:pPr>
             <a:r>
               <a:rPr b="0" lang="pt-BR" sz="2200" spc="-1" strike="noStrike">
@@ -15443,11 +14647,8 @@
               </a:rPr>
               <a:t>agdasdads</a:t>
             </a:r>
-            <a:endParaRPr b="0" lang="en-US" sz="2200" spc="-1" strike="noStrike">
-              <a:solidFill>
-                <a:srgbClr val="000000"/>
-              </a:solidFill>
-              <a:latin typeface="Tw Cen MT"/>
+            <a:endParaRPr b="0" lang="pt-BR" sz="2200" spc="-1" strike="noStrike">
+              <a:latin typeface="Arial"/>
             </a:endParaRPr>
           </a:p>
           <a:p>
@@ -15461,15 +14662,9 @@
               <a:spcAft>
                 <a:spcPts val="201"/>
               </a:spcAft>
-              <a:tabLst>
-                <a:tab algn="l" pos="0"/>
-              </a:tabLst>
             </a:pPr>
-            <a:endParaRPr b="0" lang="en-US" sz="2200" spc="-1" strike="noStrike">
-              <a:solidFill>
-                <a:srgbClr val="000000"/>
-              </a:solidFill>
-              <a:latin typeface="Tw Cen MT"/>
+            <a:endParaRPr b="0" lang="pt-BR" sz="2200" spc="-1" strike="noStrike">
+              <a:latin typeface="Arial"/>
             </a:endParaRPr>
           </a:p>
           <a:p>
@@ -15483,9 +14678,6 @@
               <a:spcAft>
                 <a:spcPts val="201"/>
               </a:spcAft>
-              <a:tabLst>
-                <a:tab algn="l" pos="0"/>
-              </a:tabLst>
             </a:pPr>
             <a:r>
               <a:rPr b="0" lang="pt-BR" sz="2200" spc="-1" strike="noStrike">
@@ -15496,15 +14688,12 @@
               </a:rPr>
               <a:t>Requisitos Não Funcionais</a:t>
             </a:r>
-            <a:endParaRPr b="0" lang="en-US" sz="2200" spc="-1" strike="noStrike">
-              <a:solidFill>
-                <a:srgbClr val="000000"/>
-              </a:solidFill>
-              <a:latin typeface="Tw Cen MT"/>
-            </a:endParaRPr>
-          </a:p>
-          <a:p>
-            <a:pPr marL="266760" indent="-266400">
+            <a:endParaRPr b="0" lang="pt-BR" sz="2200" spc="-1" strike="noStrike">
+              <a:latin typeface="Arial"/>
+            </a:endParaRPr>
+          </a:p>
+          <a:p>
+            <a:pPr marL="266760" indent="-266040">
               <a:lnSpc>
                 <a:spcPct val="90000"/>
               </a:lnSpc>
@@ -15519,9 +14708,6 @@
               </a:buClr>
               <a:buFont typeface="Wingdings" charset="2"/>
               <a:buChar char=""/>
-              <a:tabLst>
-                <a:tab algn="l" pos="0"/>
-              </a:tabLst>
             </a:pPr>
             <a:r>
               <a:rPr b="0" lang="pt-BR" sz="2200" spc="-1" strike="noStrike">
@@ -15532,11 +14718,42 @@
               </a:rPr>
               <a:t>agdasdads</a:t>
             </a:r>
-            <a:endParaRPr b="0" lang="en-US" sz="2200" spc="-1" strike="noStrike">
-              <a:solidFill>
-                <a:srgbClr val="000000"/>
-              </a:solidFill>
-              <a:latin typeface="Tw Cen MT"/>
+            <a:endParaRPr b="0" lang="pt-BR" sz="2200" spc="-1" strike="noStrike">
+              <a:latin typeface="Arial"/>
+            </a:endParaRPr>
+          </a:p>
+        </p:txBody>
+      </p:sp>
+      <p:sp>
+        <p:nvSpPr>
+          <p:cNvPr id="134" name="TextShape 3"/>
+          <p:cNvSpPr txBox="1"/>
+          <p:nvPr/>
+        </p:nvSpPr>
+        <p:spPr>
+          <a:xfrm>
+            <a:off x="1368000" y="2952000"/>
+            <a:ext cx="9288000" cy="858240"/>
+          </a:xfrm>
+          <a:prstGeom prst="rect">
+            <a:avLst/>
+          </a:prstGeom>
+          <a:noFill/>
+          <a:ln>
+            <a:noFill/>
+          </a:ln>
+        </p:spPr>
+        <p:txBody>
+          <a:bodyPr lIns="90000" rIns="90000" tIns="45000" bIns="45000"/>
+          <a:p>
+            <a:r>
+              <a:rPr b="0" lang="pt-BR" sz="1800" spc="-1" strike="noStrike">
+                <a:latin typeface="Arial"/>
+              </a:rPr>
+              <a:t>Registramos várias queixas de usuários que perdem bastante tempo organizando os detalhes mais desinteressantes, em alguns casos atrapalhando bastante a sua experiência que, isolado este fator, seria bem agradável.</a:t>
+            </a:r>
+            <a:endParaRPr b="0" lang="pt-BR" sz="1800" spc="-1" strike="noStrike">
+              <a:latin typeface="Arial"/>
             </a:endParaRPr>
           </a:p>
         </p:txBody>
@@ -15551,6 +14768,33 @@
       <p:transition spd="slow"/>
     </mc:Fallback>
   </mc:AlternateContent>
+  <p:timing>
+    <p:tnLst>
+      <p:par>
+        <p:cTn id="9" dur="indefinite" restart="never" nodeType="tmRoot">
+          <p:childTnLst>
+            <p:seq>
+              <p:cTn id="10" dur="indefinite" nodeType="mainSeq"/>
+              <p:prevCondLst>
+                <p:cond delay="0" evt="onPrev">
+                  <p:tgtEl>
+                    <p:sldTgt/>
+                  </p:tgtEl>
+                </p:cond>
+              </p:prevCondLst>
+              <p:nextCondLst>
+                <p:cond delay="0" evt="onNext">
+                  <p:tgtEl>
+                    <p:sldTgt/>
+                  </p:tgtEl>
+                </p:cond>
+              </p:nextCondLst>
+            </p:seq>
+          </p:childTnLst>
+        </p:cTn>
+      </p:par>
+    </p:tnLst>
+  </p:timing>
 </p:sld>
 </file>
 
@@ -15573,27 +14817,31 @@
       </p:grpSpPr>
       <p:sp>
         <p:nvSpPr>
-          <p:cNvPr id="141" name="TextShape 1"/>
-          <p:cNvSpPr txBox="1"/>
+          <p:cNvPr id="135" name="CustomShape 1"/>
+          <p:cNvSpPr/>
           <p:nvPr/>
         </p:nvSpPr>
         <p:spPr>
           <a:xfrm>
             <a:off x="1024200" y="585360"/>
-            <a:ext cx="9719640" cy="1499400"/>
+            <a:ext cx="9719280" cy="1499040"/>
           </a:xfrm>
           <a:prstGeom prst="rect">
             <a:avLst/>
           </a:prstGeom>
           <a:noFill/>
-          <a:ln w="0">
+          <a:ln>
             <a:noFill/>
           </a:ln>
         </p:spPr>
+        <p:style>
+          <a:lnRef idx="0"/>
+          <a:fillRef idx="0"/>
+          <a:effectRef idx="0"/>
+          <a:fontRef idx="minor"/>
+        </p:style>
         <p:txBody>
-          <a:bodyPr anchor="ctr">
-            <a:noAutofit/>
-          </a:bodyPr>
+          <a:bodyPr lIns="90000" rIns="90000" tIns="45000" bIns="45000" anchor="ctr"/>
           <a:p>
             <a:pPr>
               <a:lnSpc>
@@ -15601,7 +14849,7 @@
               </a:lnSpc>
             </a:pPr>
             <a:r>
-              <a:rPr b="0" lang="pt-BR" sz="5000" spc="97" strike="noStrike" cap="all">
+              <a:rPr b="0" lang="pt-BR" sz="5000" spc="94" strike="noStrike" cap="all">
                 <a:solidFill>
                   <a:srgbClr val="0d0d0d"/>
                 </a:solidFill>
@@ -15609,47 +14857,37 @@
               </a:rPr>
               <a:t>Projeto da Interface</a:t>
             </a:r>
-            <a:endParaRPr b="0" lang="en-US" sz="5000" spc="-1" strike="noStrike">
-              <a:solidFill>
-                <a:srgbClr val="000000"/>
-              </a:solidFill>
-              <a:latin typeface="Tw Cen MT"/>
+            <a:endParaRPr b="0" lang="pt-BR" sz="5000" spc="-1" strike="noStrike">
+              <a:latin typeface="Arial"/>
             </a:endParaRPr>
           </a:p>
         </p:txBody>
       </p:sp>
       <p:sp>
         <p:nvSpPr>
-          <p:cNvPr id="142" name="TextShape 2"/>
-          <p:cNvSpPr txBox="1"/>
+          <p:cNvPr id="136" name="CustomShape 2"/>
+          <p:cNvSpPr/>
           <p:nvPr/>
         </p:nvSpPr>
         <p:spPr>
           <a:xfrm>
             <a:off x="1024200" y="2286000"/>
-            <a:ext cx="9719640" cy="4023000"/>
+            <a:ext cx="9719280" cy="4022640"/>
           </a:xfrm>
           <a:prstGeom prst="rect">
             <a:avLst/>
           </a:prstGeom>
           <a:noFill/>
-          <a:ln w="0">
+          <a:ln>
             <a:noFill/>
           </a:ln>
         </p:spPr>
-        <p:txBody>
-          <a:bodyPr lIns="45720" rIns="45720">
-            <a:noAutofit/>
-          </a:bodyPr>
-          <a:p>
-            <a:endParaRPr b="0" lang="en-US" sz="2200" spc="-1" strike="noStrike">
-              <a:solidFill>
-                <a:srgbClr val="000000"/>
-              </a:solidFill>
-              <a:latin typeface="Tw Cen MT"/>
-            </a:endParaRPr>
-          </a:p>
-        </p:txBody>
+        <p:style>
+          <a:lnRef idx="0"/>
+          <a:fillRef idx="0"/>
+          <a:effectRef idx="0"/>
+          <a:fontRef idx="minor"/>
+        </p:style>
       </p:sp>
     </p:spTree>
   </p:cSld>
@@ -15661,6 +14899,33 @@
       <p:transition spd="slow"/>
     </mc:Fallback>
   </mc:AlternateContent>
+  <p:timing>
+    <p:tnLst>
+      <p:par>
+        <p:cTn id="11" dur="indefinite" restart="never" nodeType="tmRoot">
+          <p:childTnLst>
+            <p:seq>
+              <p:cTn id="12" dur="indefinite" nodeType="mainSeq"/>
+              <p:prevCondLst>
+                <p:cond delay="0" evt="onPrev">
+                  <p:tgtEl>
+                    <p:sldTgt/>
+                  </p:tgtEl>
+                </p:cond>
+              </p:prevCondLst>
+              <p:nextCondLst>
+                <p:cond delay="0" evt="onNext">
+                  <p:tgtEl>
+                    <p:sldTgt/>
+                  </p:tgtEl>
+                </p:cond>
+              </p:nextCondLst>
+            </p:seq>
+          </p:childTnLst>
+        </p:cTn>
+      </p:par>
+    </p:tnLst>
+  </p:timing>
 </p:sld>
 </file>
 
@@ -15683,27 +14948,31 @@
       </p:grpSpPr>
       <p:sp>
         <p:nvSpPr>
-          <p:cNvPr id="143" name="TextShape 1"/>
-          <p:cNvSpPr txBox="1"/>
+          <p:cNvPr id="137" name="CustomShape 1"/>
+          <p:cNvSpPr/>
           <p:nvPr/>
         </p:nvSpPr>
         <p:spPr>
           <a:xfrm>
             <a:off x="1024200" y="585360"/>
-            <a:ext cx="9719640" cy="1499400"/>
+            <a:ext cx="9719280" cy="1499040"/>
           </a:xfrm>
           <a:prstGeom prst="rect">
             <a:avLst/>
           </a:prstGeom>
           <a:noFill/>
-          <a:ln w="0">
+          <a:ln>
             <a:noFill/>
           </a:ln>
         </p:spPr>
+        <p:style>
+          <a:lnRef idx="0"/>
+          <a:fillRef idx="0"/>
+          <a:effectRef idx="0"/>
+          <a:fontRef idx="minor"/>
+        </p:style>
         <p:txBody>
-          <a:bodyPr anchor="ctr">
-            <a:noAutofit/>
-          </a:bodyPr>
+          <a:bodyPr lIns="90000" rIns="90000" tIns="45000" bIns="45000" anchor="ctr"/>
           <a:p>
             <a:pPr>
               <a:lnSpc>
@@ -15711,7 +14980,7 @@
               </a:lnSpc>
             </a:pPr>
             <a:r>
-              <a:rPr b="0" lang="pt-BR" sz="5000" spc="97" strike="noStrike" cap="all">
+              <a:rPr b="0" lang="pt-BR" sz="5000" spc="94" strike="noStrike" cap="all">
                 <a:solidFill>
                   <a:srgbClr val="0d0d0d"/>
                 </a:solidFill>
@@ -15719,40 +14988,41 @@
               </a:rPr>
               <a:t>Metodologia</a:t>
             </a:r>
-            <a:endParaRPr b="0" lang="en-US" sz="5000" spc="-1" strike="noStrike">
-              <a:solidFill>
-                <a:srgbClr val="000000"/>
-              </a:solidFill>
-              <a:latin typeface="Tw Cen MT"/>
+            <a:endParaRPr b="0" lang="pt-BR" sz="5000" spc="-1" strike="noStrike">
+              <a:latin typeface="Arial"/>
             </a:endParaRPr>
           </a:p>
         </p:txBody>
       </p:sp>
       <p:sp>
         <p:nvSpPr>
-          <p:cNvPr id="144" name="TextShape 2"/>
-          <p:cNvSpPr txBox="1"/>
+          <p:cNvPr id="138" name="CustomShape 2"/>
+          <p:cNvSpPr/>
           <p:nvPr/>
         </p:nvSpPr>
         <p:spPr>
           <a:xfrm>
             <a:off x="1024200" y="2286000"/>
-            <a:ext cx="9719640" cy="4023000"/>
+            <a:ext cx="9719280" cy="4022640"/>
           </a:xfrm>
           <a:prstGeom prst="rect">
             <a:avLst/>
           </a:prstGeom>
           <a:noFill/>
-          <a:ln w="0">
+          <a:ln>
             <a:noFill/>
           </a:ln>
         </p:spPr>
+        <p:style>
+          <a:lnRef idx="0"/>
+          <a:fillRef idx="0"/>
+          <a:effectRef idx="0"/>
+          <a:fontRef idx="minor"/>
+        </p:style>
         <p:txBody>
-          <a:bodyPr lIns="45720" rIns="45720">
-            <a:noAutofit/>
-          </a:bodyPr>
-          <a:p>
-            <a:pPr marL="91440" indent="-91080">
+          <a:bodyPr lIns="45720" rIns="45720" tIns="45000" bIns="45000"/>
+          <a:p>
+            <a:pPr marL="91440" indent="-90720">
               <a:lnSpc>
                 <a:spcPct val="90000"/>
               </a:lnSpc>
@@ -15777,15 +15047,12 @@
               </a:rPr>
               <a:t>Processo de Trabalho (Design Thinking e Scrum)</a:t>
             </a:r>
-            <a:endParaRPr b="0" lang="en-US" sz="2200" spc="-1" strike="noStrike">
-              <a:solidFill>
-                <a:srgbClr val="000000"/>
-              </a:solidFill>
-              <a:latin typeface="Tw Cen MT"/>
-            </a:endParaRPr>
-          </a:p>
-          <a:p>
-            <a:pPr marL="91440" indent="-91080">
+            <a:endParaRPr b="0" lang="pt-BR" sz="2200" spc="-1" strike="noStrike">
+              <a:latin typeface="Arial"/>
+            </a:endParaRPr>
+          </a:p>
+          <a:p>
+            <a:pPr marL="91440" indent="-90720">
               <a:lnSpc>
                 <a:spcPct val="90000"/>
               </a:lnSpc>
@@ -15810,15 +15077,12 @@
               </a:rPr>
               <a:t>Divisão de Papéis</a:t>
             </a:r>
-            <a:endParaRPr b="0" lang="en-US" sz="2200" spc="-1" strike="noStrike">
-              <a:solidFill>
-                <a:srgbClr val="000000"/>
-              </a:solidFill>
-              <a:latin typeface="Tw Cen MT"/>
-            </a:endParaRPr>
-          </a:p>
-          <a:p>
-            <a:pPr marL="91440" indent="-91080">
+            <a:endParaRPr b="0" lang="pt-BR" sz="2200" spc="-1" strike="noStrike">
+              <a:latin typeface="Arial"/>
+            </a:endParaRPr>
+          </a:p>
+          <a:p>
+            <a:pPr marL="91440" indent="-90720">
               <a:lnSpc>
                 <a:spcPct val="90000"/>
               </a:lnSpc>
@@ -15843,15 +15107,12 @@
               </a:rPr>
               <a:t>Ferramentas</a:t>
             </a:r>
-            <a:endParaRPr b="0" lang="en-US" sz="2200" spc="-1" strike="noStrike">
-              <a:solidFill>
-                <a:srgbClr val="000000"/>
-              </a:solidFill>
-              <a:latin typeface="Tw Cen MT"/>
-            </a:endParaRPr>
-          </a:p>
-          <a:p>
-            <a:pPr marL="91440" indent="-91080">
+            <a:endParaRPr b="0" lang="pt-BR" sz="2200" spc="-1" strike="noStrike">
+              <a:latin typeface="Arial"/>
+            </a:endParaRPr>
+          </a:p>
+          <a:p>
+            <a:pPr marL="91440" indent="-90720">
               <a:lnSpc>
                 <a:spcPct val="90000"/>
               </a:lnSpc>
@@ -15876,11 +15137,8 @@
               </a:rPr>
               <a:t>Controle de Versão</a:t>
             </a:r>
-            <a:endParaRPr b="0" lang="en-US" sz="2200" spc="-1" strike="noStrike">
-              <a:solidFill>
-                <a:srgbClr val="000000"/>
-              </a:solidFill>
-              <a:latin typeface="Tw Cen MT"/>
+            <a:endParaRPr b="0" lang="pt-BR" sz="2200" spc="-1" strike="noStrike">
+              <a:latin typeface="Arial"/>
             </a:endParaRPr>
           </a:p>
           <a:p>
@@ -15895,11 +15153,8 @@
                 <a:spcPts val="201"/>
               </a:spcAft>
             </a:pPr>
-            <a:endParaRPr b="0" lang="en-US" sz="2200" spc="-1" strike="noStrike">
-              <a:solidFill>
-                <a:srgbClr val="000000"/>
-              </a:solidFill>
-              <a:latin typeface="Tw Cen MT"/>
+            <a:endParaRPr b="0" lang="pt-BR" sz="2200" spc="-1" strike="noStrike">
+              <a:latin typeface="Arial"/>
             </a:endParaRPr>
           </a:p>
         </p:txBody>
@@ -15914,6 +15169,33 @@
       <p:transition spd="slow"/>
     </mc:Fallback>
   </mc:AlternateContent>
+  <p:timing>
+    <p:tnLst>
+      <p:par>
+        <p:cTn id="13" dur="indefinite" restart="never" nodeType="tmRoot">
+          <p:childTnLst>
+            <p:seq>
+              <p:cTn id="14" dur="indefinite" nodeType="mainSeq"/>
+              <p:prevCondLst>
+                <p:cond delay="0" evt="onPrev">
+                  <p:tgtEl>
+                    <p:sldTgt/>
+                  </p:tgtEl>
+                </p:cond>
+              </p:prevCondLst>
+              <p:nextCondLst>
+                <p:cond delay="0" evt="onNext">
+                  <p:tgtEl>
+                    <p:sldTgt/>
+                  </p:tgtEl>
+                </p:cond>
+              </p:nextCondLst>
+            </p:seq>
+          </p:childTnLst>
+        </p:cTn>
+      </p:par>
+    </p:tnLst>
+  </p:timing>
 </p:sld>
 </file>
 
@@ -15936,7 +15218,7 @@
       </p:grpSpPr>
       <p:pic>
         <p:nvPicPr>
-          <p:cNvPr id="145" name="Picture 2" descr=""/>
+          <p:cNvPr id="139" name="Picture 2" descr=""/>
           <p:cNvPicPr/>
           <p:nvPr/>
         </p:nvPicPr>
@@ -15948,39 +15230,43 @@
         <p:spPr>
           <a:xfrm>
             <a:off x="0" y="0"/>
-            <a:ext cx="12188520" cy="4571640"/>
+            <a:ext cx="12188160" cy="4571280"/>
           </a:xfrm>
           <a:prstGeom prst="rect">
             <a:avLst/>
           </a:prstGeom>
-          <a:ln w="0">
+          <a:ln>
             <a:noFill/>
           </a:ln>
         </p:spPr>
       </p:pic>
       <p:sp>
         <p:nvSpPr>
-          <p:cNvPr id="146" name="TextShape 1"/>
-          <p:cNvSpPr txBox="1"/>
+          <p:cNvPr id="140" name="CustomShape 1"/>
+          <p:cNvSpPr/>
           <p:nvPr/>
         </p:nvSpPr>
         <p:spPr>
           <a:xfrm>
             <a:off x="457560" y="4960440"/>
-            <a:ext cx="7772040" cy="1462680"/>
+            <a:ext cx="7771680" cy="1462320"/>
           </a:xfrm>
           <a:prstGeom prst="rect">
             <a:avLst/>
           </a:prstGeom>
           <a:noFill/>
-          <a:ln w="0">
+          <a:ln>
             <a:noFill/>
           </a:ln>
         </p:spPr>
+        <p:style>
+          <a:lnRef idx="0"/>
+          <a:fillRef idx="0"/>
+          <a:effectRef idx="0"/>
+          <a:fontRef idx="minor"/>
+        </p:style>
         <p:txBody>
-          <a:bodyPr anchor="ctr">
-            <a:noAutofit/>
-          </a:bodyPr>
+          <a:bodyPr lIns="90000" rIns="90000" tIns="45000" bIns="45000" anchor="ctr"/>
           <a:p>
             <a:pPr algn="ctr">
               <a:lnSpc>
@@ -15988,7 +15274,7 @@
               </a:lnSpc>
             </a:pPr>
             <a:r>
-              <a:rPr b="0" lang="pt-BR" sz="5000" spc="199" strike="noStrike" cap="all">
+              <a:rPr b="0" lang="pt-BR" sz="5000" spc="197" strike="noStrike" cap="all">
                 <a:solidFill>
                   <a:srgbClr val="0d0d0d"/>
                 </a:solidFill>
@@ -15996,38 +15282,39 @@
               </a:rPr>
               <a:t>Sport Match</a:t>
             </a:r>
-            <a:endParaRPr b="0" lang="en-US" sz="5000" spc="-1" strike="noStrike">
-              <a:solidFill>
-                <a:srgbClr val="000000"/>
-              </a:solidFill>
-              <a:latin typeface="Tw Cen MT"/>
+            <a:endParaRPr b="0" lang="pt-BR" sz="5000" spc="-1" strike="noStrike">
+              <a:latin typeface="Arial"/>
             </a:endParaRPr>
           </a:p>
         </p:txBody>
       </p:sp>
       <p:sp>
         <p:nvSpPr>
-          <p:cNvPr id="147" name="TextShape 2"/>
-          <p:cNvSpPr txBox="1"/>
+          <p:cNvPr id="141" name="CustomShape 2"/>
+          <p:cNvSpPr/>
           <p:nvPr/>
         </p:nvSpPr>
         <p:spPr>
           <a:xfrm>
             <a:off x="8610840" y="5021280"/>
-            <a:ext cx="3200040" cy="1462680"/>
+            <a:ext cx="3199680" cy="1462320"/>
           </a:xfrm>
           <a:prstGeom prst="rect">
             <a:avLst/>
           </a:prstGeom>
           <a:noFill/>
-          <a:ln w="0">
+          <a:ln>
             <a:noFill/>
           </a:ln>
         </p:spPr>
+        <p:style>
+          <a:lnRef idx="0"/>
+          <a:fillRef idx="0"/>
+          <a:effectRef idx="0"/>
+          <a:fontRef idx="minor"/>
+        </p:style>
         <p:txBody>
-          <a:bodyPr anchor="ctr">
-            <a:noAutofit/>
-          </a:bodyPr>
+          <a:bodyPr lIns="90000" rIns="90000" tIns="45000" bIns="45000" anchor="ctr"/>
           <a:p>
             <a:pPr algn="ctr">
               <a:lnSpc>
@@ -16036,11 +15323,8 @@
               <a:spcAft>
                 <a:spcPts val="201"/>
               </a:spcAft>
-              <a:tabLst>
-                <a:tab algn="l" pos="0"/>
-              </a:tabLst>
             </a:pPr>
-            <a:endParaRPr b="0" lang="en-US" sz="3200" spc="-1" strike="noStrike">
+            <a:endParaRPr b="0" lang="pt-BR" sz="1800" spc="-1" strike="noStrike">
               <a:latin typeface="Arial"/>
             </a:endParaRPr>
           </a:p>
@@ -16052,9 +15336,6 @@
               <a:spcAft>
                 <a:spcPts val="201"/>
               </a:spcAft>
-              <a:tabLst>
-                <a:tab algn="l" pos="0"/>
-              </a:tabLst>
             </a:pPr>
             <a:r>
               <a:rPr b="1" lang="pt-BR" sz="2400" spc="-1" strike="noStrike">
@@ -16065,7 +15346,7 @@
               </a:rPr>
               <a:t>Equipe</a:t>
             </a:r>
-            <a:endParaRPr b="0" lang="en-US" sz="2400" spc="-1" strike="noStrike">
+            <a:endParaRPr b="0" lang="pt-BR" sz="2400" spc="-1" strike="noStrike">
               <a:latin typeface="Arial"/>
             </a:endParaRPr>
           </a:p>
@@ -16077,9 +15358,6 @@
               <a:spcAft>
                 <a:spcPts val="201"/>
               </a:spcAft>
-              <a:tabLst>
-                <a:tab algn="l" pos="0"/>
-              </a:tabLst>
             </a:pPr>
             <a:r>
               <a:rPr b="0" lang="pt-BR" sz="1800" spc="-1" strike="noStrike">
@@ -16090,7 +15368,7 @@
               </a:rPr>
               <a:t>Felipe </a:t>
             </a:r>
-            <a:endParaRPr b="0" lang="en-US" sz="1800" spc="-1" strike="noStrike">
+            <a:endParaRPr b="0" lang="pt-BR" sz="1800" spc="-1" strike="noStrike">
               <a:latin typeface="Arial"/>
             </a:endParaRPr>
           </a:p>
@@ -16102,9 +15380,6 @@
               <a:spcAft>
                 <a:spcPts val="201"/>
               </a:spcAft>
-              <a:tabLst>
-                <a:tab algn="l" pos="0"/>
-              </a:tabLst>
             </a:pPr>
             <a:r>
               <a:rPr b="0" lang="pt-BR" sz="1800" spc="-1" strike="noStrike">
@@ -16115,7 +15390,7 @@
               </a:rPr>
               <a:t>Pedro </a:t>
             </a:r>
-            <a:endParaRPr b="0" lang="en-US" sz="1800" spc="-1" strike="noStrike">
+            <a:endParaRPr b="0" lang="pt-BR" sz="1800" spc="-1" strike="noStrike">
               <a:latin typeface="Arial"/>
             </a:endParaRPr>
           </a:p>
@@ -16127,9 +15402,6 @@
               <a:spcAft>
                 <a:spcPts val="201"/>
               </a:spcAft>
-              <a:tabLst>
-                <a:tab algn="l" pos="0"/>
-              </a:tabLst>
             </a:pPr>
             <a:r>
               <a:rPr b="0" lang="pt-BR" sz="1800" spc="-1" strike="noStrike">
@@ -16140,7 +15412,7 @@
               </a:rPr>
               <a:t>Vitória </a:t>
             </a:r>
-            <a:endParaRPr b="0" lang="en-US" sz="1800" spc="-1" strike="noStrike">
+            <a:endParaRPr b="0" lang="pt-BR" sz="1800" spc="-1" strike="noStrike">
               <a:latin typeface="Arial"/>
             </a:endParaRPr>
           </a:p>
@@ -16152,9 +15424,6 @@
               <a:spcAft>
                 <a:spcPts val="201"/>
               </a:spcAft>
-              <a:tabLst>
-                <a:tab algn="l" pos="0"/>
-              </a:tabLst>
             </a:pPr>
             <a:r>
               <a:rPr b="0" lang="pt-BR" sz="1800" spc="-1" strike="noStrike">
@@ -16165,7 +15434,7 @@
               </a:rPr>
               <a:t>Allan</a:t>
             </a:r>
-            <a:endParaRPr b="0" lang="en-US" sz="1800" spc="-1" strike="noStrike">
+            <a:endParaRPr b="0" lang="pt-BR" sz="1800" spc="-1" strike="noStrike">
               <a:latin typeface="Arial"/>
             </a:endParaRPr>
           </a:p>
@@ -16177,9 +15446,6 @@
               <a:spcAft>
                 <a:spcPts val="201"/>
               </a:spcAft>
-              <a:tabLst>
-                <a:tab algn="l" pos="0"/>
-              </a:tabLst>
             </a:pPr>
             <a:r>
               <a:rPr b="0" lang="pt-BR" sz="1800" spc="-1" strike="noStrike">
@@ -16190,7 +15456,7 @@
               </a:rPr>
               <a:t>Letícia</a:t>
             </a:r>
-            <a:endParaRPr b="0" lang="en-US" sz="1800" spc="-1" strike="noStrike">
+            <a:endParaRPr b="0" lang="pt-BR" sz="1800" spc="-1" strike="noStrike">
               <a:latin typeface="Arial"/>
             </a:endParaRPr>
           </a:p>
@@ -16202,11 +15468,8 @@
               <a:spcAft>
                 <a:spcPts val="201"/>
               </a:spcAft>
-              <a:tabLst>
-                <a:tab algn="l" pos="0"/>
-              </a:tabLst>
             </a:pPr>
-            <a:endParaRPr b="0" lang="en-US" sz="1800" spc="-1" strike="noStrike">
+            <a:endParaRPr b="0" lang="pt-BR" sz="1800" spc="-1" strike="noStrike">
               <a:latin typeface="Arial"/>
             </a:endParaRPr>
           </a:p>
@@ -16222,6 +15485,33 @@
       <p:transition spd="slow"/>
     </mc:Fallback>
   </mc:AlternateContent>
+  <p:timing>
+    <p:tnLst>
+      <p:par>
+        <p:cTn id="15" dur="indefinite" restart="never" nodeType="tmRoot">
+          <p:childTnLst>
+            <p:seq>
+              <p:cTn id="16" dur="indefinite" nodeType="mainSeq"/>
+              <p:prevCondLst>
+                <p:cond delay="0" evt="onPrev">
+                  <p:tgtEl>
+                    <p:sldTgt/>
+                  </p:tgtEl>
+                </p:cond>
+              </p:prevCondLst>
+              <p:nextCondLst>
+                <p:cond delay="0" evt="onNext">
+                  <p:tgtEl>
+                    <p:sldTgt/>
+                  </p:tgtEl>
+                </p:cond>
+              </p:nextCondLst>
+            </p:seq>
+          </p:childTnLst>
+        </p:cTn>
+      </p:par>
+    </p:tnLst>
+  </p:timing>
 </p:sld>
 </file>
 
@@ -16339,21 +15629,18 @@
             </a:schemeClr>
           </a:solidFill>
           <a:prstDash val="solid"/>
-          <a:miter/>
         </a:ln>
         <a:ln w="25400" cap="flat" cmpd="sng" algn="ctr">
           <a:solidFill>
             <a:schemeClr val="phClr"/>
           </a:solidFill>
           <a:prstDash val="solid"/>
-          <a:miter/>
         </a:ln>
         <a:ln w="38100" cap="flat" cmpd="sng" algn="ctr">
           <a:solidFill>
             <a:schemeClr val="phClr"/>
           </a:solidFill>
           <a:prstDash val="solid"/>
-          <a:miter/>
         </a:ln>
       </a:lnStyleLst>
       <a:effectStyleLst>
@@ -16565,21 +15852,18 @@
             </a:schemeClr>
           </a:solidFill>
           <a:prstDash val="solid"/>
-          <a:miter/>
         </a:ln>
         <a:ln w="25400" cap="flat" cmpd="sng" algn="ctr">
           <a:solidFill>
             <a:schemeClr val="phClr"/>
           </a:solidFill>
           <a:prstDash val="solid"/>
-          <a:miter/>
         </a:ln>
         <a:ln w="38100" cap="flat" cmpd="sng" algn="ctr">
           <a:solidFill>
             <a:schemeClr val="phClr"/>
           </a:solidFill>
           <a:prstDash val="solid"/>
-          <a:miter/>
         </a:ln>
       </a:lnStyleLst>
       <a:effectStyleLst>
@@ -16791,21 +16075,18 @@
             </a:schemeClr>
           </a:solidFill>
           <a:prstDash val="solid"/>
-          <a:miter/>
         </a:ln>
         <a:ln w="25400" cap="flat" cmpd="sng" algn="ctr">
           <a:solidFill>
             <a:schemeClr val="phClr"/>
           </a:solidFill>
           <a:prstDash val="solid"/>
-          <a:miter/>
         </a:ln>
         <a:ln w="38100" cap="flat" cmpd="sng" algn="ctr">
           <a:solidFill>
             <a:schemeClr val="phClr"/>
           </a:solidFill>
           <a:prstDash val="solid"/>
-          <a:miter/>
         </a:ln>
       </a:lnStyleLst>
       <a:effectStyleLst>
